--- a/Project 1 FBRowther.pptx
+++ b/Project 1 FBRowther.pptx
@@ -5,10 +5,10 @@
     <p:sldMasterId id="2147483658" r:id="rId4"/>
   </p:sldMasterIdLst>
   <p:notesMasterIdLst>
-    <p:notesMasterId r:id="rId19"/>
+    <p:notesMasterId r:id="rId22"/>
   </p:notesMasterIdLst>
   <p:handoutMasterIdLst>
-    <p:handoutMasterId r:id="rId20"/>
+    <p:handoutMasterId r:id="rId23"/>
   </p:handoutMasterIdLst>
   <p:sldIdLst>
     <p:sldId id="350" r:id="rId5"/>
@@ -21,10 +21,13 @@
     <p:sldId id="377" r:id="rId12"/>
     <p:sldId id="379" r:id="rId13"/>
     <p:sldId id="381" r:id="rId14"/>
-    <p:sldId id="380" r:id="rId15"/>
-    <p:sldId id="382" r:id="rId16"/>
-    <p:sldId id="364" r:id="rId17"/>
-    <p:sldId id="343" r:id="rId18"/>
+    <p:sldId id="383" r:id="rId15"/>
+    <p:sldId id="380" r:id="rId16"/>
+    <p:sldId id="382" r:id="rId17"/>
+    <p:sldId id="385" r:id="rId18"/>
+    <p:sldId id="387" r:id="rId19"/>
+    <p:sldId id="364" r:id="rId20"/>
+    <p:sldId id="343" r:id="rId21"/>
   </p:sldIdLst>
   <p:sldSz cx="12192000" cy="6858000"/>
   <p:notesSz cx="6858000" cy="9144000"/>
@@ -701,7 +704,7 @@
           <a:p>
             <a:fld id="{A89C7E07-3C67-C64C-8DA0-0404F6303970}" type="slidenum">
               <a:rPr lang="en-US" smtClean="0"/>
-              <a:t>14</a:t>
+              <a:t>17</a:t>
             </a:fld>
             <a:endParaRPr lang="en-US" dirty="0"/>
           </a:p>
@@ -13837,8 +13840,8 @@
         </p:nvSpPr>
         <p:spPr>
           <a:xfrm>
-            <a:off x="299005" y="230670"/>
-            <a:ext cx="9160879" cy="610863"/>
+            <a:off x="464233" y="230670"/>
+            <a:ext cx="11506093" cy="610863"/>
           </a:xfrm>
         </p:spPr>
         <p:txBody>
@@ -13847,14 +13850,24 @@
           </a:bodyPr>
           <a:lstStyle/>
           <a:p>
+            <a:pPr algn="ctr"/>
             <a:r>
               <a:rPr lang="en-US" b="1" i="0" kern="1200" spc="100" baseline="0" dirty="0">
                 <a:latin typeface="+mj-lt"/>
                 <a:ea typeface="+mj-ea"/>
                 <a:cs typeface="+mj-cs"/>
               </a:rPr>
-              <a:t>Fuel-Type</a:t>
-            </a:r>
+              <a:t>Top 10 contributors</a:t>
+            </a:r>
+            <a:r>
+              <a:rPr lang="en-US" dirty="0"/>
+              <a:t> irrespective of sector</a:t>
+            </a:r>
+            <a:endParaRPr lang="en-US" b="1" i="0" kern="1200" spc="100" baseline="0" dirty="0">
+              <a:latin typeface="+mj-lt"/>
+              <a:ea typeface="+mj-ea"/>
+              <a:cs typeface="+mj-cs"/>
+            </a:endParaRPr>
           </a:p>
         </p:txBody>
       </p:sp>
@@ -13876,7 +13889,7 @@
         </p:nvSpPr>
         <p:spPr>
           <a:xfrm>
-            <a:off x="852748" y="1297898"/>
+            <a:off x="919250" y="1315634"/>
             <a:ext cx="4838700" cy="315915"/>
           </a:xfrm>
         </p:spPr>
@@ -13892,221 +13905,25 @@
                 <a:ea typeface="+mn-ea"/>
                 <a:cs typeface="+mn-cs"/>
               </a:rPr>
-              <a:t>SOURCE</a:t>
-            </a:r>
-          </a:p>
-        </p:txBody>
-      </p:sp>
-      <p:sp>
-        <p:nvSpPr>
-          <p:cNvPr id="2" name="Text Placeholder 2">
-            <a:extLst>
-              <a:ext uri="{FF2B5EF4-FFF2-40B4-BE49-F238E27FC236}">
-                <a16:creationId xmlns:a16="http://schemas.microsoft.com/office/drawing/2014/main" id="{77FB3898-A88B-7C5C-2B01-786A7C80AB65}"/>
-              </a:ext>
-            </a:extLst>
-          </p:cNvPr>
-          <p:cNvSpPr txBox="1">
-            <a:spLocks/>
-          </p:cNvSpPr>
-          <p:nvPr/>
-        </p:nvSpPr>
-        <p:spPr>
-          <a:xfrm>
-            <a:off x="6284376" y="1297898"/>
-            <a:ext cx="4838700" cy="315915"/>
-          </a:xfrm>
-          <a:prstGeom prst="rect">
-            <a:avLst/>
-          </a:prstGeom>
-        </p:spPr>
-        <p:txBody>
-          <a:bodyPr vert="horz" lIns="91440" tIns="45720" rIns="91440" bIns="45720" rtlCol="0" anchorCtr="0">
-            <a:noAutofit/>
-          </a:bodyPr>
-          <a:lstStyle>
-            <a:lvl1pPr marL="0" indent="0" algn="l" defTabSz="914400" rtl="0" eaLnBrk="1" latinLnBrk="0" hangingPunct="1">
-              <a:lnSpc>
-                <a:spcPct val="90000"/>
-              </a:lnSpc>
-              <a:spcBef>
-                <a:spcPts val="1000"/>
-              </a:spcBef>
-              <a:buFont typeface="Arial" panose="020B0604020202020204" pitchFamily="34" charset="0"/>
-              <a:buNone/>
-              <a:defRPr sz="1800" b="0" i="0" kern="1200" spc="0" baseline="0">
-                <a:solidFill>
-                  <a:schemeClr val="tx2"/>
-                </a:solidFill>
-                <a:latin typeface="+mj-lt"/>
-                <a:ea typeface="+mn-ea"/>
-                <a:cs typeface="+mn-cs"/>
-              </a:defRPr>
-            </a:lvl1pPr>
-            <a:lvl2pPr marL="457200" indent="0" algn="l" defTabSz="914400" rtl="0" eaLnBrk="1" latinLnBrk="0" hangingPunct="1">
-              <a:lnSpc>
-                <a:spcPct val="90000"/>
-              </a:lnSpc>
-              <a:spcBef>
-                <a:spcPts val="500"/>
-              </a:spcBef>
-              <a:buFont typeface="Arial" panose="020B0604020202020204" pitchFamily="34" charset="0"/>
-              <a:buNone/>
-              <a:defRPr sz="2000" b="1" i="0" kern="1200">
-                <a:solidFill>
-                  <a:schemeClr val="bg1"/>
-                </a:solidFill>
-                <a:latin typeface="+mn-lt"/>
-                <a:ea typeface="+mn-ea"/>
-                <a:cs typeface="+mn-cs"/>
-              </a:defRPr>
-            </a:lvl2pPr>
-            <a:lvl3pPr marL="914400" indent="0" algn="l" defTabSz="914400" rtl="0" eaLnBrk="1" latinLnBrk="0" hangingPunct="1">
-              <a:lnSpc>
-                <a:spcPct val="90000"/>
-              </a:lnSpc>
-              <a:spcBef>
-                <a:spcPts val="500"/>
-              </a:spcBef>
-              <a:buFont typeface="Arial" panose="020B0604020202020204" pitchFamily="34" charset="0"/>
-              <a:buNone/>
-              <a:defRPr sz="1800" b="1" i="0" kern="1200">
-                <a:solidFill>
-                  <a:schemeClr val="bg1"/>
-                </a:solidFill>
-                <a:latin typeface="+mn-lt"/>
-                <a:ea typeface="+mn-ea"/>
-                <a:cs typeface="+mn-cs"/>
-              </a:defRPr>
-            </a:lvl3pPr>
-            <a:lvl4pPr marL="1371600" indent="0" algn="l" defTabSz="914400" rtl="0" eaLnBrk="1" latinLnBrk="0" hangingPunct="1">
-              <a:lnSpc>
-                <a:spcPct val="90000"/>
-              </a:lnSpc>
-              <a:spcBef>
-                <a:spcPts val="500"/>
-              </a:spcBef>
-              <a:buFont typeface="Arial" panose="020B0604020202020204" pitchFamily="34" charset="0"/>
-              <a:buNone/>
-              <a:defRPr sz="1600" b="1" i="0" kern="1200">
-                <a:solidFill>
-                  <a:schemeClr val="bg1"/>
-                </a:solidFill>
-                <a:latin typeface="+mn-lt"/>
-                <a:ea typeface="+mn-ea"/>
-                <a:cs typeface="+mn-cs"/>
-              </a:defRPr>
-            </a:lvl4pPr>
-            <a:lvl5pPr marL="1828800" indent="0" algn="l" defTabSz="914400" rtl="0" eaLnBrk="1" latinLnBrk="0" hangingPunct="1">
-              <a:lnSpc>
-                <a:spcPct val="90000"/>
-              </a:lnSpc>
-              <a:spcBef>
-                <a:spcPts val="500"/>
-              </a:spcBef>
-              <a:buFont typeface="Arial" panose="020B0604020202020204" pitchFamily="34" charset="0"/>
-              <a:buNone/>
-              <a:defRPr sz="1600" b="1" i="0" kern="1200">
-                <a:solidFill>
-                  <a:schemeClr val="bg1"/>
-                </a:solidFill>
-                <a:latin typeface="+mn-lt"/>
-                <a:ea typeface="+mn-ea"/>
-                <a:cs typeface="+mn-cs"/>
-              </a:defRPr>
-            </a:lvl5pPr>
-            <a:lvl6pPr marL="2286000" indent="0" algn="l" defTabSz="914400" rtl="0" eaLnBrk="1" latinLnBrk="0" hangingPunct="1">
-              <a:lnSpc>
-                <a:spcPct val="90000"/>
-              </a:lnSpc>
-              <a:spcBef>
-                <a:spcPts val="500"/>
-              </a:spcBef>
-              <a:buFont typeface="Arial" panose="020B0604020202020204" pitchFamily="34" charset="0"/>
-              <a:buNone/>
-              <a:defRPr sz="1600" b="1" kern="1200">
-                <a:solidFill>
-                  <a:schemeClr val="tx1"/>
-                </a:solidFill>
-                <a:latin typeface="+mn-lt"/>
-                <a:ea typeface="+mn-ea"/>
-                <a:cs typeface="+mn-cs"/>
-              </a:defRPr>
-            </a:lvl6pPr>
-            <a:lvl7pPr marL="2743200" indent="0" algn="l" defTabSz="914400" rtl="0" eaLnBrk="1" latinLnBrk="0" hangingPunct="1">
-              <a:lnSpc>
-                <a:spcPct val="90000"/>
-              </a:lnSpc>
-              <a:spcBef>
-                <a:spcPts val="500"/>
-              </a:spcBef>
-              <a:buFont typeface="Arial" panose="020B0604020202020204" pitchFamily="34" charset="0"/>
-              <a:buNone/>
-              <a:defRPr sz="1600" b="1" kern="1200">
-                <a:solidFill>
-                  <a:schemeClr val="tx1"/>
-                </a:solidFill>
-                <a:latin typeface="+mn-lt"/>
-                <a:ea typeface="+mn-ea"/>
-                <a:cs typeface="+mn-cs"/>
-              </a:defRPr>
-            </a:lvl7pPr>
-            <a:lvl8pPr marL="3200400" indent="0" algn="l" defTabSz="914400" rtl="0" eaLnBrk="1" latinLnBrk="0" hangingPunct="1">
-              <a:lnSpc>
-                <a:spcPct val="90000"/>
-              </a:lnSpc>
-              <a:spcBef>
-                <a:spcPts val="500"/>
-              </a:spcBef>
-              <a:buFont typeface="Arial" panose="020B0604020202020204" pitchFamily="34" charset="0"/>
-              <a:buNone/>
-              <a:defRPr sz="1600" b="1" kern="1200">
-                <a:solidFill>
-                  <a:schemeClr val="tx1"/>
-                </a:solidFill>
-                <a:latin typeface="+mn-lt"/>
-                <a:ea typeface="+mn-ea"/>
-                <a:cs typeface="+mn-cs"/>
-              </a:defRPr>
-            </a:lvl8pPr>
-            <a:lvl9pPr marL="3657600" indent="0" algn="l" defTabSz="914400" rtl="0" eaLnBrk="1" latinLnBrk="0" hangingPunct="1">
-              <a:lnSpc>
-                <a:spcPct val="90000"/>
-              </a:lnSpc>
-              <a:spcBef>
-                <a:spcPts val="500"/>
-              </a:spcBef>
-              <a:buFont typeface="Arial" panose="020B0604020202020204" pitchFamily="34" charset="0"/>
-              <a:buNone/>
-              <a:defRPr sz="1600" b="1" kern="1200">
-                <a:solidFill>
-                  <a:schemeClr val="tx1"/>
-                </a:solidFill>
-                <a:latin typeface="+mn-lt"/>
-                <a:ea typeface="+mn-ea"/>
-                <a:cs typeface="+mn-cs"/>
-              </a:defRPr>
-            </a:lvl9pPr>
-          </a:lstStyle>
-          <a:p>
-            <a:pPr marL="228600" indent="-228600"/>
-            <a:r>
-              <a:rPr lang="en-US" b="0" i="0" kern="1200" spc="0" baseline="0" dirty="0">
-                <a:latin typeface="+mj-lt"/>
-                <a:ea typeface="+mn-ea"/>
-                <a:cs typeface="+mn-cs"/>
-              </a:rPr>
-              <a:t>END-USERS</a:t>
-            </a:r>
+              <a:t>SOURCES &amp; END-USERS</a:t>
+            </a:r>
+            <a:endParaRPr lang="en-US" sz="2000" b="0" i="0" kern="1200" spc="0" baseline="0" dirty="0">
+              <a:solidFill>
+                <a:schemeClr val="bg1"/>
+              </a:solidFill>
+              <a:latin typeface="+mj-lt"/>
+              <a:ea typeface="+mn-ea"/>
+              <a:cs typeface="+mn-cs"/>
+            </a:endParaRPr>
           </a:p>
         </p:txBody>
       </p:sp>
       <p:pic>
         <p:nvPicPr>
-          <p:cNvPr id="5" name="Picture 4" descr="Chart, pie chart&#10;&#10;Description automatically generated">
-            <a:extLst>
-              <a:ext uri="{FF2B5EF4-FFF2-40B4-BE49-F238E27FC236}">
-                <a16:creationId xmlns:a16="http://schemas.microsoft.com/office/drawing/2014/main" id="{49B389C1-01B9-3D3E-4148-76CD7928A4C3}"/>
+          <p:cNvPr id="4" name="Picture 3" descr="Chart, pie chart&#10;&#10;Description automatically generated">
+            <a:extLst>
+              <a:ext uri="{FF2B5EF4-FFF2-40B4-BE49-F238E27FC236}">
+                <a16:creationId xmlns:a16="http://schemas.microsoft.com/office/drawing/2014/main" id="{269F38F8-696D-E715-07AD-423DBFDB039E}"/>
               </a:ext>
             </a:extLst>
           </p:cNvPr>
@@ -14129,44 +13946,8 @@
         </p:blipFill>
         <p:spPr>
           <a:xfrm>
-            <a:off x="5933931" y="2070178"/>
-            <a:ext cx="5022244" cy="4757043"/>
-          </a:xfrm>
-          <a:prstGeom prst="rect">
-            <a:avLst/>
-          </a:prstGeom>
-        </p:spPr>
-      </p:pic>
-      <p:pic>
-        <p:nvPicPr>
-          <p:cNvPr id="8" name="Picture 7" descr="Chart, pie chart&#10;&#10;Description automatically generated">
-            <a:extLst>
-              <a:ext uri="{FF2B5EF4-FFF2-40B4-BE49-F238E27FC236}">
-                <a16:creationId xmlns:a16="http://schemas.microsoft.com/office/drawing/2014/main" id="{D0214050-C5C3-672D-4A8B-730579C17B12}"/>
-              </a:ext>
-            </a:extLst>
-          </p:cNvPr>
-          <p:cNvPicPr>
-            <a:picLocks noChangeAspect="1"/>
-          </p:cNvPicPr>
-          <p:nvPr/>
-        </p:nvPicPr>
-        <p:blipFill>
-          <a:blip r:embed="rId3">
-            <a:extLst>
-              <a:ext uri="{28A0092B-C50C-407E-A947-70E740481C1C}">
-                <a14:useLocalDpi xmlns:a14="http://schemas.microsoft.com/office/drawing/2010/main" val="0"/>
-              </a:ext>
-            </a:extLst>
-          </a:blip>
-          <a:stretch>
-            <a:fillRect/>
-          </a:stretch>
-        </p:blipFill>
-        <p:spPr>
-          <a:xfrm>
-            <a:off x="514033" y="2070178"/>
-            <a:ext cx="5022244" cy="4757043"/>
+            <a:off x="2090748" y="1405336"/>
+            <a:ext cx="9443259" cy="5221994"/>
           </a:xfrm>
           <a:prstGeom prst="rect">
             <a:avLst/>
@@ -14176,7 +13957,7 @@
     </p:spTree>
     <p:extLst>
       <p:ext uri="{BB962C8B-B14F-4D97-AF65-F5344CB8AC3E}">
-        <p14:creationId xmlns:p14="http://schemas.microsoft.com/office/powerpoint/2010/main" val="1728743676"/>
+        <p14:creationId xmlns:p14="http://schemas.microsoft.com/office/powerpoint/2010/main" val="4261792365"/>
       </p:ext>
     </p:extLst>
   </p:cSld>
@@ -14222,12 +14003,12 @@
         <p:spPr>
           <a:xfrm>
             <a:off x="299005" y="230670"/>
-            <a:ext cx="10258159" cy="610863"/>
+            <a:ext cx="9160879" cy="610863"/>
           </a:xfrm>
         </p:spPr>
         <p:txBody>
           <a:bodyPr vert="horz" lIns="0" tIns="0" rIns="0" bIns="0" rtlCol="0" anchor="b" anchorCtr="0">
-            <a:normAutofit fontScale="90000"/>
+            <a:normAutofit/>
           </a:bodyPr>
           <a:lstStyle/>
           <a:p>
@@ -14237,7 +14018,7 @@
                 <a:ea typeface="+mj-ea"/>
                 <a:cs typeface="+mj-cs"/>
               </a:rPr>
-              <a:t>Major Components of Greenhouse Gases</a:t>
+              <a:t>Fuel-Type</a:t>
             </a:r>
           </a:p>
         </p:txBody>
@@ -14276,17 +14057,60 @@
                 <a:ea typeface="+mn-ea"/>
                 <a:cs typeface="+mn-cs"/>
               </a:rPr>
-              <a:t>SOURCE</a:t>
-            </a:r>
+              <a:t>SOURCE &amp; END-USERS</a:t>
+            </a:r>
+          </a:p>
+          <a:p>
+            <a:endParaRPr lang="en-US" sz="2000" b="0" i="0" kern="1200" spc="0" baseline="0" dirty="0">
+              <a:latin typeface="+mj-lt"/>
+              <a:ea typeface="+mn-ea"/>
+              <a:cs typeface="+mn-cs"/>
+            </a:endParaRPr>
           </a:p>
         </p:txBody>
       </p:sp>
+      <p:pic>
+        <p:nvPicPr>
+          <p:cNvPr id="8" name="Picture 7" descr="Chart, pie chart&#10;&#10;Description automatically generated">
+            <a:extLst>
+              <a:ext uri="{FF2B5EF4-FFF2-40B4-BE49-F238E27FC236}">
+                <a16:creationId xmlns:a16="http://schemas.microsoft.com/office/drawing/2014/main" id="{D0214050-C5C3-672D-4A8B-730579C17B12}"/>
+              </a:ext>
+            </a:extLst>
+          </p:cNvPr>
+          <p:cNvPicPr>
+            <a:picLocks noChangeAspect="1"/>
+          </p:cNvPicPr>
+          <p:nvPr/>
+        </p:nvPicPr>
+        <p:blipFill>
+          <a:blip r:embed="rId2">
+            <a:extLst>
+              <a:ext uri="{28A0092B-C50C-407E-A947-70E740481C1C}">
+                <a14:useLocalDpi xmlns:a14="http://schemas.microsoft.com/office/drawing/2010/main" val="0"/>
+              </a:ext>
+            </a:extLst>
+          </a:blip>
+          <a:stretch>
+            <a:fillRect/>
+          </a:stretch>
+        </p:blipFill>
+        <p:spPr>
+          <a:xfrm>
+            <a:off x="416649" y="1613813"/>
+            <a:ext cx="5413826" cy="5127947"/>
+          </a:xfrm>
+          <a:prstGeom prst="rect">
+            <a:avLst/>
+          </a:prstGeom>
+        </p:spPr>
+      </p:pic>
       <p:sp>
         <p:nvSpPr>
-          <p:cNvPr id="2" name="Text Placeholder 2">
-            <a:extLst>
-              <a:ext uri="{FF2B5EF4-FFF2-40B4-BE49-F238E27FC236}">
-                <a16:creationId xmlns:a16="http://schemas.microsoft.com/office/drawing/2014/main" id="{77FB3898-A88B-7C5C-2B01-786A7C80AB65}"/>
+          <p:cNvPr id="9" name="Text Placeholder 43">
+            <a:extLst>
+              <a:ext uri="{FF2B5EF4-FFF2-40B4-BE49-F238E27FC236}">
+                <a16:creationId xmlns:a16="http://schemas.microsoft.com/office/drawing/2014/main" id="{FD87405A-E6F5-ACAD-D696-AEE2901A3FB0}"/>
               </a:ext>
             </a:extLst>
           </p:cNvPr>
@@ -14297,15 +14121,15 @@
         </p:nvSpPr>
         <p:spPr>
           <a:xfrm>
-            <a:off x="6284376" y="1297898"/>
-            <a:ext cx="4838700" cy="315915"/>
+            <a:off x="6687416" y="1730053"/>
+            <a:ext cx="6055369" cy="370904"/>
           </a:xfrm>
           <a:prstGeom prst="rect">
             <a:avLst/>
           </a:prstGeom>
         </p:spPr>
         <p:txBody>
-          <a:bodyPr vert="horz" lIns="91440" tIns="45720" rIns="91440" bIns="45720" rtlCol="0" anchorCtr="0">
+          <a:bodyPr vert="horz" lIns="91440" tIns="45720" rIns="91440" bIns="45720" rtlCol="0">
             <a:noAutofit/>
           </a:bodyPr>
           <a:lstStyle>
@@ -14318,16 +14142,16 @@
               </a:spcBef>
               <a:buFont typeface="Arial" panose="020B0604020202020204" pitchFamily="34" charset="0"/>
               <a:buNone/>
-              <a:defRPr sz="1800" b="0" i="0" kern="1200" spc="0" baseline="0">
-                <a:solidFill>
-                  <a:schemeClr val="tx2"/>
-                </a:solidFill>
-                <a:latin typeface="+mj-lt"/>
+              <a:defRPr sz="1600" b="0" i="0" kern="1200">
+                <a:solidFill>
+                  <a:schemeClr val="bg1"/>
+                </a:solidFill>
+                <a:latin typeface="+mn-lt"/>
                 <a:ea typeface="+mn-ea"/>
                 <a:cs typeface="+mn-cs"/>
               </a:defRPr>
             </a:lvl1pPr>
-            <a:lvl2pPr marL="457200" indent="0" algn="l" defTabSz="914400" rtl="0" eaLnBrk="1" latinLnBrk="0" hangingPunct="1">
+            <a:lvl2pPr marL="685800" indent="-228600" algn="l" defTabSz="914400" rtl="0" eaLnBrk="1" latinLnBrk="0" hangingPunct="1">
               <a:lnSpc>
                 <a:spcPct val="90000"/>
               </a:lnSpc>
@@ -14335,8 +14159,8 @@
                 <a:spcPts val="500"/>
               </a:spcBef>
               <a:buFont typeface="Arial" panose="020B0604020202020204" pitchFamily="34" charset="0"/>
-              <a:buNone/>
-              <a:defRPr sz="2000" b="1" i="0" kern="1200">
+              <a:buChar char="•"/>
+              <a:defRPr sz="2400" b="0" i="0" kern="1200">
                 <a:solidFill>
                   <a:schemeClr val="bg1"/>
                 </a:solidFill>
@@ -14345,7 +14169,7 @@
                 <a:cs typeface="+mn-cs"/>
               </a:defRPr>
             </a:lvl2pPr>
-            <a:lvl3pPr marL="914400" indent="0" algn="l" defTabSz="914400" rtl="0" eaLnBrk="1" latinLnBrk="0" hangingPunct="1">
+            <a:lvl3pPr marL="1143000" indent="-228600" algn="l" defTabSz="914400" rtl="0" eaLnBrk="1" latinLnBrk="0" hangingPunct="1">
               <a:lnSpc>
                 <a:spcPct val="90000"/>
               </a:lnSpc>
@@ -14353,8 +14177,8 @@
                 <a:spcPts val="500"/>
               </a:spcBef>
               <a:buFont typeface="Arial" panose="020B0604020202020204" pitchFamily="34" charset="0"/>
-              <a:buNone/>
-              <a:defRPr sz="1800" b="1" i="0" kern="1200">
+              <a:buChar char="•"/>
+              <a:defRPr sz="2000" b="0" i="0" kern="1200">
                 <a:solidFill>
                   <a:schemeClr val="bg1"/>
                 </a:solidFill>
@@ -14363,7 +14187,7 @@
                 <a:cs typeface="+mn-cs"/>
               </a:defRPr>
             </a:lvl3pPr>
-            <a:lvl4pPr marL="1371600" indent="0" algn="l" defTabSz="914400" rtl="0" eaLnBrk="1" latinLnBrk="0" hangingPunct="1">
+            <a:lvl4pPr marL="1600200" indent="-228600" algn="l" defTabSz="914400" rtl="0" eaLnBrk="1" latinLnBrk="0" hangingPunct="1">
               <a:lnSpc>
                 <a:spcPct val="90000"/>
               </a:lnSpc>
@@ -14371,8 +14195,8 @@
                 <a:spcPts val="500"/>
               </a:spcBef>
               <a:buFont typeface="Arial" panose="020B0604020202020204" pitchFamily="34" charset="0"/>
-              <a:buNone/>
-              <a:defRPr sz="1600" b="1" i="0" kern="1200">
+              <a:buChar char="•"/>
+              <a:defRPr sz="1800" b="0" i="0" kern="1200">
                 <a:solidFill>
                   <a:schemeClr val="bg1"/>
                 </a:solidFill>
@@ -14381,7 +14205,7 @@
                 <a:cs typeface="+mn-cs"/>
               </a:defRPr>
             </a:lvl4pPr>
-            <a:lvl5pPr marL="1828800" indent="0" algn="l" defTabSz="914400" rtl="0" eaLnBrk="1" latinLnBrk="0" hangingPunct="1">
+            <a:lvl5pPr marL="2057400" indent="-228600" algn="l" defTabSz="914400" rtl="0" eaLnBrk="1" latinLnBrk="0" hangingPunct="1">
               <a:lnSpc>
                 <a:spcPct val="90000"/>
               </a:lnSpc>
@@ -14389,8 +14213,8 @@
                 <a:spcPts val="500"/>
               </a:spcBef>
               <a:buFont typeface="Arial" panose="020B0604020202020204" pitchFamily="34" charset="0"/>
-              <a:buNone/>
-              <a:defRPr sz="1600" b="1" i="0" kern="1200">
+              <a:buChar char="•"/>
+              <a:defRPr sz="1800" b="0" i="0" kern="1200">
                 <a:solidFill>
                   <a:schemeClr val="bg1"/>
                 </a:solidFill>
@@ -14399,7 +14223,7 @@
                 <a:cs typeface="+mn-cs"/>
               </a:defRPr>
             </a:lvl5pPr>
-            <a:lvl6pPr marL="2286000" indent="0" algn="l" defTabSz="914400" rtl="0" eaLnBrk="1" latinLnBrk="0" hangingPunct="1">
+            <a:lvl6pPr marL="2514600" indent="-228600" algn="l" defTabSz="914400" rtl="0" eaLnBrk="1" latinLnBrk="0" hangingPunct="1">
               <a:lnSpc>
                 <a:spcPct val="90000"/>
               </a:lnSpc>
@@ -14407,8 +14231,8 @@
                 <a:spcPts val="500"/>
               </a:spcBef>
               <a:buFont typeface="Arial" panose="020B0604020202020204" pitchFamily="34" charset="0"/>
-              <a:buNone/>
-              <a:defRPr sz="1600" b="1" kern="1200">
+              <a:buChar char="•"/>
+              <a:defRPr sz="1800" kern="1200">
                 <a:solidFill>
                   <a:schemeClr val="tx1"/>
                 </a:solidFill>
@@ -14417,7 +14241,7 @@
                 <a:cs typeface="+mn-cs"/>
               </a:defRPr>
             </a:lvl6pPr>
-            <a:lvl7pPr marL="2743200" indent="0" algn="l" defTabSz="914400" rtl="0" eaLnBrk="1" latinLnBrk="0" hangingPunct="1">
+            <a:lvl7pPr marL="2971800" indent="-228600" algn="l" defTabSz="914400" rtl="0" eaLnBrk="1" latinLnBrk="0" hangingPunct="1">
               <a:lnSpc>
                 <a:spcPct val="90000"/>
               </a:lnSpc>
@@ -14425,8 +14249,8 @@
                 <a:spcPts val="500"/>
               </a:spcBef>
               <a:buFont typeface="Arial" panose="020B0604020202020204" pitchFamily="34" charset="0"/>
-              <a:buNone/>
-              <a:defRPr sz="1600" b="1" kern="1200">
+              <a:buChar char="•"/>
+              <a:defRPr sz="1800" kern="1200">
                 <a:solidFill>
                   <a:schemeClr val="tx1"/>
                 </a:solidFill>
@@ -14435,7 +14259,7 @@
                 <a:cs typeface="+mn-cs"/>
               </a:defRPr>
             </a:lvl7pPr>
-            <a:lvl8pPr marL="3200400" indent="0" algn="l" defTabSz="914400" rtl="0" eaLnBrk="1" latinLnBrk="0" hangingPunct="1">
+            <a:lvl8pPr marL="3429000" indent="-228600" algn="l" defTabSz="914400" rtl="0" eaLnBrk="1" latinLnBrk="0" hangingPunct="1">
               <a:lnSpc>
                 <a:spcPct val="90000"/>
               </a:lnSpc>
@@ -14443,8 +14267,8 @@
                 <a:spcPts val="500"/>
               </a:spcBef>
               <a:buFont typeface="Arial" panose="020B0604020202020204" pitchFamily="34" charset="0"/>
-              <a:buNone/>
-              <a:defRPr sz="1600" b="1" kern="1200">
+              <a:buChar char="•"/>
+              <a:defRPr sz="1800" kern="1200">
                 <a:solidFill>
                   <a:schemeClr val="tx1"/>
                 </a:solidFill>
@@ -14453,7 +14277,7 @@
                 <a:cs typeface="+mn-cs"/>
               </a:defRPr>
             </a:lvl8pPr>
-            <a:lvl9pPr marL="3657600" indent="0" algn="l" defTabSz="914400" rtl="0" eaLnBrk="1" latinLnBrk="0" hangingPunct="1">
+            <a:lvl9pPr marL="3886200" indent="-228600" algn="l" defTabSz="914400" rtl="0" eaLnBrk="1" latinLnBrk="0" hangingPunct="1">
               <a:lnSpc>
                 <a:spcPct val="90000"/>
               </a:lnSpc>
@@ -14461,8 +14285,8 @@
                 <a:spcPts val="500"/>
               </a:spcBef>
               <a:buFont typeface="Arial" panose="020B0604020202020204" pitchFamily="34" charset="0"/>
-              <a:buNone/>
-              <a:defRPr sz="1600" b="1" kern="1200">
+              <a:buChar char="•"/>
+              <a:defRPr sz="1800" kern="1200">
                 <a:solidFill>
                   <a:schemeClr val="tx1"/>
                 </a:solidFill>
@@ -14473,94 +14297,91 @@
             </a:lvl9pPr>
           </a:lstStyle>
           <a:p>
-            <a:pPr marL="228600" indent="-228600"/>
-            <a:r>
-              <a:rPr lang="en-US" b="0" i="0" kern="1200" spc="0" baseline="0" dirty="0">
-                <a:latin typeface="+mj-lt"/>
-                <a:ea typeface="+mn-ea"/>
-                <a:cs typeface="+mn-cs"/>
+            <a:r>
+              <a:rPr lang="en-GB" sz="1800" dirty="0">
+                <a:solidFill>
+                  <a:srgbClr val="FF0000"/>
+                </a:solidFill>
               </a:rPr>
-              <a:t>END-USERS</a:t>
+              <a:t>Other Emissions include</a:t>
+            </a:r>
+            <a:r>
+              <a:rPr lang="en-GB" sz="1800" dirty="0"/>
+              <a:t> –</a:t>
+            </a:r>
+          </a:p>
+          <a:p>
+            <a:r>
+              <a:rPr lang="en-GB" sz="1800" dirty="0"/>
+              <a:t>Cattle, Horses, Pig and Poultry wastes</a:t>
+            </a:r>
+          </a:p>
+          <a:p>
+            <a:r>
+              <a:rPr lang="en-GB" sz="1800" dirty="0"/>
+              <a:t>Soil emission (both direct and indirect),</a:t>
+            </a:r>
+          </a:p>
+          <a:p>
+            <a:r>
+              <a:rPr lang="en-GB" sz="1800" dirty="0"/>
+              <a:t>Refrigeration and air conditioning,</a:t>
+            </a:r>
+          </a:p>
+          <a:p>
+            <a:r>
+              <a:rPr lang="en-GB" sz="1800" dirty="0"/>
+              <a:t>Waste incineration,</a:t>
+            </a:r>
+          </a:p>
+          <a:p>
+            <a:r>
+              <a:rPr lang="en-GB" sz="1800" dirty="0"/>
+              <a:t>Glass Production,</a:t>
+            </a:r>
+          </a:p>
+          <a:p>
+            <a:r>
+              <a:rPr lang="en-GB" sz="1800" dirty="0"/>
+              <a:t>Gas flare,</a:t>
+            </a:r>
+          </a:p>
+          <a:p>
+            <a:r>
+              <a:rPr lang="en-GB" sz="1800" dirty="0"/>
+              <a:t>Chemical Industries, </a:t>
+            </a:r>
+          </a:p>
+          <a:p>
+            <a:r>
+              <a:rPr lang="en-GB" sz="1800" dirty="0"/>
+              <a:t>Power stations, </a:t>
+            </a:r>
+          </a:p>
+          <a:p>
+            <a:r>
+              <a:rPr lang="en-GB" sz="1800" dirty="0"/>
+              <a:t>Drainage of organic soils - settlements</a:t>
+            </a:r>
+          </a:p>
+          <a:p>
+            <a:r>
+              <a:rPr lang="en-GB" sz="1800" dirty="0"/>
+              <a:t>Industrial combustion, </a:t>
+            </a:r>
+          </a:p>
+          <a:p>
+            <a:r>
+              <a:rPr lang="en-GB" sz="1800" dirty="0"/>
+              <a:t>Manufacture of solid fuels and other energy industries.</a:t>
             </a:r>
           </a:p>
         </p:txBody>
       </p:sp>
-      <p:pic>
-        <p:nvPicPr>
-          <p:cNvPr id="4" name="Picture 3" descr="Chart, pie chart&#10;&#10;Description automatically generated">
-            <a:extLst>
-              <a:ext uri="{FF2B5EF4-FFF2-40B4-BE49-F238E27FC236}">
-                <a16:creationId xmlns:a16="http://schemas.microsoft.com/office/drawing/2014/main" id="{71E82EB2-9FBB-1DFF-14DC-CDF9C9C11D94}"/>
-              </a:ext>
-            </a:extLst>
-          </p:cNvPr>
-          <p:cNvPicPr>
-            <a:picLocks noChangeAspect="1"/>
-          </p:cNvPicPr>
-          <p:nvPr/>
-        </p:nvPicPr>
-        <p:blipFill>
-          <a:blip r:embed="rId2">
-            <a:extLst>
-              <a:ext uri="{28A0092B-C50C-407E-A947-70E740481C1C}">
-                <a14:useLocalDpi xmlns:a14="http://schemas.microsoft.com/office/drawing/2010/main" val="0"/>
-              </a:ext>
-            </a:extLst>
-          </a:blip>
-          <a:stretch>
-            <a:fillRect/>
-          </a:stretch>
-        </p:blipFill>
-        <p:spPr>
-          <a:xfrm>
-            <a:off x="299005" y="2151845"/>
-            <a:ext cx="5392117" cy="4732530"/>
-          </a:xfrm>
-          <a:prstGeom prst="rect">
-            <a:avLst/>
-          </a:prstGeom>
-        </p:spPr>
-      </p:pic>
-      <p:pic>
-        <p:nvPicPr>
-          <p:cNvPr id="7" name="Picture 6" descr="Chart, pie chart&#10;&#10;Description automatically generated">
-            <a:extLst>
-              <a:ext uri="{FF2B5EF4-FFF2-40B4-BE49-F238E27FC236}">
-                <a16:creationId xmlns:a16="http://schemas.microsoft.com/office/drawing/2014/main" id="{7AA3A5B0-FBDF-FE3C-E52B-707ECF74C13B}"/>
-              </a:ext>
-            </a:extLst>
-          </p:cNvPr>
-          <p:cNvPicPr>
-            <a:picLocks noChangeAspect="1"/>
-          </p:cNvPicPr>
-          <p:nvPr/>
-        </p:nvPicPr>
-        <p:blipFill>
-          <a:blip r:embed="rId3">
-            <a:extLst>
-              <a:ext uri="{28A0092B-C50C-407E-A947-70E740481C1C}">
-                <a14:useLocalDpi xmlns:a14="http://schemas.microsoft.com/office/drawing/2010/main" val="0"/>
-              </a:ext>
-            </a:extLst>
-          </a:blip>
-          <a:stretch>
-            <a:fillRect/>
-          </a:stretch>
-        </p:blipFill>
-        <p:spPr>
-          <a:xfrm>
-            <a:off x="6096000" y="2125470"/>
-            <a:ext cx="5392117" cy="4732530"/>
-          </a:xfrm>
-          <a:prstGeom prst="rect">
-            <a:avLst/>
-          </a:prstGeom>
-        </p:spPr>
-      </p:pic>
     </p:spTree>
     <p:extLst>
       <p:ext uri="{BB962C8B-B14F-4D97-AF65-F5344CB8AC3E}">
-        <p14:creationId xmlns:p14="http://schemas.microsoft.com/office/powerpoint/2010/main" val="3514829862"/>
+        <p14:creationId xmlns:p14="http://schemas.microsoft.com/office/powerpoint/2010/main" val="1728743676"/>
       </p:ext>
     </p:extLst>
   </p:cSld>
@@ -14589,38 +14410,10 @@
       </p:grpSpPr>
       <p:sp>
         <p:nvSpPr>
-          <p:cNvPr id="2" name="Title 1">
-            <a:extLst>
-              <a:ext uri="{FF2B5EF4-FFF2-40B4-BE49-F238E27FC236}">
-                <a16:creationId xmlns:a16="http://schemas.microsoft.com/office/drawing/2014/main" id="{8C122DF8-59D4-D94D-8ED9-F2F319899DBF}"/>
-              </a:ext>
-            </a:extLst>
-          </p:cNvPr>
-          <p:cNvSpPr>
-            <a:spLocks noGrp="1"/>
-          </p:cNvSpPr>
-          <p:nvPr>
-            <p:ph type="title"/>
-          </p:nvPr>
-        </p:nvSpPr>
-        <p:spPr/>
-        <p:txBody>
-          <a:bodyPr/>
-          <a:lstStyle/>
-          <a:p>
-            <a:r>
-              <a:rPr lang="en-US" dirty="0"/>
-              <a:t>CLOSING</a:t>
-            </a:r>
-          </a:p>
-        </p:txBody>
-      </p:sp>
-      <p:sp>
-        <p:nvSpPr>
-          <p:cNvPr id="45" name="Text Placeholder 44">
-            <a:extLst>
-              <a:ext uri="{FF2B5EF4-FFF2-40B4-BE49-F238E27FC236}">
-                <a16:creationId xmlns:a16="http://schemas.microsoft.com/office/drawing/2014/main" id="{803A1E73-C790-447A-974F-B3ADB50149F7}"/>
+          <p:cNvPr id="29" name="Text Placeholder 2">
+            <a:extLst>
+              <a:ext uri="{FF2B5EF4-FFF2-40B4-BE49-F238E27FC236}">
+                <a16:creationId xmlns:a16="http://schemas.microsoft.com/office/drawing/2014/main" id="{312D0CA8-06AF-65A2-2490-C577E53226E1}"/>
               </a:ext>
             </a:extLst>
           </p:cNvPr>
@@ -14631,377 +14424,580 @@
             <p:ph type="body" sz="quarter" idx="12"/>
           </p:nvPr>
         </p:nvSpPr>
-        <p:spPr/>
+        <p:spPr>
+          <a:xfrm>
+            <a:off x="852748" y="1297898"/>
+            <a:ext cx="4838700" cy="315915"/>
+          </a:xfrm>
+        </p:spPr>
         <p:txBody>
-          <a:bodyPr/>
+          <a:bodyPr vert="horz" lIns="91440" tIns="45720" rIns="91440" bIns="45720" rtlCol="0">
+            <a:noAutofit/>
+          </a:bodyPr>
           <a:lstStyle/>
           <a:p>
             <a:r>
-              <a:rPr lang="en-US" dirty="0"/>
-              <a:t>WHO - SECTOR</a:t>
+              <a:rPr lang="en-US" sz="2000" b="0" i="0" kern="1200" spc="0" baseline="0" dirty="0">
+                <a:latin typeface="+mj-lt"/>
+                <a:ea typeface="+mn-ea"/>
+                <a:cs typeface="+mn-cs"/>
+              </a:rPr>
+              <a:t>SOURCE &amp; END-USERS</a:t>
             </a:r>
           </a:p>
         </p:txBody>
       </p:sp>
       <p:sp>
         <p:nvSpPr>
-          <p:cNvPr id="44" name="Text Placeholder 43">
-            <a:extLst>
-              <a:ext uri="{FF2B5EF4-FFF2-40B4-BE49-F238E27FC236}">
-                <a16:creationId xmlns:a16="http://schemas.microsoft.com/office/drawing/2014/main" id="{906E4DF9-127F-4650-8BAA-2521A37885B0}"/>
-              </a:ext>
-            </a:extLst>
-          </p:cNvPr>
-          <p:cNvSpPr>
-            <a:spLocks noGrp="1"/>
+          <p:cNvPr id="8" name="Text Placeholder 43">
+            <a:extLst>
+              <a:ext uri="{FF2B5EF4-FFF2-40B4-BE49-F238E27FC236}">
+                <a16:creationId xmlns:a16="http://schemas.microsoft.com/office/drawing/2014/main" id="{EDAF81FA-24A5-E785-1FC3-453AB861D96F}"/>
+              </a:ext>
+            </a:extLst>
+          </p:cNvPr>
+          <p:cNvSpPr txBox="1">
+            <a:spLocks/>
           </p:cNvSpPr>
-          <p:nvPr>
-            <p:ph type="body" sz="quarter" idx="10"/>
-          </p:nvPr>
-        </p:nvSpPr>
-        <p:spPr/>
-        <p:txBody>
-          <a:bodyPr/>
-          <a:lstStyle/>
-          <a:p>
-            <a:r>
-              <a:rPr lang="en-US" dirty="0"/>
-              <a:t>who</a:t>
-            </a:r>
-          </a:p>
-        </p:txBody>
-      </p:sp>
-      <p:sp>
-        <p:nvSpPr>
-          <p:cNvPr id="47" name="Text Placeholder 46">
-            <a:extLst>
-              <a:ext uri="{FF2B5EF4-FFF2-40B4-BE49-F238E27FC236}">
-                <a16:creationId xmlns:a16="http://schemas.microsoft.com/office/drawing/2014/main" id="{DDA232CE-EB44-41DD-920C-AEDD5C33D2A5}"/>
-              </a:ext>
-            </a:extLst>
-          </p:cNvPr>
-          <p:cNvSpPr>
-            <a:spLocks noGrp="1"/>
-          </p:cNvSpPr>
-          <p:nvPr>
-            <p:ph type="body" sz="quarter" idx="14"/>
-          </p:nvPr>
-        </p:nvSpPr>
-        <p:spPr/>
-        <p:txBody>
-          <a:bodyPr/>
-          <a:lstStyle/>
-          <a:p>
-            <a:r>
-              <a:rPr lang="en-US" dirty="0"/>
-              <a:t>WHO – END USER</a:t>
-            </a:r>
-          </a:p>
-        </p:txBody>
-      </p:sp>
-      <p:sp>
-        <p:nvSpPr>
-          <p:cNvPr id="46" name="Text Placeholder 45">
-            <a:extLst>
-              <a:ext uri="{FF2B5EF4-FFF2-40B4-BE49-F238E27FC236}">
-                <a16:creationId xmlns:a16="http://schemas.microsoft.com/office/drawing/2014/main" id="{A09D80D2-95FB-43C6-96F8-7EF7737C28BA}"/>
-              </a:ext>
-            </a:extLst>
-          </p:cNvPr>
-          <p:cNvSpPr>
-            <a:spLocks noGrp="1"/>
-          </p:cNvSpPr>
-          <p:nvPr>
-            <p:ph type="body" sz="quarter" idx="13"/>
-          </p:nvPr>
-        </p:nvSpPr>
-        <p:spPr/>
-        <p:txBody>
-          <a:bodyPr/>
-          <a:lstStyle/>
-          <a:p>
-            <a:r>
-              <a:rPr lang="en-US" dirty="0"/>
-              <a:t>who</a:t>
-            </a:r>
-          </a:p>
-        </p:txBody>
-      </p:sp>
-      <p:sp>
-        <p:nvSpPr>
-          <p:cNvPr id="49" name="Text Placeholder 48">
-            <a:extLst>
-              <a:ext uri="{FF2B5EF4-FFF2-40B4-BE49-F238E27FC236}">
-                <a16:creationId xmlns:a16="http://schemas.microsoft.com/office/drawing/2014/main" id="{ED796758-F31D-4250-A439-D6DE9523C88B}"/>
-              </a:ext>
-            </a:extLst>
-          </p:cNvPr>
-          <p:cNvSpPr>
-            <a:spLocks noGrp="1"/>
-          </p:cNvSpPr>
-          <p:nvPr>
-            <p:ph type="body" sz="quarter" idx="16"/>
-          </p:nvPr>
-        </p:nvSpPr>
-        <p:spPr/>
-        <p:txBody>
-          <a:bodyPr/>
-          <a:lstStyle/>
-          <a:p>
-            <a:r>
-              <a:rPr lang="en-US" dirty="0"/>
-              <a:t>WHAT</a:t>
-            </a:r>
-          </a:p>
-        </p:txBody>
-      </p:sp>
-      <p:sp>
-        <p:nvSpPr>
-          <p:cNvPr id="48" name="Text Placeholder 47">
-            <a:extLst>
-              <a:ext uri="{FF2B5EF4-FFF2-40B4-BE49-F238E27FC236}">
-                <a16:creationId xmlns:a16="http://schemas.microsoft.com/office/drawing/2014/main" id="{CEBFC0C0-C506-47F0-AE21-8A46DB86644A}"/>
-              </a:ext>
-            </a:extLst>
-          </p:cNvPr>
-          <p:cNvSpPr>
-            <a:spLocks noGrp="1"/>
-          </p:cNvSpPr>
-          <p:nvPr>
-            <p:ph type="body" sz="quarter" idx="15"/>
-          </p:nvPr>
-        </p:nvSpPr>
-        <p:spPr/>
-        <p:txBody>
-          <a:bodyPr/>
-          <a:lstStyle/>
-          <a:p>
-            <a:r>
-              <a:rPr lang="en-US" dirty="0"/>
-              <a:t>what</a:t>
-            </a:r>
-          </a:p>
-        </p:txBody>
-      </p:sp>
-      <p:sp>
-        <p:nvSpPr>
-          <p:cNvPr id="51" name="Text Placeholder 50">
-            <a:extLst>
-              <a:ext uri="{FF2B5EF4-FFF2-40B4-BE49-F238E27FC236}">
-                <a16:creationId xmlns:a16="http://schemas.microsoft.com/office/drawing/2014/main" id="{D582AC9C-B267-4C04-9E50-051DE433538C}"/>
-              </a:ext>
-            </a:extLst>
-          </p:cNvPr>
-          <p:cNvSpPr>
-            <a:spLocks noGrp="1"/>
-          </p:cNvSpPr>
-          <p:nvPr>
-            <p:ph type="body" sz="quarter" idx="18"/>
-          </p:nvPr>
-        </p:nvSpPr>
-        <p:spPr/>
-        <p:txBody>
-          <a:bodyPr/>
-          <a:lstStyle/>
-          <a:p>
-            <a:r>
-              <a:rPr lang="en-US" dirty="0"/>
-              <a:t>WHEN</a:t>
-            </a:r>
-          </a:p>
-        </p:txBody>
-      </p:sp>
-      <p:sp>
-        <p:nvSpPr>
-          <p:cNvPr id="50" name="Text Placeholder 49">
-            <a:extLst>
-              <a:ext uri="{FF2B5EF4-FFF2-40B4-BE49-F238E27FC236}">
-                <a16:creationId xmlns:a16="http://schemas.microsoft.com/office/drawing/2014/main" id="{C60A09F8-DA84-487F-81AC-337BE4A9F35B}"/>
-              </a:ext>
-            </a:extLst>
-          </p:cNvPr>
-          <p:cNvSpPr>
-            <a:spLocks noGrp="1"/>
-          </p:cNvSpPr>
-          <p:nvPr>
-            <p:ph type="body" sz="quarter" idx="17"/>
-          </p:nvPr>
-        </p:nvSpPr>
-        <p:spPr/>
-        <p:txBody>
-          <a:bodyPr/>
-          <a:lstStyle/>
-          <a:p>
-            <a:r>
-              <a:rPr lang="en-US" dirty="0"/>
-              <a:t>when</a:t>
-            </a:r>
-          </a:p>
-        </p:txBody>
-      </p:sp>
-      <p:sp>
-        <p:nvSpPr>
-          <p:cNvPr id="53" name="Text Placeholder 52">
-            <a:extLst>
-              <a:ext uri="{FF2B5EF4-FFF2-40B4-BE49-F238E27FC236}">
-                <a16:creationId xmlns:a16="http://schemas.microsoft.com/office/drawing/2014/main" id="{A1B673DD-4FEC-4191-8446-77B89805FF2B}"/>
-              </a:ext>
-            </a:extLst>
-          </p:cNvPr>
-          <p:cNvSpPr>
-            <a:spLocks noGrp="1"/>
-          </p:cNvSpPr>
-          <p:nvPr>
-            <p:ph type="body" sz="quarter" idx="20"/>
-          </p:nvPr>
-        </p:nvSpPr>
-        <p:spPr/>
-        <p:txBody>
-          <a:bodyPr/>
-          <a:lstStyle/>
-          <a:p>
-            <a:r>
-              <a:rPr lang="en-US" dirty="0"/>
-              <a:t>CONCLUSION</a:t>
-            </a:r>
-          </a:p>
-        </p:txBody>
-      </p:sp>
-      <p:sp>
-        <p:nvSpPr>
-          <p:cNvPr id="52" name="Text Placeholder 51">
-            <a:extLst>
-              <a:ext uri="{FF2B5EF4-FFF2-40B4-BE49-F238E27FC236}">
-                <a16:creationId xmlns:a16="http://schemas.microsoft.com/office/drawing/2014/main" id="{1E84004F-53E7-47E5-A493-1980475C42D4}"/>
-              </a:ext>
-            </a:extLst>
-          </p:cNvPr>
-          <p:cNvSpPr>
-            <a:spLocks noGrp="1"/>
-          </p:cNvSpPr>
-          <p:nvPr>
-            <p:ph type="body" sz="quarter" idx="19"/>
-          </p:nvPr>
-        </p:nvSpPr>
-        <p:spPr/>
-        <p:txBody>
-          <a:bodyPr/>
-          <a:lstStyle/>
-          <a:p>
-            <a:r>
-              <a:rPr lang="en-US" dirty="0"/>
-              <a:t>conclusion</a:t>
-            </a:r>
-          </a:p>
-        </p:txBody>
-      </p:sp>
-      <p:sp>
-        <p:nvSpPr>
-          <p:cNvPr id="5" name="Slide Number Placeholder 4">
-            <a:extLst>
-              <a:ext uri="{FF2B5EF4-FFF2-40B4-BE49-F238E27FC236}">
-                <a16:creationId xmlns:a16="http://schemas.microsoft.com/office/drawing/2014/main" id="{AB744071-0CE2-7746-9315-22EC28A0F462}"/>
-              </a:ext>
-            </a:extLst>
-          </p:cNvPr>
-          <p:cNvSpPr>
-            <a:spLocks noGrp="1"/>
-          </p:cNvSpPr>
-          <p:nvPr>
-            <p:ph type="sldNum" sz="quarter" idx="23"/>
-          </p:nvPr>
+          <p:nvPr/>
         </p:nvSpPr>
         <p:spPr>
           <a:xfrm>
-            <a:off x="971550" y="6332220"/>
-            <a:ext cx="523240" cy="247651"/>
+            <a:off x="5691448" y="1613813"/>
+            <a:ext cx="5367647" cy="4478229"/>
           </a:xfrm>
+          <a:prstGeom prst="rect">
+            <a:avLst/>
+          </a:prstGeom>
         </p:spPr>
         <p:txBody>
-          <a:bodyPr/>
-          <a:lstStyle/>
-          <a:p>
-            <a:fld id="{294A09A9-5501-47C1-A89A-A340965A2BE2}" type="slidenum">
-              <a:rPr lang="en-US" smtClean="0"/>
-              <a:pPr/>
-              <a:t>13</a:t>
-            </a:fld>
-            <a:endParaRPr lang="en-US" dirty="0"/>
+          <a:bodyPr vert="horz" lIns="91440" tIns="45720" rIns="91440" bIns="45720" rtlCol="0">
+            <a:noAutofit/>
+          </a:bodyPr>
+          <a:lstStyle>
+            <a:lvl1pPr marL="0" indent="0" algn="l" defTabSz="914400" rtl="0" eaLnBrk="1" latinLnBrk="0" hangingPunct="1">
+              <a:lnSpc>
+                <a:spcPct val="90000"/>
+              </a:lnSpc>
+              <a:spcBef>
+                <a:spcPts val="1000"/>
+              </a:spcBef>
+              <a:buFont typeface="Arial" panose="020B0604020202020204" pitchFamily="34" charset="0"/>
+              <a:buNone/>
+              <a:defRPr sz="1600" b="0" i="0" kern="1200">
+                <a:solidFill>
+                  <a:schemeClr val="bg1"/>
+                </a:solidFill>
+                <a:latin typeface="+mn-lt"/>
+                <a:ea typeface="+mn-ea"/>
+                <a:cs typeface="+mn-cs"/>
+              </a:defRPr>
+            </a:lvl1pPr>
+            <a:lvl2pPr marL="685800" indent="-228600" algn="l" defTabSz="914400" rtl="0" eaLnBrk="1" latinLnBrk="0" hangingPunct="1">
+              <a:lnSpc>
+                <a:spcPct val="90000"/>
+              </a:lnSpc>
+              <a:spcBef>
+                <a:spcPts val="500"/>
+              </a:spcBef>
+              <a:buFont typeface="Arial" panose="020B0604020202020204" pitchFamily="34" charset="0"/>
+              <a:buChar char="•"/>
+              <a:defRPr sz="2400" b="0" i="0" kern="1200">
+                <a:solidFill>
+                  <a:schemeClr val="bg1"/>
+                </a:solidFill>
+                <a:latin typeface="+mn-lt"/>
+                <a:ea typeface="+mn-ea"/>
+                <a:cs typeface="+mn-cs"/>
+              </a:defRPr>
+            </a:lvl2pPr>
+            <a:lvl3pPr marL="1143000" indent="-228600" algn="l" defTabSz="914400" rtl="0" eaLnBrk="1" latinLnBrk="0" hangingPunct="1">
+              <a:lnSpc>
+                <a:spcPct val="90000"/>
+              </a:lnSpc>
+              <a:spcBef>
+                <a:spcPts val="500"/>
+              </a:spcBef>
+              <a:buFont typeface="Arial" panose="020B0604020202020204" pitchFamily="34" charset="0"/>
+              <a:buChar char="•"/>
+              <a:defRPr sz="2000" b="0" i="0" kern="1200">
+                <a:solidFill>
+                  <a:schemeClr val="bg1"/>
+                </a:solidFill>
+                <a:latin typeface="+mn-lt"/>
+                <a:ea typeface="+mn-ea"/>
+                <a:cs typeface="+mn-cs"/>
+              </a:defRPr>
+            </a:lvl3pPr>
+            <a:lvl4pPr marL="1600200" indent="-228600" algn="l" defTabSz="914400" rtl="0" eaLnBrk="1" latinLnBrk="0" hangingPunct="1">
+              <a:lnSpc>
+                <a:spcPct val="90000"/>
+              </a:lnSpc>
+              <a:spcBef>
+                <a:spcPts val="500"/>
+              </a:spcBef>
+              <a:buFont typeface="Arial" panose="020B0604020202020204" pitchFamily="34" charset="0"/>
+              <a:buChar char="•"/>
+              <a:defRPr sz="1800" b="0" i="0" kern="1200">
+                <a:solidFill>
+                  <a:schemeClr val="bg1"/>
+                </a:solidFill>
+                <a:latin typeface="+mn-lt"/>
+                <a:ea typeface="+mn-ea"/>
+                <a:cs typeface="+mn-cs"/>
+              </a:defRPr>
+            </a:lvl4pPr>
+            <a:lvl5pPr marL="2057400" indent="-228600" algn="l" defTabSz="914400" rtl="0" eaLnBrk="1" latinLnBrk="0" hangingPunct="1">
+              <a:lnSpc>
+                <a:spcPct val="90000"/>
+              </a:lnSpc>
+              <a:spcBef>
+                <a:spcPts val="500"/>
+              </a:spcBef>
+              <a:buFont typeface="Arial" panose="020B0604020202020204" pitchFamily="34" charset="0"/>
+              <a:buChar char="•"/>
+              <a:defRPr sz="1800" b="0" i="0" kern="1200">
+                <a:solidFill>
+                  <a:schemeClr val="bg1"/>
+                </a:solidFill>
+                <a:latin typeface="+mn-lt"/>
+                <a:ea typeface="+mn-ea"/>
+                <a:cs typeface="+mn-cs"/>
+              </a:defRPr>
+            </a:lvl5pPr>
+            <a:lvl6pPr marL="2514600" indent="-228600" algn="l" defTabSz="914400" rtl="0" eaLnBrk="1" latinLnBrk="0" hangingPunct="1">
+              <a:lnSpc>
+                <a:spcPct val="90000"/>
+              </a:lnSpc>
+              <a:spcBef>
+                <a:spcPts val="500"/>
+              </a:spcBef>
+              <a:buFont typeface="Arial" panose="020B0604020202020204" pitchFamily="34" charset="0"/>
+              <a:buChar char="•"/>
+              <a:defRPr sz="1800" kern="1200">
+                <a:solidFill>
+                  <a:schemeClr val="tx1"/>
+                </a:solidFill>
+                <a:latin typeface="+mn-lt"/>
+                <a:ea typeface="+mn-ea"/>
+                <a:cs typeface="+mn-cs"/>
+              </a:defRPr>
+            </a:lvl6pPr>
+            <a:lvl7pPr marL="2971800" indent="-228600" algn="l" defTabSz="914400" rtl="0" eaLnBrk="1" latinLnBrk="0" hangingPunct="1">
+              <a:lnSpc>
+                <a:spcPct val="90000"/>
+              </a:lnSpc>
+              <a:spcBef>
+                <a:spcPts val="500"/>
+              </a:spcBef>
+              <a:buFont typeface="Arial" panose="020B0604020202020204" pitchFamily="34" charset="0"/>
+              <a:buChar char="•"/>
+              <a:defRPr sz="1800" kern="1200">
+                <a:solidFill>
+                  <a:schemeClr val="tx1"/>
+                </a:solidFill>
+                <a:latin typeface="+mn-lt"/>
+                <a:ea typeface="+mn-ea"/>
+                <a:cs typeface="+mn-cs"/>
+              </a:defRPr>
+            </a:lvl7pPr>
+            <a:lvl8pPr marL="3429000" indent="-228600" algn="l" defTabSz="914400" rtl="0" eaLnBrk="1" latinLnBrk="0" hangingPunct="1">
+              <a:lnSpc>
+                <a:spcPct val="90000"/>
+              </a:lnSpc>
+              <a:spcBef>
+                <a:spcPts val="500"/>
+              </a:spcBef>
+              <a:buFont typeface="Arial" panose="020B0604020202020204" pitchFamily="34" charset="0"/>
+              <a:buChar char="•"/>
+              <a:defRPr sz="1800" kern="1200">
+                <a:solidFill>
+                  <a:schemeClr val="tx1"/>
+                </a:solidFill>
+                <a:latin typeface="+mn-lt"/>
+                <a:ea typeface="+mn-ea"/>
+                <a:cs typeface="+mn-cs"/>
+              </a:defRPr>
+            </a:lvl8pPr>
+            <a:lvl9pPr marL="3886200" indent="-228600" algn="l" defTabSz="914400" rtl="0" eaLnBrk="1" latinLnBrk="0" hangingPunct="1">
+              <a:lnSpc>
+                <a:spcPct val="90000"/>
+              </a:lnSpc>
+              <a:spcBef>
+                <a:spcPts val="500"/>
+              </a:spcBef>
+              <a:buFont typeface="Arial" panose="020B0604020202020204" pitchFamily="34" charset="0"/>
+              <a:buChar char="•"/>
+              <a:defRPr sz="1800" kern="1200">
+                <a:solidFill>
+                  <a:schemeClr val="tx1"/>
+                </a:solidFill>
+                <a:latin typeface="+mn-lt"/>
+                <a:ea typeface="+mn-ea"/>
+                <a:cs typeface="+mn-cs"/>
+              </a:defRPr>
+            </a:lvl9pPr>
+          </a:lstStyle>
+          <a:p>
+            <a:r>
+              <a:rPr lang="en-GB" dirty="0">
+                <a:solidFill>
+                  <a:srgbClr val="FF0000"/>
+                </a:solidFill>
+                <a:latin typeface="Arial" panose="020B0604020202020204" pitchFamily="34" charset="0"/>
+                <a:cs typeface="Arial" panose="020B0604020202020204" pitchFamily="34" charset="0"/>
+              </a:rPr>
+              <a:t>1. Carbon dioxide (CO</a:t>
+            </a:r>
+            <a:r>
+              <a:rPr lang="en-GB" baseline="-25000" dirty="0">
+                <a:solidFill>
+                  <a:srgbClr val="FF0000"/>
+                </a:solidFill>
+                <a:latin typeface="Arial" panose="020B0604020202020204" pitchFamily="34" charset="0"/>
+                <a:cs typeface="Arial" panose="020B0604020202020204" pitchFamily="34" charset="0"/>
+              </a:rPr>
+              <a:t>2</a:t>
+            </a:r>
+            <a:r>
+              <a:rPr lang="en-GB" dirty="0">
+                <a:solidFill>
+                  <a:srgbClr val="FF0000"/>
+                </a:solidFill>
+                <a:latin typeface="Arial" panose="020B0604020202020204" pitchFamily="34" charset="0"/>
+                <a:cs typeface="Arial" panose="020B0604020202020204" pitchFamily="34" charset="0"/>
+              </a:rPr>
+              <a:t>)–</a:t>
+            </a:r>
+          </a:p>
+          <a:p>
+            <a:r>
+              <a:rPr lang="en-GB" i="0" u="none" strike="noStrike" dirty="0">
+                <a:effectLst/>
+                <a:latin typeface="arial" panose="020B0604020202020204" pitchFamily="34" charset="0"/>
+              </a:rPr>
+              <a:t>CO</a:t>
+            </a:r>
+            <a:r>
+              <a:rPr lang="en-GB" i="0" u="none" strike="noStrike" baseline="-25000" dirty="0">
+                <a:effectLst/>
+                <a:latin typeface="arial" panose="020B0604020202020204" pitchFamily="34" charset="0"/>
+              </a:rPr>
+              <a:t>2</a:t>
+            </a:r>
+            <a:r>
+              <a:rPr lang="en-GB" i="0" u="none" strike="noStrike" dirty="0">
+                <a:effectLst/>
+                <a:latin typeface="arial" panose="020B0604020202020204" pitchFamily="34" charset="0"/>
+              </a:rPr>
+              <a:t> causes 80% of global warming</a:t>
+            </a:r>
+            <a:r>
+              <a:rPr lang="en-GB" dirty="0">
+                <a:latin typeface="arial" panose="020B0604020202020204" pitchFamily="34" charset="0"/>
+              </a:rPr>
+              <a:t> and its release is mainly contributed by </a:t>
+            </a:r>
+            <a:r>
+              <a:rPr lang="en-GB" i="0" u="none" strike="noStrike" dirty="0">
+                <a:effectLst/>
+                <a:latin typeface="arial" panose="020B0604020202020204" pitchFamily="34" charset="0"/>
+              </a:rPr>
+              <a:t>fossil fuels burning like coal, oil and gas or </a:t>
+            </a:r>
+            <a:r>
+              <a:rPr lang="en-GB" dirty="0">
+                <a:latin typeface="arial" panose="020B0604020202020204" pitchFamily="34" charset="0"/>
+              </a:rPr>
+              <a:t>deforestation.</a:t>
+            </a:r>
+          </a:p>
+          <a:p>
+            <a:r>
+              <a:rPr lang="en-GB" dirty="0">
+                <a:solidFill>
+                  <a:srgbClr val="FF0000"/>
+                </a:solidFill>
+                <a:latin typeface="Arial" panose="020B0604020202020204" pitchFamily="34" charset="0"/>
+                <a:cs typeface="Arial" panose="020B0604020202020204" pitchFamily="34" charset="0"/>
+              </a:rPr>
+              <a:t>2. Methane (CH</a:t>
+            </a:r>
+            <a:r>
+              <a:rPr lang="en-GB" baseline="-25000" dirty="0">
+                <a:solidFill>
+                  <a:srgbClr val="FF0000"/>
+                </a:solidFill>
+                <a:latin typeface="Arial" panose="020B0604020202020204" pitchFamily="34" charset="0"/>
+                <a:cs typeface="Arial" panose="020B0604020202020204" pitchFamily="34" charset="0"/>
+              </a:rPr>
+              <a:t>4</a:t>
+            </a:r>
+            <a:r>
+              <a:rPr lang="en-GB" dirty="0">
+                <a:solidFill>
+                  <a:srgbClr val="FF0000"/>
+                </a:solidFill>
+                <a:latin typeface="Arial" panose="020B0604020202020204" pitchFamily="34" charset="0"/>
+                <a:cs typeface="Arial" panose="020B0604020202020204" pitchFamily="34" charset="0"/>
+              </a:rPr>
+              <a:t>)– </a:t>
+            </a:r>
+          </a:p>
+          <a:p>
+            <a:r>
+              <a:rPr lang="en-GB" i="0" dirty="0">
+                <a:effectLst/>
+                <a:latin typeface="Arial" panose="020B0604020202020204" pitchFamily="34" charset="0"/>
+                <a:cs typeface="Arial" panose="020B0604020202020204" pitchFamily="34" charset="0"/>
+              </a:rPr>
+              <a:t>Methane possess &gt;80 times the warming power of carbon dioxide for the first 20 years after being released</a:t>
+            </a:r>
+            <a:endParaRPr lang="en-GB" dirty="0">
+              <a:latin typeface="Arial" panose="020B0604020202020204" pitchFamily="34" charset="0"/>
+              <a:cs typeface="Arial" panose="020B0604020202020204" pitchFamily="34" charset="0"/>
+            </a:endParaRPr>
+          </a:p>
+          <a:p>
+            <a:r>
+              <a:rPr lang="en-GB" dirty="0">
+                <a:solidFill>
+                  <a:srgbClr val="FF0000"/>
+                </a:solidFill>
+                <a:latin typeface="Arial" panose="020B0604020202020204" pitchFamily="34" charset="0"/>
+                <a:cs typeface="Arial" panose="020B0604020202020204" pitchFamily="34" charset="0"/>
+              </a:rPr>
+              <a:t>3. Nitrous oxide (NO</a:t>
+            </a:r>
+            <a:r>
+              <a:rPr lang="en-GB" baseline="-25000" dirty="0">
+                <a:solidFill>
+                  <a:srgbClr val="FF0000"/>
+                </a:solidFill>
+                <a:latin typeface="Arial" panose="020B0604020202020204" pitchFamily="34" charset="0"/>
+                <a:cs typeface="Arial" panose="020B0604020202020204" pitchFamily="34" charset="0"/>
+              </a:rPr>
+              <a:t>2</a:t>
+            </a:r>
+            <a:r>
+              <a:rPr lang="en-GB" dirty="0">
+                <a:solidFill>
+                  <a:srgbClr val="FF0000"/>
+                </a:solidFill>
+                <a:latin typeface="Arial" panose="020B0604020202020204" pitchFamily="34" charset="0"/>
+                <a:cs typeface="Arial" panose="020B0604020202020204" pitchFamily="34" charset="0"/>
+              </a:rPr>
+              <a:t>) –</a:t>
+            </a:r>
+          </a:p>
+          <a:p>
+            <a:r>
+              <a:rPr lang="en-GB" i="0" u="none" strike="noStrike" dirty="0">
+                <a:effectLst/>
+                <a:latin typeface="Arial" panose="020B0604020202020204" pitchFamily="34" charset="0"/>
+                <a:cs typeface="Arial" panose="020B0604020202020204" pitchFamily="34" charset="0"/>
+              </a:rPr>
+              <a:t>Increased N- based fertilizer use (&gt;50 years) has been responsible for dramatic increase in its emission. </a:t>
+            </a:r>
+            <a:endParaRPr lang="en-GB" dirty="0">
+              <a:latin typeface="Arial" panose="020B0604020202020204" pitchFamily="34" charset="0"/>
+              <a:cs typeface="Arial" panose="020B0604020202020204" pitchFamily="34" charset="0"/>
+            </a:endParaRPr>
+          </a:p>
+          <a:p>
+            <a:r>
+              <a:rPr lang="en-GB" dirty="0">
+                <a:solidFill>
+                  <a:srgbClr val="FF0000"/>
+                </a:solidFill>
+                <a:latin typeface="Arial" panose="020B0604020202020204" pitchFamily="34" charset="0"/>
+                <a:cs typeface="Arial" panose="020B0604020202020204" pitchFamily="34" charset="0"/>
+              </a:rPr>
+              <a:t>4. Hydrofluorocarbons (HFC) –</a:t>
+            </a:r>
+          </a:p>
+          <a:p>
+            <a:r>
+              <a:rPr lang="en-GB" i="0" u="none" strike="noStrike" dirty="0">
+                <a:solidFill>
+                  <a:srgbClr val="202124"/>
+                </a:solidFill>
+                <a:effectLst/>
+                <a:latin typeface="arial" panose="020B0604020202020204" pitchFamily="34" charset="0"/>
+              </a:rPr>
+              <a:t>HFCs are highly effective at trapping solar radiation (infrared radiation) and redirecting that radiant energy toward Earth's surface. </a:t>
+            </a:r>
+          </a:p>
+          <a:p>
+            <a:r>
+              <a:rPr lang="en-GB" dirty="0">
+                <a:solidFill>
+                  <a:srgbClr val="202124"/>
+                </a:solidFill>
+                <a:latin typeface="arial" panose="020B0604020202020204" pitchFamily="34" charset="0"/>
+              </a:rPr>
+              <a:t>Major source of HFCs are refrigeration and air conditioning</a:t>
+            </a:r>
+            <a:endParaRPr lang="en-GB" i="0" u="none" strike="noStrike" dirty="0">
+              <a:solidFill>
+                <a:srgbClr val="202124"/>
+              </a:solidFill>
+              <a:effectLst/>
+              <a:latin typeface="arial" panose="020B0604020202020204" pitchFamily="34" charset="0"/>
+            </a:endParaRPr>
           </a:p>
         </p:txBody>
       </p:sp>
+      <p:pic>
+        <p:nvPicPr>
+          <p:cNvPr id="9" name="Picture 8" descr="Chart&#10;&#10;Description automatically generated">
+            <a:extLst>
+              <a:ext uri="{FF2B5EF4-FFF2-40B4-BE49-F238E27FC236}">
+                <a16:creationId xmlns:a16="http://schemas.microsoft.com/office/drawing/2014/main" id="{F512880D-4D02-8ED1-3899-21F58B1BBCF5}"/>
+              </a:ext>
+            </a:extLst>
+          </p:cNvPr>
+          <p:cNvPicPr>
+            <a:picLocks noChangeAspect="1"/>
+          </p:cNvPicPr>
+          <p:nvPr/>
+        </p:nvPicPr>
+        <p:blipFill>
+          <a:blip r:embed="rId2">
+            <a:extLst>
+              <a:ext uri="{28A0092B-C50C-407E-A947-70E740481C1C}">
+                <a14:useLocalDpi xmlns:a14="http://schemas.microsoft.com/office/drawing/2010/main" val="0"/>
+              </a:ext>
+            </a:extLst>
+          </a:blip>
+          <a:stretch>
+            <a:fillRect/>
+          </a:stretch>
+        </p:blipFill>
+        <p:spPr>
+          <a:xfrm>
+            <a:off x="655401" y="2011382"/>
+            <a:ext cx="4838700" cy="4615948"/>
+          </a:xfrm>
+          <a:prstGeom prst="rect">
+            <a:avLst/>
+          </a:prstGeom>
+        </p:spPr>
+      </p:pic>
       <p:sp>
         <p:nvSpPr>
-          <p:cNvPr id="4" name="Footer Placeholder 3">
-            <a:extLst>
-              <a:ext uri="{FF2B5EF4-FFF2-40B4-BE49-F238E27FC236}">
-                <a16:creationId xmlns:a16="http://schemas.microsoft.com/office/drawing/2014/main" id="{529E91F3-E1A0-DB4A-8CD8-D9D1AB0FFB40}"/>
-              </a:ext>
-            </a:extLst>
-          </p:cNvPr>
-          <p:cNvSpPr>
-            <a:spLocks noGrp="1"/>
+          <p:cNvPr id="10" name="Title 1">
+            <a:extLst>
+              <a:ext uri="{FF2B5EF4-FFF2-40B4-BE49-F238E27FC236}">
+                <a16:creationId xmlns:a16="http://schemas.microsoft.com/office/drawing/2014/main" id="{C3483C1E-3C51-8A7D-6AE9-256AA0AC2BC7}"/>
+              </a:ext>
+            </a:extLst>
+          </p:cNvPr>
+          <p:cNvSpPr txBox="1">
+            <a:spLocks/>
           </p:cNvSpPr>
-          <p:nvPr>
-            <p:ph type="ftr" sz="quarter" idx="22"/>
-          </p:nvPr>
+          <p:nvPr/>
         </p:nvSpPr>
         <p:spPr>
           <a:xfrm>
-            <a:off x="1494790" y="6332220"/>
-            <a:ext cx="1497330" cy="247651"/>
+            <a:off x="1401723" y="433491"/>
+            <a:ext cx="8977999" cy="610863"/>
           </a:xfrm>
+          <a:prstGeom prst="rect">
+            <a:avLst/>
+          </a:prstGeom>
         </p:spPr>
         <p:txBody>
-          <a:bodyPr/>
-          <a:lstStyle/>
+          <a:bodyPr vert="horz" lIns="0" tIns="0" rIns="0" bIns="0" rtlCol="0" anchor="b" anchorCtr="0">
+            <a:normAutofit/>
+          </a:bodyPr>
+          <a:lstStyle>
+            <a:lvl1pPr algn="l" defTabSz="914400" rtl="0" eaLnBrk="1" latinLnBrk="0" hangingPunct="1">
+              <a:lnSpc>
+                <a:spcPct val="90000"/>
+              </a:lnSpc>
+              <a:spcBef>
+                <a:spcPct val="0"/>
+              </a:spcBef>
+              <a:buNone/>
+              <a:defRPr sz="4400" b="1" i="0" kern="1200" spc="100" baseline="0">
+                <a:solidFill>
+                  <a:schemeClr val="bg1"/>
+                </a:solidFill>
+                <a:latin typeface="+mj-lt"/>
+                <a:ea typeface="+mj-ea"/>
+                <a:cs typeface="+mj-cs"/>
+              </a:defRPr>
+            </a:lvl1pPr>
+            <a:lvl2pPr eaLnBrk="1" hangingPunct="1">
+              <a:defRPr>
+                <a:solidFill>
+                  <a:schemeClr val="tx2"/>
+                </a:solidFill>
+              </a:defRPr>
+            </a:lvl2pPr>
+            <a:lvl3pPr eaLnBrk="1" hangingPunct="1">
+              <a:defRPr>
+                <a:solidFill>
+                  <a:schemeClr val="tx2"/>
+                </a:solidFill>
+              </a:defRPr>
+            </a:lvl3pPr>
+            <a:lvl4pPr eaLnBrk="1" hangingPunct="1">
+              <a:defRPr>
+                <a:solidFill>
+                  <a:schemeClr val="tx2"/>
+                </a:solidFill>
+              </a:defRPr>
+            </a:lvl4pPr>
+            <a:lvl5pPr eaLnBrk="1" hangingPunct="1">
+              <a:defRPr>
+                <a:solidFill>
+                  <a:schemeClr val="tx2"/>
+                </a:solidFill>
+              </a:defRPr>
+            </a:lvl5pPr>
+            <a:lvl6pPr eaLnBrk="1" hangingPunct="1">
+              <a:defRPr>
+                <a:solidFill>
+                  <a:schemeClr val="tx2"/>
+                </a:solidFill>
+              </a:defRPr>
+            </a:lvl6pPr>
+            <a:lvl7pPr eaLnBrk="1" hangingPunct="1">
+              <a:defRPr>
+                <a:solidFill>
+                  <a:schemeClr val="tx2"/>
+                </a:solidFill>
+              </a:defRPr>
+            </a:lvl7pPr>
+            <a:lvl8pPr eaLnBrk="1" hangingPunct="1">
+              <a:defRPr>
+                <a:solidFill>
+                  <a:schemeClr val="tx2"/>
+                </a:solidFill>
+              </a:defRPr>
+            </a:lvl8pPr>
+            <a:lvl9pPr eaLnBrk="1" hangingPunct="1">
+              <a:defRPr>
+                <a:solidFill>
+                  <a:schemeClr val="tx2"/>
+                </a:solidFill>
+              </a:defRPr>
+            </a:lvl9pPr>
+          </a:lstStyle>
           <a:p>
             <a:r>
               <a:rPr lang="en-US" dirty="0"/>
-              <a:t>Project One</a:t>
-            </a:r>
-          </a:p>
-        </p:txBody>
-      </p:sp>
-      <p:sp>
-        <p:nvSpPr>
-          <p:cNvPr id="3" name="Date Placeholder 2">
-            <a:extLst>
-              <a:ext uri="{FF2B5EF4-FFF2-40B4-BE49-F238E27FC236}">
-                <a16:creationId xmlns:a16="http://schemas.microsoft.com/office/drawing/2014/main" id="{4D5B7634-ADBA-124F-B8CA-431F07F18D44}"/>
-              </a:ext>
-            </a:extLst>
-          </p:cNvPr>
-          <p:cNvSpPr>
-            <a:spLocks noGrp="1"/>
-          </p:cNvSpPr>
-          <p:nvPr>
-            <p:ph type="dt" sz="half" idx="21"/>
-          </p:nvPr>
-        </p:nvSpPr>
-        <p:spPr>
-          <a:xfrm>
-            <a:off x="2992120" y="6332220"/>
-            <a:ext cx="1313180" cy="247651"/>
-          </a:xfrm>
-        </p:spPr>
-        <p:txBody>
-          <a:bodyPr/>
-          <a:lstStyle/>
-          <a:p>
-            <a:fld id="{6FCA8E82-58CD-E045-8B98-B7A85B79B752}" type="datetime4">
-              <a:rPr lang="en-US" smtClean="0"/>
-              <a:pPr/>
-              <a:t>October 17, 2022</a:t>
-            </a:fld>
-            <a:endParaRPr lang="en-US" dirty="0"/>
+              <a:t>Composition of Greenhouse Gases</a:t>
+            </a:r>
           </a:p>
         </p:txBody>
       </p:sp>
     </p:spTree>
     <p:extLst>
       <p:ext uri="{BB962C8B-B14F-4D97-AF65-F5344CB8AC3E}">
-        <p14:creationId xmlns:p14="http://schemas.microsoft.com/office/powerpoint/2010/main" val="643842168"/>
+        <p14:creationId xmlns:p14="http://schemas.microsoft.com/office/powerpoint/2010/main" val="3514829862"/>
       </p:ext>
     </p:extLst>
   </p:cSld>
@@ -15030,6 +15026,1853 @@
       </p:grpSpPr>
       <p:sp>
         <p:nvSpPr>
+          <p:cNvPr id="28" name="Title 1">
+            <a:extLst>
+              <a:ext uri="{FF2B5EF4-FFF2-40B4-BE49-F238E27FC236}">
+                <a16:creationId xmlns:a16="http://schemas.microsoft.com/office/drawing/2014/main" id="{09AB8840-4F13-2301-51CF-2687DD69874E}"/>
+              </a:ext>
+            </a:extLst>
+          </p:cNvPr>
+          <p:cNvSpPr>
+            <a:spLocks noGrp="1"/>
+          </p:cNvSpPr>
+          <p:nvPr>
+            <p:ph type="title"/>
+          </p:nvPr>
+        </p:nvSpPr>
+        <p:spPr>
+          <a:xfrm>
+            <a:off x="299005" y="230670"/>
+            <a:ext cx="11671322" cy="610863"/>
+          </a:xfrm>
+        </p:spPr>
+        <p:txBody>
+          <a:bodyPr vert="horz" lIns="0" tIns="0" rIns="0" bIns="0" rtlCol="0" anchor="b" anchorCtr="0">
+            <a:normAutofit/>
+          </a:bodyPr>
+          <a:lstStyle/>
+          <a:p>
+            <a:pPr algn="ctr"/>
+            <a:r>
+              <a:rPr lang="en-US" b="1" i="0" kern="1200" spc="100" baseline="0" dirty="0">
+                <a:latin typeface="+mj-lt"/>
+                <a:ea typeface="+mj-ea"/>
+                <a:cs typeface="+mj-cs"/>
+              </a:rPr>
+              <a:t>Top Emitters of -</a:t>
+            </a:r>
+          </a:p>
+        </p:txBody>
+      </p:sp>
+      <p:pic>
+        <p:nvPicPr>
+          <p:cNvPr id="4" name="Picture 3" descr="Chart, pie chart&#10;&#10;Description automatically generated">
+            <a:extLst>
+              <a:ext uri="{FF2B5EF4-FFF2-40B4-BE49-F238E27FC236}">
+                <a16:creationId xmlns:a16="http://schemas.microsoft.com/office/drawing/2014/main" id="{04E16F77-081E-8D4D-9BF0-1099A22448AD}"/>
+              </a:ext>
+            </a:extLst>
+          </p:cNvPr>
+          <p:cNvPicPr>
+            <a:picLocks noChangeAspect="1"/>
+          </p:cNvPicPr>
+          <p:nvPr/>
+        </p:nvPicPr>
+        <p:blipFill>
+          <a:blip r:embed="rId2">
+            <a:extLst>
+              <a:ext uri="{28A0092B-C50C-407E-A947-70E740481C1C}">
+                <a14:useLocalDpi xmlns:a14="http://schemas.microsoft.com/office/drawing/2010/main" val="0"/>
+              </a:ext>
+            </a:extLst>
+          </a:blip>
+          <a:stretch>
+            <a:fillRect/>
+          </a:stretch>
+        </p:blipFill>
+        <p:spPr>
+          <a:xfrm>
+            <a:off x="84812" y="2208810"/>
+            <a:ext cx="6334766" cy="4349468"/>
+          </a:xfrm>
+          <a:prstGeom prst="rect">
+            <a:avLst/>
+          </a:prstGeom>
+        </p:spPr>
+      </p:pic>
+      <p:pic>
+        <p:nvPicPr>
+          <p:cNvPr id="9" name="Picture 8" descr="Chart, pie chart&#10;&#10;Description automatically generated">
+            <a:extLst>
+              <a:ext uri="{FF2B5EF4-FFF2-40B4-BE49-F238E27FC236}">
+                <a16:creationId xmlns:a16="http://schemas.microsoft.com/office/drawing/2014/main" id="{8EFDA691-FEB6-684C-7997-2B275022D923}"/>
+              </a:ext>
+            </a:extLst>
+          </p:cNvPr>
+          <p:cNvPicPr>
+            <a:picLocks noChangeAspect="1"/>
+          </p:cNvPicPr>
+          <p:nvPr/>
+        </p:nvPicPr>
+        <p:blipFill>
+          <a:blip r:embed="rId3">
+            <a:extLst>
+              <a:ext uri="{28A0092B-C50C-407E-A947-70E740481C1C}">
+                <a14:useLocalDpi xmlns:a14="http://schemas.microsoft.com/office/drawing/2010/main" val="0"/>
+              </a:ext>
+            </a:extLst>
+          </a:blip>
+          <a:stretch>
+            <a:fillRect/>
+          </a:stretch>
+        </p:blipFill>
+        <p:spPr>
+          <a:xfrm>
+            <a:off x="6419578" y="2129131"/>
+            <a:ext cx="5391570" cy="4498199"/>
+          </a:xfrm>
+          <a:prstGeom prst="rect">
+            <a:avLst/>
+          </a:prstGeom>
+        </p:spPr>
+      </p:pic>
+      <p:sp>
+        <p:nvSpPr>
+          <p:cNvPr id="12" name="Text Placeholder 2">
+            <a:extLst>
+              <a:ext uri="{FF2B5EF4-FFF2-40B4-BE49-F238E27FC236}">
+                <a16:creationId xmlns:a16="http://schemas.microsoft.com/office/drawing/2014/main" id="{BBE6ED2C-FF4E-C833-F2E8-A13571BCE8B1}"/>
+              </a:ext>
+            </a:extLst>
+          </p:cNvPr>
+          <p:cNvSpPr txBox="1">
+            <a:spLocks/>
+          </p:cNvSpPr>
+          <p:nvPr/>
+        </p:nvSpPr>
+        <p:spPr>
+          <a:xfrm>
+            <a:off x="3207357" y="1744164"/>
+            <a:ext cx="807423" cy="315915"/>
+          </a:xfrm>
+          <a:prstGeom prst="rect">
+            <a:avLst/>
+          </a:prstGeom>
+        </p:spPr>
+        <p:txBody>
+          <a:bodyPr vert="horz" lIns="91440" tIns="45720" rIns="91440" bIns="45720" rtlCol="0">
+            <a:noAutofit/>
+          </a:bodyPr>
+          <a:lstStyle>
+            <a:lvl1pPr marL="228600" indent="-228600" algn="l" defTabSz="914400" rtl="0" eaLnBrk="1" latinLnBrk="0" hangingPunct="1">
+              <a:lnSpc>
+                <a:spcPct val="90000"/>
+              </a:lnSpc>
+              <a:spcBef>
+                <a:spcPts val="1000"/>
+              </a:spcBef>
+              <a:buFont typeface="Arial" panose="020B0604020202020204" pitchFamily="34" charset="0"/>
+              <a:buNone/>
+              <a:defRPr sz="1800" b="0" i="0" kern="1200" spc="0" baseline="0">
+                <a:solidFill>
+                  <a:schemeClr val="tx2"/>
+                </a:solidFill>
+                <a:latin typeface="+mj-lt"/>
+                <a:ea typeface="+mn-ea"/>
+                <a:cs typeface="+mn-cs"/>
+              </a:defRPr>
+            </a:lvl1pPr>
+            <a:lvl2pPr marL="685800" indent="-228600" algn="l" defTabSz="914400" rtl="0" eaLnBrk="1" latinLnBrk="0" hangingPunct="1">
+              <a:lnSpc>
+                <a:spcPct val="90000"/>
+              </a:lnSpc>
+              <a:spcBef>
+                <a:spcPts val="500"/>
+              </a:spcBef>
+              <a:buFont typeface="Arial" panose="020B0604020202020204" pitchFamily="34" charset="0"/>
+              <a:buNone/>
+              <a:defRPr sz="2400" b="0" i="0" kern="1200">
+                <a:solidFill>
+                  <a:schemeClr val="bg1"/>
+                </a:solidFill>
+                <a:latin typeface="+mn-lt"/>
+                <a:ea typeface="+mn-ea"/>
+                <a:cs typeface="+mn-cs"/>
+              </a:defRPr>
+            </a:lvl2pPr>
+            <a:lvl3pPr marL="1143000" indent="-228600" algn="l" defTabSz="914400" rtl="0" eaLnBrk="1" latinLnBrk="0" hangingPunct="1">
+              <a:lnSpc>
+                <a:spcPct val="90000"/>
+              </a:lnSpc>
+              <a:spcBef>
+                <a:spcPts val="500"/>
+              </a:spcBef>
+              <a:buFont typeface="Arial" panose="020B0604020202020204" pitchFamily="34" charset="0"/>
+              <a:buNone/>
+              <a:defRPr sz="2000" b="0" i="0" kern="1200">
+                <a:solidFill>
+                  <a:schemeClr val="bg1"/>
+                </a:solidFill>
+                <a:latin typeface="+mn-lt"/>
+                <a:ea typeface="+mn-ea"/>
+                <a:cs typeface="+mn-cs"/>
+              </a:defRPr>
+            </a:lvl3pPr>
+            <a:lvl4pPr marL="1600200" indent="-228600" algn="l" defTabSz="914400" rtl="0" eaLnBrk="1" latinLnBrk="0" hangingPunct="1">
+              <a:lnSpc>
+                <a:spcPct val="90000"/>
+              </a:lnSpc>
+              <a:spcBef>
+                <a:spcPts val="500"/>
+              </a:spcBef>
+              <a:buFont typeface="Arial" panose="020B0604020202020204" pitchFamily="34" charset="0"/>
+              <a:buNone/>
+              <a:defRPr sz="1800" b="0" i="0" kern="1200">
+                <a:solidFill>
+                  <a:schemeClr val="bg1"/>
+                </a:solidFill>
+                <a:latin typeface="+mn-lt"/>
+                <a:ea typeface="+mn-ea"/>
+                <a:cs typeface="+mn-cs"/>
+              </a:defRPr>
+            </a:lvl4pPr>
+            <a:lvl5pPr marL="2057400" indent="-228600" algn="l" defTabSz="914400" rtl="0" eaLnBrk="1" latinLnBrk="0" hangingPunct="1">
+              <a:lnSpc>
+                <a:spcPct val="90000"/>
+              </a:lnSpc>
+              <a:spcBef>
+                <a:spcPts val="500"/>
+              </a:spcBef>
+              <a:buFont typeface="Arial" panose="020B0604020202020204" pitchFamily="34" charset="0"/>
+              <a:buNone/>
+              <a:defRPr sz="1800" b="0" i="0" kern="1200">
+                <a:solidFill>
+                  <a:schemeClr val="bg1"/>
+                </a:solidFill>
+                <a:latin typeface="+mn-lt"/>
+                <a:ea typeface="+mn-ea"/>
+                <a:cs typeface="+mn-cs"/>
+              </a:defRPr>
+            </a:lvl5pPr>
+            <a:lvl6pPr marL="2514600" indent="-228600" algn="l" defTabSz="914400" rtl="0" eaLnBrk="1" latinLnBrk="0" hangingPunct="1">
+              <a:lnSpc>
+                <a:spcPct val="90000"/>
+              </a:lnSpc>
+              <a:spcBef>
+                <a:spcPts val="500"/>
+              </a:spcBef>
+              <a:buFont typeface="Arial" panose="020B0604020202020204" pitchFamily="34" charset="0"/>
+              <a:buChar char="•"/>
+              <a:defRPr sz="1800" kern="1200">
+                <a:solidFill>
+                  <a:schemeClr val="tx1"/>
+                </a:solidFill>
+                <a:latin typeface="+mn-lt"/>
+                <a:ea typeface="+mn-ea"/>
+                <a:cs typeface="+mn-cs"/>
+              </a:defRPr>
+            </a:lvl6pPr>
+            <a:lvl7pPr marL="2971800" indent="-228600" algn="l" defTabSz="914400" rtl="0" eaLnBrk="1" latinLnBrk="0" hangingPunct="1">
+              <a:lnSpc>
+                <a:spcPct val="90000"/>
+              </a:lnSpc>
+              <a:spcBef>
+                <a:spcPts val="500"/>
+              </a:spcBef>
+              <a:buFont typeface="Arial" panose="020B0604020202020204" pitchFamily="34" charset="0"/>
+              <a:buChar char="•"/>
+              <a:defRPr sz="1800" kern="1200">
+                <a:solidFill>
+                  <a:schemeClr val="tx1"/>
+                </a:solidFill>
+                <a:latin typeface="+mn-lt"/>
+                <a:ea typeface="+mn-ea"/>
+                <a:cs typeface="+mn-cs"/>
+              </a:defRPr>
+            </a:lvl7pPr>
+            <a:lvl8pPr marL="3429000" indent="-228600" algn="l" defTabSz="914400" rtl="0" eaLnBrk="1" latinLnBrk="0" hangingPunct="1">
+              <a:lnSpc>
+                <a:spcPct val="90000"/>
+              </a:lnSpc>
+              <a:spcBef>
+                <a:spcPts val="500"/>
+              </a:spcBef>
+              <a:buFont typeface="Arial" panose="020B0604020202020204" pitchFamily="34" charset="0"/>
+              <a:buChar char="•"/>
+              <a:defRPr sz="1800" kern="1200">
+                <a:solidFill>
+                  <a:schemeClr val="tx1"/>
+                </a:solidFill>
+                <a:latin typeface="+mn-lt"/>
+                <a:ea typeface="+mn-ea"/>
+                <a:cs typeface="+mn-cs"/>
+              </a:defRPr>
+            </a:lvl8pPr>
+            <a:lvl9pPr marL="3886200" indent="-228600" algn="l" defTabSz="914400" rtl="0" eaLnBrk="1" latinLnBrk="0" hangingPunct="1">
+              <a:lnSpc>
+                <a:spcPct val="90000"/>
+              </a:lnSpc>
+              <a:spcBef>
+                <a:spcPts val="500"/>
+              </a:spcBef>
+              <a:buFont typeface="Arial" panose="020B0604020202020204" pitchFamily="34" charset="0"/>
+              <a:buChar char="•"/>
+              <a:defRPr sz="1800" kern="1200">
+                <a:solidFill>
+                  <a:schemeClr val="tx1"/>
+                </a:solidFill>
+                <a:latin typeface="+mn-lt"/>
+                <a:ea typeface="+mn-ea"/>
+                <a:cs typeface="+mn-cs"/>
+              </a:defRPr>
+            </a:lvl9pPr>
+          </a:lstStyle>
+          <a:p>
+            <a:r>
+              <a:rPr lang="en-US" sz="2400">
+                <a:solidFill>
+                  <a:schemeClr val="bg1"/>
+                </a:solidFill>
+              </a:rPr>
+              <a:t>CO</a:t>
+            </a:r>
+            <a:r>
+              <a:rPr lang="en-US" sz="2400" baseline="-25000">
+                <a:solidFill>
+                  <a:schemeClr val="bg1"/>
+                </a:solidFill>
+              </a:rPr>
+              <a:t>2</a:t>
+            </a:r>
+            <a:endParaRPr lang="en-US" sz="2400" baseline="-25000" dirty="0">
+              <a:solidFill>
+                <a:schemeClr val="bg1"/>
+              </a:solidFill>
+            </a:endParaRPr>
+          </a:p>
+        </p:txBody>
+      </p:sp>
+      <p:sp>
+        <p:nvSpPr>
+          <p:cNvPr id="13" name="Text Placeholder 2">
+            <a:extLst>
+              <a:ext uri="{FF2B5EF4-FFF2-40B4-BE49-F238E27FC236}">
+                <a16:creationId xmlns:a16="http://schemas.microsoft.com/office/drawing/2014/main" id="{0D7C2448-FE8E-2A1A-B8F3-628258B03CE9}"/>
+              </a:ext>
+            </a:extLst>
+          </p:cNvPr>
+          <p:cNvSpPr txBox="1">
+            <a:spLocks/>
+          </p:cNvSpPr>
+          <p:nvPr/>
+        </p:nvSpPr>
+        <p:spPr>
+          <a:xfrm>
+            <a:off x="8070342" y="1737192"/>
+            <a:ext cx="1453667" cy="315915"/>
+          </a:xfrm>
+          <a:prstGeom prst="rect">
+            <a:avLst/>
+          </a:prstGeom>
+        </p:spPr>
+        <p:txBody>
+          <a:bodyPr vert="horz" lIns="91440" tIns="45720" rIns="91440" bIns="45720" rtlCol="0">
+            <a:noAutofit/>
+          </a:bodyPr>
+          <a:lstStyle>
+            <a:lvl1pPr marL="228600" indent="-228600" algn="l" defTabSz="914400" rtl="0" eaLnBrk="1" latinLnBrk="0" hangingPunct="1">
+              <a:lnSpc>
+                <a:spcPct val="90000"/>
+              </a:lnSpc>
+              <a:spcBef>
+                <a:spcPts val="1000"/>
+              </a:spcBef>
+              <a:buFont typeface="Arial" panose="020B0604020202020204" pitchFamily="34" charset="0"/>
+              <a:buNone/>
+              <a:defRPr sz="1800" b="0" i="0" kern="1200" spc="0" baseline="0">
+                <a:solidFill>
+                  <a:schemeClr val="tx2"/>
+                </a:solidFill>
+                <a:latin typeface="+mj-lt"/>
+                <a:ea typeface="+mn-ea"/>
+                <a:cs typeface="+mn-cs"/>
+              </a:defRPr>
+            </a:lvl1pPr>
+            <a:lvl2pPr marL="685800" indent="-228600" algn="l" defTabSz="914400" rtl="0" eaLnBrk="1" latinLnBrk="0" hangingPunct="1">
+              <a:lnSpc>
+                <a:spcPct val="90000"/>
+              </a:lnSpc>
+              <a:spcBef>
+                <a:spcPts val="500"/>
+              </a:spcBef>
+              <a:buFont typeface="Arial" panose="020B0604020202020204" pitchFamily="34" charset="0"/>
+              <a:buNone/>
+              <a:defRPr sz="2400" b="0" i="0" kern="1200">
+                <a:solidFill>
+                  <a:schemeClr val="bg1"/>
+                </a:solidFill>
+                <a:latin typeface="+mn-lt"/>
+                <a:ea typeface="+mn-ea"/>
+                <a:cs typeface="+mn-cs"/>
+              </a:defRPr>
+            </a:lvl2pPr>
+            <a:lvl3pPr marL="1143000" indent="-228600" algn="l" defTabSz="914400" rtl="0" eaLnBrk="1" latinLnBrk="0" hangingPunct="1">
+              <a:lnSpc>
+                <a:spcPct val="90000"/>
+              </a:lnSpc>
+              <a:spcBef>
+                <a:spcPts val="500"/>
+              </a:spcBef>
+              <a:buFont typeface="Arial" panose="020B0604020202020204" pitchFamily="34" charset="0"/>
+              <a:buNone/>
+              <a:defRPr sz="2000" b="0" i="0" kern="1200">
+                <a:solidFill>
+                  <a:schemeClr val="bg1"/>
+                </a:solidFill>
+                <a:latin typeface="+mn-lt"/>
+                <a:ea typeface="+mn-ea"/>
+                <a:cs typeface="+mn-cs"/>
+              </a:defRPr>
+            </a:lvl3pPr>
+            <a:lvl4pPr marL="1600200" indent="-228600" algn="l" defTabSz="914400" rtl="0" eaLnBrk="1" latinLnBrk="0" hangingPunct="1">
+              <a:lnSpc>
+                <a:spcPct val="90000"/>
+              </a:lnSpc>
+              <a:spcBef>
+                <a:spcPts val="500"/>
+              </a:spcBef>
+              <a:buFont typeface="Arial" panose="020B0604020202020204" pitchFamily="34" charset="0"/>
+              <a:buNone/>
+              <a:defRPr sz="1800" b="0" i="0" kern="1200">
+                <a:solidFill>
+                  <a:schemeClr val="bg1"/>
+                </a:solidFill>
+                <a:latin typeface="+mn-lt"/>
+                <a:ea typeface="+mn-ea"/>
+                <a:cs typeface="+mn-cs"/>
+              </a:defRPr>
+            </a:lvl4pPr>
+            <a:lvl5pPr marL="2057400" indent="-228600" algn="l" defTabSz="914400" rtl="0" eaLnBrk="1" latinLnBrk="0" hangingPunct="1">
+              <a:lnSpc>
+                <a:spcPct val="90000"/>
+              </a:lnSpc>
+              <a:spcBef>
+                <a:spcPts val="500"/>
+              </a:spcBef>
+              <a:buFont typeface="Arial" panose="020B0604020202020204" pitchFamily="34" charset="0"/>
+              <a:buNone/>
+              <a:defRPr sz="1800" b="0" i="0" kern="1200">
+                <a:solidFill>
+                  <a:schemeClr val="bg1"/>
+                </a:solidFill>
+                <a:latin typeface="+mn-lt"/>
+                <a:ea typeface="+mn-ea"/>
+                <a:cs typeface="+mn-cs"/>
+              </a:defRPr>
+            </a:lvl5pPr>
+            <a:lvl6pPr marL="2514600" indent="-228600" algn="l" defTabSz="914400" rtl="0" eaLnBrk="1" latinLnBrk="0" hangingPunct="1">
+              <a:lnSpc>
+                <a:spcPct val="90000"/>
+              </a:lnSpc>
+              <a:spcBef>
+                <a:spcPts val="500"/>
+              </a:spcBef>
+              <a:buFont typeface="Arial" panose="020B0604020202020204" pitchFamily="34" charset="0"/>
+              <a:buChar char="•"/>
+              <a:defRPr sz="1800" kern="1200">
+                <a:solidFill>
+                  <a:schemeClr val="tx1"/>
+                </a:solidFill>
+                <a:latin typeface="+mn-lt"/>
+                <a:ea typeface="+mn-ea"/>
+                <a:cs typeface="+mn-cs"/>
+              </a:defRPr>
+            </a:lvl6pPr>
+            <a:lvl7pPr marL="2971800" indent="-228600" algn="l" defTabSz="914400" rtl="0" eaLnBrk="1" latinLnBrk="0" hangingPunct="1">
+              <a:lnSpc>
+                <a:spcPct val="90000"/>
+              </a:lnSpc>
+              <a:spcBef>
+                <a:spcPts val="500"/>
+              </a:spcBef>
+              <a:buFont typeface="Arial" panose="020B0604020202020204" pitchFamily="34" charset="0"/>
+              <a:buChar char="•"/>
+              <a:defRPr sz="1800" kern="1200">
+                <a:solidFill>
+                  <a:schemeClr val="tx1"/>
+                </a:solidFill>
+                <a:latin typeface="+mn-lt"/>
+                <a:ea typeface="+mn-ea"/>
+                <a:cs typeface="+mn-cs"/>
+              </a:defRPr>
+            </a:lvl7pPr>
+            <a:lvl8pPr marL="3429000" indent="-228600" algn="l" defTabSz="914400" rtl="0" eaLnBrk="1" latinLnBrk="0" hangingPunct="1">
+              <a:lnSpc>
+                <a:spcPct val="90000"/>
+              </a:lnSpc>
+              <a:spcBef>
+                <a:spcPts val="500"/>
+              </a:spcBef>
+              <a:buFont typeface="Arial" panose="020B0604020202020204" pitchFamily="34" charset="0"/>
+              <a:buChar char="•"/>
+              <a:defRPr sz="1800" kern="1200">
+                <a:solidFill>
+                  <a:schemeClr val="tx1"/>
+                </a:solidFill>
+                <a:latin typeface="+mn-lt"/>
+                <a:ea typeface="+mn-ea"/>
+                <a:cs typeface="+mn-cs"/>
+              </a:defRPr>
+            </a:lvl8pPr>
+            <a:lvl9pPr marL="3886200" indent="-228600" algn="l" defTabSz="914400" rtl="0" eaLnBrk="1" latinLnBrk="0" hangingPunct="1">
+              <a:lnSpc>
+                <a:spcPct val="90000"/>
+              </a:lnSpc>
+              <a:spcBef>
+                <a:spcPts val="500"/>
+              </a:spcBef>
+              <a:buFont typeface="Arial" panose="020B0604020202020204" pitchFamily="34" charset="0"/>
+              <a:buChar char="•"/>
+              <a:defRPr sz="1800" kern="1200">
+                <a:solidFill>
+                  <a:schemeClr val="tx1"/>
+                </a:solidFill>
+                <a:latin typeface="+mn-lt"/>
+                <a:ea typeface="+mn-ea"/>
+                <a:cs typeface="+mn-cs"/>
+              </a:defRPr>
+            </a:lvl9pPr>
+          </a:lstStyle>
+          <a:p>
+            <a:r>
+              <a:rPr lang="en-US" sz="2400" dirty="0">
+                <a:solidFill>
+                  <a:schemeClr val="bg1"/>
+                </a:solidFill>
+              </a:rPr>
+              <a:t>Methane</a:t>
+            </a:r>
+            <a:endParaRPr lang="en-US" sz="2400" baseline="-25000" dirty="0">
+              <a:solidFill>
+                <a:schemeClr val="bg1"/>
+              </a:solidFill>
+            </a:endParaRPr>
+          </a:p>
+        </p:txBody>
+      </p:sp>
+    </p:spTree>
+    <p:extLst>
+      <p:ext uri="{BB962C8B-B14F-4D97-AF65-F5344CB8AC3E}">
+        <p14:creationId xmlns:p14="http://schemas.microsoft.com/office/powerpoint/2010/main" val="195988901"/>
+      </p:ext>
+    </p:extLst>
+  </p:cSld>
+  <p:clrMapOvr>
+    <a:masterClrMapping/>
+  </p:clrMapOvr>
+</p:sld>
+</file>
+
+<file path=ppt/slides/slide15.xml><?xml version="1.0" encoding="utf-8"?>
+<p:sld xmlns:a="http://schemas.openxmlformats.org/drawingml/2006/main" xmlns:r="http://schemas.openxmlformats.org/officeDocument/2006/relationships" xmlns:p="http://schemas.openxmlformats.org/presentationml/2006/main">
+  <p:cSld>
+    <p:spTree>
+      <p:nvGrpSpPr>
+        <p:cNvPr id="1" name=""/>
+        <p:cNvGrpSpPr/>
+        <p:nvPr/>
+      </p:nvGrpSpPr>
+      <p:grpSpPr>
+        <a:xfrm>
+          <a:off x="0" y="0"/>
+          <a:ext cx="0" cy="0"/>
+          <a:chOff x="0" y="0"/>
+          <a:chExt cx="0" cy="0"/>
+        </a:xfrm>
+      </p:grpSpPr>
+      <p:sp>
+        <p:nvSpPr>
+          <p:cNvPr id="28" name="Title 1">
+            <a:extLst>
+              <a:ext uri="{FF2B5EF4-FFF2-40B4-BE49-F238E27FC236}">
+                <a16:creationId xmlns:a16="http://schemas.microsoft.com/office/drawing/2014/main" id="{09AB8840-4F13-2301-51CF-2687DD69874E}"/>
+              </a:ext>
+            </a:extLst>
+          </p:cNvPr>
+          <p:cNvSpPr>
+            <a:spLocks noGrp="1"/>
+          </p:cNvSpPr>
+          <p:nvPr>
+            <p:ph type="title"/>
+          </p:nvPr>
+        </p:nvSpPr>
+        <p:spPr>
+          <a:xfrm>
+            <a:off x="299005" y="230670"/>
+            <a:ext cx="11671322" cy="610863"/>
+          </a:xfrm>
+        </p:spPr>
+        <p:txBody>
+          <a:bodyPr vert="horz" lIns="0" tIns="0" rIns="0" bIns="0" rtlCol="0" anchor="b" anchorCtr="0">
+            <a:normAutofit/>
+          </a:bodyPr>
+          <a:lstStyle/>
+          <a:p>
+            <a:pPr algn="ctr"/>
+            <a:r>
+              <a:rPr lang="en-US" b="1" i="0" kern="1200" spc="100" baseline="0" dirty="0">
+                <a:latin typeface="+mj-lt"/>
+                <a:ea typeface="+mj-ea"/>
+                <a:cs typeface="+mj-cs"/>
+              </a:rPr>
+              <a:t>Top Emitters</a:t>
+            </a:r>
+          </a:p>
+        </p:txBody>
+      </p:sp>
+      <p:sp>
+        <p:nvSpPr>
+          <p:cNvPr id="29" name="Text Placeholder 2">
+            <a:extLst>
+              <a:ext uri="{FF2B5EF4-FFF2-40B4-BE49-F238E27FC236}">
+                <a16:creationId xmlns:a16="http://schemas.microsoft.com/office/drawing/2014/main" id="{312D0CA8-06AF-65A2-2490-C577E53226E1}"/>
+              </a:ext>
+            </a:extLst>
+          </p:cNvPr>
+          <p:cNvSpPr>
+            <a:spLocks noGrp="1"/>
+          </p:cNvSpPr>
+          <p:nvPr>
+            <p:ph type="body" sz="quarter" idx="12"/>
+          </p:nvPr>
+        </p:nvSpPr>
+        <p:spPr>
+          <a:xfrm>
+            <a:off x="3207357" y="1744164"/>
+            <a:ext cx="807423" cy="315915"/>
+          </a:xfrm>
+        </p:spPr>
+        <p:txBody>
+          <a:bodyPr vert="horz" lIns="91440" tIns="45720" rIns="91440" bIns="45720" rtlCol="0">
+            <a:noAutofit/>
+          </a:bodyPr>
+          <a:lstStyle/>
+          <a:p>
+            <a:r>
+              <a:rPr lang="en-US" sz="2400" dirty="0">
+                <a:solidFill>
+                  <a:schemeClr val="bg1"/>
+                </a:solidFill>
+              </a:rPr>
+              <a:t>N</a:t>
+            </a:r>
+            <a:r>
+              <a:rPr lang="en-US" sz="2400" b="0" i="0" kern="1200" spc="0" baseline="0" dirty="0">
+                <a:solidFill>
+                  <a:schemeClr val="bg1"/>
+                </a:solidFill>
+                <a:latin typeface="+mj-lt"/>
+                <a:ea typeface="+mn-ea"/>
+                <a:cs typeface="+mn-cs"/>
+              </a:rPr>
+              <a:t>O</a:t>
+            </a:r>
+            <a:r>
+              <a:rPr lang="en-US" sz="2400" b="0" i="0" kern="1200" spc="0" baseline="-25000" dirty="0">
+                <a:solidFill>
+                  <a:schemeClr val="bg1"/>
+                </a:solidFill>
+                <a:latin typeface="+mj-lt"/>
+                <a:ea typeface="+mn-ea"/>
+                <a:cs typeface="+mn-cs"/>
+              </a:rPr>
+              <a:t>2</a:t>
+            </a:r>
+          </a:p>
+        </p:txBody>
+      </p:sp>
+      <p:sp>
+        <p:nvSpPr>
+          <p:cNvPr id="6" name="Text Placeholder 2">
+            <a:extLst>
+              <a:ext uri="{FF2B5EF4-FFF2-40B4-BE49-F238E27FC236}">
+                <a16:creationId xmlns:a16="http://schemas.microsoft.com/office/drawing/2014/main" id="{16A9CDC5-C65C-AFCD-5218-2F7479CEACA1}"/>
+              </a:ext>
+            </a:extLst>
+          </p:cNvPr>
+          <p:cNvSpPr txBox="1">
+            <a:spLocks/>
+          </p:cNvSpPr>
+          <p:nvPr/>
+        </p:nvSpPr>
+        <p:spPr>
+          <a:xfrm>
+            <a:off x="7600208" y="1737192"/>
+            <a:ext cx="3253841" cy="315915"/>
+          </a:xfrm>
+          <a:prstGeom prst="rect">
+            <a:avLst/>
+          </a:prstGeom>
+        </p:spPr>
+        <p:txBody>
+          <a:bodyPr vert="horz" lIns="91440" tIns="45720" rIns="91440" bIns="45720" rtlCol="0">
+            <a:noAutofit/>
+          </a:bodyPr>
+          <a:lstStyle>
+            <a:lvl1pPr marL="228600" indent="-228600" algn="l" defTabSz="914400" rtl="0" eaLnBrk="1" latinLnBrk="0" hangingPunct="1">
+              <a:lnSpc>
+                <a:spcPct val="90000"/>
+              </a:lnSpc>
+              <a:spcBef>
+                <a:spcPts val="1000"/>
+              </a:spcBef>
+              <a:buFont typeface="Arial" panose="020B0604020202020204" pitchFamily="34" charset="0"/>
+              <a:buNone/>
+              <a:defRPr sz="1800" b="0" i="0" kern="1200" spc="0" baseline="0">
+                <a:solidFill>
+                  <a:schemeClr val="tx2"/>
+                </a:solidFill>
+                <a:latin typeface="+mj-lt"/>
+                <a:ea typeface="+mn-ea"/>
+                <a:cs typeface="+mn-cs"/>
+              </a:defRPr>
+            </a:lvl1pPr>
+            <a:lvl2pPr marL="685800" indent="-228600" algn="l" defTabSz="914400" rtl="0" eaLnBrk="1" latinLnBrk="0" hangingPunct="1">
+              <a:lnSpc>
+                <a:spcPct val="90000"/>
+              </a:lnSpc>
+              <a:spcBef>
+                <a:spcPts val="500"/>
+              </a:spcBef>
+              <a:buFont typeface="Arial" panose="020B0604020202020204" pitchFamily="34" charset="0"/>
+              <a:buNone/>
+              <a:defRPr sz="2400" b="0" i="0" kern="1200">
+                <a:solidFill>
+                  <a:schemeClr val="bg1"/>
+                </a:solidFill>
+                <a:latin typeface="+mn-lt"/>
+                <a:ea typeface="+mn-ea"/>
+                <a:cs typeface="+mn-cs"/>
+              </a:defRPr>
+            </a:lvl2pPr>
+            <a:lvl3pPr marL="1143000" indent="-228600" algn="l" defTabSz="914400" rtl="0" eaLnBrk="1" latinLnBrk="0" hangingPunct="1">
+              <a:lnSpc>
+                <a:spcPct val="90000"/>
+              </a:lnSpc>
+              <a:spcBef>
+                <a:spcPts val="500"/>
+              </a:spcBef>
+              <a:buFont typeface="Arial" panose="020B0604020202020204" pitchFamily="34" charset="0"/>
+              <a:buNone/>
+              <a:defRPr sz="2000" b="0" i="0" kern="1200">
+                <a:solidFill>
+                  <a:schemeClr val="bg1"/>
+                </a:solidFill>
+                <a:latin typeface="+mn-lt"/>
+                <a:ea typeface="+mn-ea"/>
+                <a:cs typeface="+mn-cs"/>
+              </a:defRPr>
+            </a:lvl3pPr>
+            <a:lvl4pPr marL="1600200" indent="-228600" algn="l" defTabSz="914400" rtl="0" eaLnBrk="1" latinLnBrk="0" hangingPunct="1">
+              <a:lnSpc>
+                <a:spcPct val="90000"/>
+              </a:lnSpc>
+              <a:spcBef>
+                <a:spcPts val="500"/>
+              </a:spcBef>
+              <a:buFont typeface="Arial" panose="020B0604020202020204" pitchFamily="34" charset="0"/>
+              <a:buNone/>
+              <a:defRPr sz="1800" b="0" i="0" kern="1200">
+                <a:solidFill>
+                  <a:schemeClr val="bg1"/>
+                </a:solidFill>
+                <a:latin typeface="+mn-lt"/>
+                <a:ea typeface="+mn-ea"/>
+                <a:cs typeface="+mn-cs"/>
+              </a:defRPr>
+            </a:lvl4pPr>
+            <a:lvl5pPr marL="2057400" indent="-228600" algn="l" defTabSz="914400" rtl="0" eaLnBrk="1" latinLnBrk="0" hangingPunct="1">
+              <a:lnSpc>
+                <a:spcPct val="90000"/>
+              </a:lnSpc>
+              <a:spcBef>
+                <a:spcPts val="500"/>
+              </a:spcBef>
+              <a:buFont typeface="Arial" panose="020B0604020202020204" pitchFamily="34" charset="0"/>
+              <a:buNone/>
+              <a:defRPr sz="1800" b="0" i="0" kern="1200">
+                <a:solidFill>
+                  <a:schemeClr val="bg1"/>
+                </a:solidFill>
+                <a:latin typeface="+mn-lt"/>
+                <a:ea typeface="+mn-ea"/>
+                <a:cs typeface="+mn-cs"/>
+              </a:defRPr>
+            </a:lvl5pPr>
+            <a:lvl6pPr marL="2514600" indent="-228600" algn="l" defTabSz="914400" rtl="0" eaLnBrk="1" latinLnBrk="0" hangingPunct="1">
+              <a:lnSpc>
+                <a:spcPct val="90000"/>
+              </a:lnSpc>
+              <a:spcBef>
+                <a:spcPts val="500"/>
+              </a:spcBef>
+              <a:buFont typeface="Arial" panose="020B0604020202020204" pitchFamily="34" charset="0"/>
+              <a:buChar char="•"/>
+              <a:defRPr sz="1800" kern="1200">
+                <a:solidFill>
+                  <a:schemeClr val="tx1"/>
+                </a:solidFill>
+                <a:latin typeface="+mn-lt"/>
+                <a:ea typeface="+mn-ea"/>
+                <a:cs typeface="+mn-cs"/>
+              </a:defRPr>
+            </a:lvl6pPr>
+            <a:lvl7pPr marL="2971800" indent="-228600" algn="l" defTabSz="914400" rtl="0" eaLnBrk="1" latinLnBrk="0" hangingPunct="1">
+              <a:lnSpc>
+                <a:spcPct val="90000"/>
+              </a:lnSpc>
+              <a:spcBef>
+                <a:spcPts val="500"/>
+              </a:spcBef>
+              <a:buFont typeface="Arial" panose="020B0604020202020204" pitchFamily="34" charset="0"/>
+              <a:buChar char="•"/>
+              <a:defRPr sz="1800" kern="1200">
+                <a:solidFill>
+                  <a:schemeClr val="tx1"/>
+                </a:solidFill>
+                <a:latin typeface="+mn-lt"/>
+                <a:ea typeface="+mn-ea"/>
+                <a:cs typeface="+mn-cs"/>
+              </a:defRPr>
+            </a:lvl7pPr>
+            <a:lvl8pPr marL="3429000" indent="-228600" algn="l" defTabSz="914400" rtl="0" eaLnBrk="1" latinLnBrk="0" hangingPunct="1">
+              <a:lnSpc>
+                <a:spcPct val="90000"/>
+              </a:lnSpc>
+              <a:spcBef>
+                <a:spcPts val="500"/>
+              </a:spcBef>
+              <a:buFont typeface="Arial" panose="020B0604020202020204" pitchFamily="34" charset="0"/>
+              <a:buChar char="•"/>
+              <a:defRPr sz="1800" kern="1200">
+                <a:solidFill>
+                  <a:schemeClr val="tx1"/>
+                </a:solidFill>
+                <a:latin typeface="+mn-lt"/>
+                <a:ea typeface="+mn-ea"/>
+                <a:cs typeface="+mn-cs"/>
+              </a:defRPr>
+            </a:lvl8pPr>
+            <a:lvl9pPr marL="3886200" indent="-228600" algn="l" defTabSz="914400" rtl="0" eaLnBrk="1" latinLnBrk="0" hangingPunct="1">
+              <a:lnSpc>
+                <a:spcPct val="90000"/>
+              </a:lnSpc>
+              <a:spcBef>
+                <a:spcPts val="500"/>
+              </a:spcBef>
+              <a:buFont typeface="Arial" panose="020B0604020202020204" pitchFamily="34" charset="0"/>
+              <a:buChar char="•"/>
+              <a:defRPr sz="1800" kern="1200">
+                <a:solidFill>
+                  <a:schemeClr val="tx1"/>
+                </a:solidFill>
+                <a:latin typeface="+mn-lt"/>
+                <a:ea typeface="+mn-ea"/>
+                <a:cs typeface="+mn-cs"/>
+              </a:defRPr>
+            </a:lvl9pPr>
+          </a:lstStyle>
+          <a:p>
+            <a:r>
+              <a:rPr lang="en-GB" sz="2400" b="1" dirty="0">
+                <a:solidFill>
+                  <a:schemeClr val="bg1"/>
+                </a:solidFill>
+                <a:latin typeface="Arial" panose="020B0604020202020204" pitchFamily="34" charset="0"/>
+                <a:cs typeface="Arial" panose="020B0604020202020204" pitchFamily="34" charset="0"/>
+              </a:rPr>
+              <a:t>Hydrofluorocarbons</a:t>
+            </a:r>
+            <a:endParaRPr lang="en-US" sz="2400" b="1" baseline="-25000" dirty="0">
+              <a:solidFill>
+                <a:schemeClr val="bg1"/>
+              </a:solidFill>
+            </a:endParaRPr>
+          </a:p>
+        </p:txBody>
+      </p:sp>
+      <p:pic>
+        <p:nvPicPr>
+          <p:cNvPr id="3" name="Picture 2" descr="Chart, pie chart&#10;&#10;Description automatically generated">
+            <a:extLst>
+              <a:ext uri="{FF2B5EF4-FFF2-40B4-BE49-F238E27FC236}">
+                <a16:creationId xmlns:a16="http://schemas.microsoft.com/office/drawing/2014/main" id="{9FC5E4F4-28DE-7AF7-9381-C9252B745AC0}"/>
+              </a:ext>
+            </a:extLst>
+          </p:cNvPr>
+          <p:cNvPicPr>
+            <a:picLocks noChangeAspect="1"/>
+          </p:cNvPicPr>
+          <p:nvPr/>
+        </p:nvPicPr>
+        <p:blipFill>
+          <a:blip r:embed="rId2">
+            <a:extLst>
+              <a:ext uri="{28A0092B-C50C-407E-A947-70E740481C1C}">
+                <a14:useLocalDpi xmlns:a14="http://schemas.microsoft.com/office/drawing/2010/main" val="0"/>
+              </a:ext>
+            </a:extLst>
+          </a:blip>
+          <a:stretch>
+            <a:fillRect/>
+          </a:stretch>
+        </p:blipFill>
+        <p:spPr>
+          <a:xfrm>
+            <a:off x="872074" y="2277002"/>
+            <a:ext cx="4963461" cy="4141027"/>
+          </a:xfrm>
+          <a:prstGeom prst="rect">
+            <a:avLst/>
+          </a:prstGeom>
+        </p:spPr>
+      </p:pic>
+      <p:pic>
+        <p:nvPicPr>
+          <p:cNvPr id="7" name="Picture 6" descr="Chart, pie chart&#10;&#10;Description automatically generated">
+            <a:extLst>
+              <a:ext uri="{FF2B5EF4-FFF2-40B4-BE49-F238E27FC236}">
+                <a16:creationId xmlns:a16="http://schemas.microsoft.com/office/drawing/2014/main" id="{D2329019-4B1C-0700-EE7A-3D177A7C1077}"/>
+              </a:ext>
+            </a:extLst>
+          </p:cNvPr>
+          <p:cNvPicPr>
+            <a:picLocks noChangeAspect="1"/>
+          </p:cNvPicPr>
+          <p:nvPr/>
+        </p:nvPicPr>
+        <p:blipFill>
+          <a:blip r:embed="rId3">
+            <a:extLst>
+              <a:ext uri="{28A0092B-C50C-407E-A947-70E740481C1C}">
+                <a14:useLocalDpi xmlns:a14="http://schemas.microsoft.com/office/drawing/2010/main" val="0"/>
+              </a:ext>
+            </a:extLst>
+          </a:blip>
+          <a:stretch>
+            <a:fillRect/>
+          </a:stretch>
+        </p:blipFill>
+        <p:spPr>
+          <a:xfrm>
+            <a:off x="5907467" y="2302004"/>
+            <a:ext cx="6284533" cy="4325326"/>
+          </a:xfrm>
+          <a:prstGeom prst="rect">
+            <a:avLst/>
+          </a:prstGeom>
+        </p:spPr>
+      </p:pic>
+    </p:spTree>
+    <p:extLst>
+      <p:ext uri="{BB962C8B-B14F-4D97-AF65-F5344CB8AC3E}">
+        <p14:creationId xmlns:p14="http://schemas.microsoft.com/office/powerpoint/2010/main" val="2312961950"/>
+      </p:ext>
+    </p:extLst>
+  </p:cSld>
+  <p:clrMapOvr>
+    <a:masterClrMapping/>
+  </p:clrMapOvr>
+</p:sld>
+</file>
+
+<file path=ppt/slides/slide16.xml><?xml version="1.0" encoding="utf-8"?>
+<p:sld xmlns:a="http://schemas.openxmlformats.org/drawingml/2006/main" xmlns:r="http://schemas.openxmlformats.org/officeDocument/2006/relationships" xmlns:p="http://schemas.openxmlformats.org/presentationml/2006/main">
+  <p:cSld>
+    <p:spTree>
+      <p:nvGrpSpPr>
+        <p:cNvPr id="1" name=""/>
+        <p:cNvGrpSpPr/>
+        <p:nvPr/>
+      </p:nvGrpSpPr>
+      <p:grpSpPr>
+        <a:xfrm>
+          <a:off x="0" y="0"/>
+          <a:ext cx="0" cy="0"/>
+          <a:chOff x="0" y="0"/>
+          <a:chExt cx="0" cy="0"/>
+        </a:xfrm>
+      </p:grpSpPr>
+      <p:sp>
+        <p:nvSpPr>
+          <p:cNvPr id="2" name="Title 1">
+            <a:extLst>
+              <a:ext uri="{FF2B5EF4-FFF2-40B4-BE49-F238E27FC236}">
+                <a16:creationId xmlns:a16="http://schemas.microsoft.com/office/drawing/2014/main" id="{8C122DF8-59D4-D94D-8ED9-F2F319899DBF}"/>
+              </a:ext>
+            </a:extLst>
+          </p:cNvPr>
+          <p:cNvSpPr>
+            <a:spLocks noGrp="1"/>
+          </p:cNvSpPr>
+          <p:nvPr>
+            <p:ph type="title"/>
+          </p:nvPr>
+        </p:nvSpPr>
+        <p:spPr>
+          <a:xfrm>
+            <a:off x="415383" y="216232"/>
+            <a:ext cx="4941477" cy="610863"/>
+          </a:xfrm>
+        </p:spPr>
+        <p:txBody>
+          <a:bodyPr/>
+          <a:lstStyle/>
+          <a:p>
+            <a:r>
+              <a:rPr lang="en-US" dirty="0"/>
+              <a:t>SUMMARY</a:t>
+            </a:r>
+          </a:p>
+        </p:txBody>
+      </p:sp>
+      <p:sp>
+        <p:nvSpPr>
+          <p:cNvPr id="45" name="Text Placeholder 44">
+            <a:extLst>
+              <a:ext uri="{FF2B5EF4-FFF2-40B4-BE49-F238E27FC236}">
+                <a16:creationId xmlns:a16="http://schemas.microsoft.com/office/drawing/2014/main" id="{803A1E73-C790-447A-974F-B3ADB50149F7}"/>
+              </a:ext>
+            </a:extLst>
+          </p:cNvPr>
+          <p:cNvSpPr>
+            <a:spLocks noGrp="1"/>
+          </p:cNvSpPr>
+          <p:nvPr>
+            <p:ph type="body" sz="quarter" idx="12"/>
+          </p:nvPr>
+        </p:nvSpPr>
+        <p:spPr>
+          <a:xfrm>
+            <a:off x="865935" y="1045439"/>
+            <a:ext cx="9355282" cy="370904"/>
+          </a:xfrm>
+        </p:spPr>
+        <p:txBody>
+          <a:bodyPr/>
+          <a:lstStyle/>
+          <a:p>
+            <a:r>
+              <a:rPr lang="en-US" dirty="0">
+                <a:solidFill>
+                  <a:schemeClr val="bg1"/>
+                </a:solidFill>
+              </a:rPr>
+              <a:t>WHO – MAJOR SECTORS RESPONSIBLE</a:t>
+            </a:r>
+          </a:p>
+        </p:txBody>
+      </p:sp>
+      <p:sp>
+        <p:nvSpPr>
+          <p:cNvPr id="44" name="Text Placeholder 43">
+            <a:extLst>
+              <a:ext uri="{FF2B5EF4-FFF2-40B4-BE49-F238E27FC236}">
+                <a16:creationId xmlns:a16="http://schemas.microsoft.com/office/drawing/2014/main" id="{906E4DF9-127F-4650-8BAA-2521A37885B0}"/>
+              </a:ext>
+            </a:extLst>
+          </p:cNvPr>
+          <p:cNvSpPr>
+            <a:spLocks noGrp="1"/>
+          </p:cNvSpPr>
+          <p:nvPr>
+            <p:ph type="body" sz="quarter" idx="10"/>
+          </p:nvPr>
+        </p:nvSpPr>
+        <p:spPr>
+          <a:xfrm>
+            <a:off x="949062" y="1545553"/>
+            <a:ext cx="9854045" cy="370904"/>
+          </a:xfrm>
+        </p:spPr>
+        <p:txBody>
+          <a:bodyPr/>
+          <a:lstStyle/>
+          <a:p>
+            <a:r>
+              <a:rPr lang="en-US" sz="2000" dirty="0">
+                <a:solidFill>
+                  <a:srgbClr val="FF0000"/>
+                </a:solidFill>
+              </a:rPr>
+              <a:t>Agriculture, </a:t>
+            </a:r>
+          </a:p>
+          <a:p>
+            <a:r>
+              <a:rPr lang="en-US" sz="2000" dirty="0">
+                <a:solidFill>
+                  <a:srgbClr val="FF0000"/>
+                </a:solidFill>
+              </a:rPr>
+              <a:t>Business, </a:t>
+            </a:r>
+          </a:p>
+          <a:p>
+            <a:r>
+              <a:rPr lang="en-US" sz="2000" dirty="0">
+                <a:solidFill>
+                  <a:srgbClr val="FF0000"/>
+                </a:solidFill>
+              </a:rPr>
+              <a:t>Transport, </a:t>
+            </a:r>
+          </a:p>
+          <a:p>
+            <a:r>
+              <a:rPr lang="en-US" sz="2000" dirty="0">
+                <a:solidFill>
+                  <a:srgbClr val="FF0000"/>
+                </a:solidFill>
+              </a:rPr>
+              <a:t>Energy</a:t>
+            </a:r>
+          </a:p>
+          <a:p>
+            <a:r>
+              <a:rPr lang="en-US" sz="2000" dirty="0">
+                <a:solidFill>
+                  <a:srgbClr val="FF0000"/>
+                </a:solidFill>
+              </a:rPr>
+              <a:t>Land-related activities </a:t>
+            </a:r>
+          </a:p>
+        </p:txBody>
+      </p:sp>
+      <p:sp>
+        <p:nvSpPr>
+          <p:cNvPr id="51" name="Text Placeholder 50">
+            <a:extLst>
+              <a:ext uri="{FF2B5EF4-FFF2-40B4-BE49-F238E27FC236}">
+                <a16:creationId xmlns:a16="http://schemas.microsoft.com/office/drawing/2014/main" id="{D582AC9C-B267-4C04-9E50-051DE433538C}"/>
+              </a:ext>
+            </a:extLst>
+          </p:cNvPr>
+          <p:cNvSpPr>
+            <a:spLocks noGrp="1"/>
+          </p:cNvSpPr>
+          <p:nvPr>
+            <p:ph type="body" sz="quarter" idx="18"/>
+          </p:nvPr>
+        </p:nvSpPr>
+        <p:spPr>
+          <a:xfrm>
+            <a:off x="949062" y="3732947"/>
+            <a:ext cx="4838700" cy="315915"/>
+          </a:xfrm>
+        </p:spPr>
+        <p:txBody>
+          <a:bodyPr/>
+          <a:lstStyle/>
+          <a:p>
+            <a:r>
+              <a:rPr lang="en-US" dirty="0">
+                <a:solidFill>
+                  <a:schemeClr val="bg1"/>
+                </a:solidFill>
+              </a:rPr>
+              <a:t>TREND</a:t>
+            </a:r>
+          </a:p>
+        </p:txBody>
+      </p:sp>
+      <p:sp>
+        <p:nvSpPr>
+          <p:cNvPr id="53" name="Text Placeholder 52">
+            <a:extLst>
+              <a:ext uri="{FF2B5EF4-FFF2-40B4-BE49-F238E27FC236}">
+                <a16:creationId xmlns:a16="http://schemas.microsoft.com/office/drawing/2014/main" id="{A1B673DD-4FEC-4191-8446-77B89805FF2B}"/>
+              </a:ext>
+            </a:extLst>
+          </p:cNvPr>
+          <p:cNvSpPr>
+            <a:spLocks noGrp="1"/>
+          </p:cNvSpPr>
+          <p:nvPr>
+            <p:ph type="body" sz="quarter" idx="20"/>
+          </p:nvPr>
+        </p:nvSpPr>
+        <p:spPr>
+          <a:xfrm>
+            <a:off x="5416448" y="3730487"/>
+            <a:ext cx="6506378" cy="2642592"/>
+          </a:xfrm>
+        </p:spPr>
+        <p:txBody>
+          <a:bodyPr/>
+          <a:lstStyle/>
+          <a:p>
+            <a:r>
+              <a:rPr lang="en-US" dirty="0">
+                <a:solidFill>
+                  <a:schemeClr val="bg1"/>
+                </a:solidFill>
+              </a:rPr>
+              <a:t>CONCLUSION</a:t>
+            </a:r>
+          </a:p>
+          <a:p>
+            <a:pPr marL="285750" indent="-285750">
+              <a:buFont typeface="Arial" panose="020B0604020202020204" pitchFamily="34" charset="0"/>
+              <a:buChar char="•"/>
+            </a:pPr>
+            <a:r>
+              <a:rPr lang="en-US" dirty="0">
+                <a:solidFill>
+                  <a:srgbClr val="00B050"/>
+                </a:solidFill>
+                <a:latin typeface="+mn-lt"/>
+              </a:rPr>
+              <a:t>There still exists an upward trend in the activities of the major contributing sectors</a:t>
+            </a:r>
+          </a:p>
+          <a:p>
+            <a:pPr marL="285750" indent="-285750">
+              <a:buFont typeface="Arial" panose="020B0604020202020204" pitchFamily="34" charset="0"/>
+              <a:buChar char="•"/>
+            </a:pPr>
+            <a:r>
+              <a:rPr lang="en-US" dirty="0">
+                <a:solidFill>
+                  <a:srgbClr val="00B050"/>
+                </a:solidFill>
+                <a:latin typeface="+mn-lt"/>
+              </a:rPr>
+              <a:t>The policy makers need to take stringent urgent measures that ensures current practices are rapidly transformed to  slow the release of the greenhouse gas emission</a:t>
+            </a:r>
+          </a:p>
+          <a:p>
+            <a:pPr marL="285750" indent="-285750">
+              <a:buFont typeface="Arial" panose="020B0604020202020204" pitchFamily="34" charset="0"/>
+              <a:buChar char="•"/>
+            </a:pPr>
+            <a:r>
+              <a:rPr lang="en-US" dirty="0">
+                <a:solidFill>
+                  <a:srgbClr val="00B050"/>
+                </a:solidFill>
+                <a:latin typeface="+mn-lt"/>
+              </a:rPr>
+              <a:t>Alternatively we should also look into modalities to capture and transform already released gases to limit its damages.</a:t>
+            </a:r>
+          </a:p>
+        </p:txBody>
+      </p:sp>
+      <p:sp>
+        <p:nvSpPr>
+          <p:cNvPr id="12" name="Text Placeholder 44">
+            <a:extLst>
+              <a:ext uri="{FF2B5EF4-FFF2-40B4-BE49-F238E27FC236}">
+                <a16:creationId xmlns:a16="http://schemas.microsoft.com/office/drawing/2014/main" id="{D997FB42-8F47-B53A-F9F7-5F4815C42C46}"/>
+              </a:ext>
+            </a:extLst>
+          </p:cNvPr>
+          <p:cNvSpPr txBox="1">
+            <a:spLocks/>
+          </p:cNvSpPr>
+          <p:nvPr/>
+        </p:nvSpPr>
+        <p:spPr>
+          <a:xfrm>
+            <a:off x="5409052" y="1057794"/>
+            <a:ext cx="4838700" cy="531868"/>
+          </a:xfrm>
+          <a:prstGeom prst="rect">
+            <a:avLst/>
+          </a:prstGeom>
+        </p:spPr>
+        <p:txBody>
+          <a:bodyPr vert="horz" lIns="91440" tIns="45720" rIns="91440" bIns="45720" rtlCol="0">
+            <a:noAutofit/>
+          </a:bodyPr>
+          <a:lstStyle>
+            <a:lvl1pPr marL="228600" indent="-228600" algn="l" defTabSz="914400" rtl="0" eaLnBrk="1" latinLnBrk="0" hangingPunct="1">
+              <a:lnSpc>
+                <a:spcPct val="90000"/>
+              </a:lnSpc>
+              <a:spcBef>
+                <a:spcPts val="1000"/>
+              </a:spcBef>
+              <a:buFont typeface="Arial" panose="020B0604020202020204" pitchFamily="34" charset="0"/>
+              <a:buNone/>
+              <a:defRPr sz="1800" b="0" i="0" kern="1200" spc="0" baseline="0">
+                <a:solidFill>
+                  <a:schemeClr val="tx2"/>
+                </a:solidFill>
+                <a:latin typeface="+mj-lt"/>
+                <a:ea typeface="+mn-ea"/>
+                <a:cs typeface="+mn-cs"/>
+              </a:defRPr>
+            </a:lvl1pPr>
+            <a:lvl2pPr marL="685800" indent="-228600" algn="l" defTabSz="914400" rtl="0" eaLnBrk="1" latinLnBrk="0" hangingPunct="1">
+              <a:lnSpc>
+                <a:spcPct val="90000"/>
+              </a:lnSpc>
+              <a:spcBef>
+                <a:spcPts val="500"/>
+              </a:spcBef>
+              <a:buFont typeface="Arial" panose="020B0604020202020204" pitchFamily="34" charset="0"/>
+              <a:buNone/>
+              <a:defRPr sz="2400" b="0" i="0" kern="1200">
+                <a:solidFill>
+                  <a:schemeClr val="bg1"/>
+                </a:solidFill>
+                <a:latin typeface="+mn-lt"/>
+                <a:ea typeface="+mn-ea"/>
+                <a:cs typeface="+mn-cs"/>
+              </a:defRPr>
+            </a:lvl2pPr>
+            <a:lvl3pPr marL="1143000" indent="-228600" algn="l" defTabSz="914400" rtl="0" eaLnBrk="1" latinLnBrk="0" hangingPunct="1">
+              <a:lnSpc>
+                <a:spcPct val="90000"/>
+              </a:lnSpc>
+              <a:spcBef>
+                <a:spcPts val="500"/>
+              </a:spcBef>
+              <a:buFont typeface="Arial" panose="020B0604020202020204" pitchFamily="34" charset="0"/>
+              <a:buNone/>
+              <a:defRPr sz="2000" b="0" i="0" kern="1200">
+                <a:solidFill>
+                  <a:schemeClr val="bg1"/>
+                </a:solidFill>
+                <a:latin typeface="+mn-lt"/>
+                <a:ea typeface="+mn-ea"/>
+                <a:cs typeface="+mn-cs"/>
+              </a:defRPr>
+            </a:lvl3pPr>
+            <a:lvl4pPr marL="1600200" indent="-228600" algn="l" defTabSz="914400" rtl="0" eaLnBrk="1" latinLnBrk="0" hangingPunct="1">
+              <a:lnSpc>
+                <a:spcPct val="90000"/>
+              </a:lnSpc>
+              <a:spcBef>
+                <a:spcPts val="500"/>
+              </a:spcBef>
+              <a:buFont typeface="Arial" panose="020B0604020202020204" pitchFamily="34" charset="0"/>
+              <a:buNone/>
+              <a:defRPr sz="1800" b="0" i="0" kern="1200">
+                <a:solidFill>
+                  <a:schemeClr val="bg1"/>
+                </a:solidFill>
+                <a:latin typeface="+mn-lt"/>
+                <a:ea typeface="+mn-ea"/>
+                <a:cs typeface="+mn-cs"/>
+              </a:defRPr>
+            </a:lvl4pPr>
+            <a:lvl5pPr marL="2057400" indent="-228600" algn="l" defTabSz="914400" rtl="0" eaLnBrk="1" latinLnBrk="0" hangingPunct="1">
+              <a:lnSpc>
+                <a:spcPct val="90000"/>
+              </a:lnSpc>
+              <a:spcBef>
+                <a:spcPts val="500"/>
+              </a:spcBef>
+              <a:buFont typeface="Arial" panose="020B0604020202020204" pitchFamily="34" charset="0"/>
+              <a:buNone/>
+              <a:defRPr sz="1800" b="0" i="0" kern="1200">
+                <a:solidFill>
+                  <a:schemeClr val="bg1"/>
+                </a:solidFill>
+                <a:latin typeface="+mn-lt"/>
+                <a:ea typeface="+mn-ea"/>
+                <a:cs typeface="+mn-cs"/>
+              </a:defRPr>
+            </a:lvl5pPr>
+            <a:lvl6pPr marL="2514600" indent="-228600" algn="l" defTabSz="914400" rtl="0" eaLnBrk="1" latinLnBrk="0" hangingPunct="1">
+              <a:lnSpc>
+                <a:spcPct val="90000"/>
+              </a:lnSpc>
+              <a:spcBef>
+                <a:spcPts val="500"/>
+              </a:spcBef>
+              <a:buFont typeface="Arial" panose="020B0604020202020204" pitchFamily="34" charset="0"/>
+              <a:buChar char="•"/>
+              <a:defRPr sz="1800" kern="1200">
+                <a:solidFill>
+                  <a:schemeClr val="tx1"/>
+                </a:solidFill>
+                <a:latin typeface="+mn-lt"/>
+                <a:ea typeface="+mn-ea"/>
+                <a:cs typeface="+mn-cs"/>
+              </a:defRPr>
+            </a:lvl6pPr>
+            <a:lvl7pPr marL="2971800" indent="-228600" algn="l" defTabSz="914400" rtl="0" eaLnBrk="1" latinLnBrk="0" hangingPunct="1">
+              <a:lnSpc>
+                <a:spcPct val="90000"/>
+              </a:lnSpc>
+              <a:spcBef>
+                <a:spcPts val="500"/>
+              </a:spcBef>
+              <a:buFont typeface="Arial" panose="020B0604020202020204" pitchFamily="34" charset="0"/>
+              <a:buChar char="•"/>
+              <a:defRPr sz="1800" kern="1200">
+                <a:solidFill>
+                  <a:schemeClr val="tx1"/>
+                </a:solidFill>
+                <a:latin typeface="+mn-lt"/>
+                <a:ea typeface="+mn-ea"/>
+                <a:cs typeface="+mn-cs"/>
+              </a:defRPr>
+            </a:lvl7pPr>
+            <a:lvl8pPr marL="3429000" indent="-228600" algn="l" defTabSz="914400" rtl="0" eaLnBrk="1" latinLnBrk="0" hangingPunct="1">
+              <a:lnSpc>
+                <a:spcPct val="90000"/>
+              </a:lnSpc>
+              <a:spcBef>
+                <a:spcPts val="500"/>
+              </a:spcBef>
+              <a:buFont typeface="Arial" panose="020B0604020202020204" pitchFamily="34" charset="0"/>
+              <a:buChar char="•"/>
+              <a:defRPr sz="1800" kern="1200">
+                <a:solidFill>
+                  <a:schemeClr val="tx1"/>
+                </a:solidFill>
+                <a:latin typeface="+mn-lt"/>
+                <a:ea typeface="+mn-ea"/>
+                <a:cs typeface="+mn-cs"/>
+              </a:defRPr>
+            </a:lvl8pPr>
+            <a:lvl9pPr marL="3886200" indent="-228600" algn="l" defTabSz="914400" rtl="0" eaLnBrk="1" latinLnBrk="0" hangingPunct="1">
+              <a:lnSpc>
+                <a:spcPct val="90000"/>
+              </a:lnSpc>
+              <a:spcBef>
+                <a:spcPts val="500"/>
+              </a:spcBef>
+              <a:buFont typeface="Arial" panose="020B0604020202020204" pitchFamily="34" charset="0"/>
+              <a:buChar char="•"/>
+              <a:defRPr sz="1800" kern="1200">
+                <a:solidFill>
+                  <a:schemeClr val="tx1"/>
+                </a:solidFill>
+                <a:latin typeface="+mn-lt"/>
+                <a:ea typeface="+mn-ea"/>
+                <a:cs typeface="+mn-cs"/>
+              </a:defRPr>
+            </a:lvl9pPr>
+          </a:lstStyle>
+          <a:p>
+            <a:r>
+              <a:rPr lang="en-US" dirty="0">
+                <a:solidFill>
+                  <a:schemeClr val="bg1"/>
+                </a:solidFill>
+              </a:rPr>
+              <a:t>TOP ACTIVITIES</a:t>
+            </a:r>
+          </a:p>
+        </p:txBody>
+      </p:sp>
+      <p:sp>
+        <p:nvSpPr>
+          <p:cNvPr id="13" name="Text Placeholder 43">
+            <a:extLst>
+              <a:ext uri="{FF2B5EF4-FFF2-40B4-BE49-F238E27FC236}">
+                <a16:creationId xmlns:a16="http://schemas.microsoft.com/office/drawing/2014/main" id="{65F714D7-D48E-C647-0E05-804C0C68C118}"/>
+              </a:ext>
+            </a:extLst>
+          </p:cNvPr>
+          <p:cNvSpPr txBox="1">
+            <a:spLocks/>
+          </p:cNvSpPr>
+          <p:nvPr/>
+        </p:nvSpPr>
+        <p:spPr>
+          <a:xfrm>
+            <a:off x="5416448" y="1449235"/>
+            <a:ext cx="6055369" cy="2101488"/>
+          </a:xfrm>
+          <a:prstGeom prst="rect">
+            <a:avLst/>
+          </a:prstGeom>
+        </p:spPr>
+        <p:txBody>
+          <a:bodyPr vert="horz" lIns="91440" tIns="45720" rIns="91440" bIns="45720" rtlCol="0">
+            <a:noAutofit/>
+          </a:bodyPr>
+          <a:lstStyle>
+            <a:lvl1pPr marL="0" indent="0" algn="l" defTabSz="914400" rtl="0" eaLnBrk="1" latinLnBrk="0" hangingPunct="1">
+              <a:lnSpc>
+                <a:spcPct val="90000"/>
+              </a:lnSpc>
+              <a:spcBef>
+                <a:spcPts val="1000"/>
+              </a:spcBef>
+              <a:buFont typeface="Arial" panose="020B0604020202020204" pitchFamily="34" charset="0"/>
+              <a:buNone/>
+              <a:defRPr sz="1600" b="0" i="0" kern="1200">
+                <a:solidFill>
+                  <a:schemeClr val="bg1"/>
+                </a:solidFill>
+                <a:latin typeface="+mn-lt"/>
+                <a:ea typeface="+mn-ea"/>
+                <a:cs typeface="+mn-cs"/>
+              </a:defRPr>
+            </a:lvl1pPr>
+            <a:lvl2pPr marL="685800" indent="-228600" algn="l" defTabSz="914400" rtl="0" eaLnBrk="1" latinLnBrk="0" hangingPunct="1">
+              <a:lnSpc>
+                <a:spcPct val="90000"/>
+              </a:lnSpc>
+              <a:spcBef>
+                <a:spcPts val="500"/>
+              </a:spcBef>
+              <a:buFont typeface="Arial" panose="020B0604020202020204" pitchFamily="34" charset="0"/>
+              <a:buChar char="•"/>
+              <a:defRPr sz="2400" b="0" i="0" kern="1200">
+                <a:solidFill>
+                  <a:schemeClr val="bg1"/>
+                </a:solidFill>
+                <a:latin typeface="+mn-lt"/>
+                <a:ea typeface="+mn-ea"/>
+                <a:cs typeface="+mn-cs"/>
+              </a:defRPr>
+            </a:lvl2pPr>
+            <a:lvl3pPr marL="1143000" indent="-228600" algn="l" defTabSz="914400" rtl="0" eaLnBrk="1" latinLnBrk="0" hangingPunct="1">
+              <a:lnSpc>
+                <a:spcPct val="90000"/>
+              </a:lnSpc>
+              <a:spcBef>
+                <a:spcPts val="500"/>
+              </a:spcBef>
+              <a:buFont typeface="Arial" panose="020B0604020202020204" pitchFamily="34" charset="0"/>
+              <a:buChar char="•"/>
+              <a:defRPr sz="2000" b="0" i="0" kern="1200">
+                <a:solidFill>
+                  <a:schemeClr val="bg1"/>
+                </a:solidFill>
+                <a:latin typeface="+mn-lt"/>
+                <a:ea typeface="+mn-ea"/>
+                <a:cs typeface="+mn-cs"/>
+              </a:defRPr>
+            </a:lvl3pPr>
+            <a:lvl4pPr marL="1600200" indent="-228600" algn="l" defTabSz="914400" rtl="0" eaLnBrk="1" latinLnBrk="0" hangingPunct="1">
+              <a:lnSpc>
+                <a:spcPct val="90000"/>
+              </a:lnSpc>
+              <a:spcBef>
+                <a:spcPts val="500"/>
+              </a:spcBef>
+              <a:buFont typeface="Arial" panose="020B0604020202020204" pitchFamily="34" charset="0"/>
+              <a:buChar char="•"/>
+              <a:defRPr sz="1800" b="0" i="0" kern="1200">
+                <a:solidFill>
+                  <a:schemeClr val="bg1"/>
+                </a:solidFill>
+                <a:latin typeface="+mn-lt"/>
+                <a:ea typeface="+mn-ea"/>
+                <a:cs typeface="+mn-cs"/>
+              </a:defRPr>
+            </a:lvl4pPr>
+            <a:lvl5pPr marL="2057400" indent="-228600" algn="l" defTabSz="914400" rtl="0" eaLnBrk="1" latinLnBrk="0" hangingPunct="1">
+              <a:lnSpc>
+                <a:spcPct val="90000"/>
+              </a:lnSpc>
+              <a:spcBef>
+                <a:spcPts val="500"/>
+              </a:spcBef>
+              <a:buFont typeface="Arial" panose="020B0604020202020204" pitchFamily="34" charset="0"/>
+              <a:buChar char="•"/>
+              <a:defRPr sz="1800" b="0" i="0" kern="1200">
+                <a:solidFill>
+                  <a:schemeClr val="bg1"/>
+                </a:solidFill>
+                <a:latin typeface="+mn-lt"/>
+                <a:ea typeface="+mn-ea"/>
+                <a:cs typeface="+mn-cs"/>
+              </a:defRPr>
+            </a:lvl5pPr>
+            <a:lvl6pPr marL="2514600" indent="-228600" algn="l" defTabSz="914400" rtl="0" eaLnBrk="1" latinLnBrk="0" hangingPunct="1">
+              <a:lnSpc>
+                <a:spcPct val="90000"/>
+              </a:lnSpc>
+              <a:spcBef>
+                <a:spcPts val="500"/>
+              </a:spcBef>
+              <a:buFont typeface="Arial" panose="020B0604020202020204" pitchFamily="34" charset="0"/>
+              <a:buChar char="•"/>
+              <a:defRPr sz="1800" kern="1200">
+                <a:solidFill>
+                  <a:schemeClr val="tx1"/>
+                </a:solidFill>
+                <a:latin typeface="+mn-lt"/>
+                <a:ea typeface="+mn-ea"/>
+                <a:cs typeface="+mn-cs"/>
+              </a:defRPr>
+            </a:lvl6pPr>
+            <a:lvl7pPr marL="2971800" indent="-228600" algn="l" defTabSz="914400" rtl="0" eaLnBrk="1" latinLnBrk="0" hangingPunct="1">
+              <a:lnSpc>
+                <a:spcPct val="90000"/>
+              </a:lnSpc>
+              <a:spcBef>
+                <a:spcPts val="500"/>
+              </a:spcBef>
+              <a:buFont typeface="Arial" panose="020B0604020202020204" pitchFamily="34" charset="0"/>
+              <a:buChar char="•"/>
+              <a:defRPr sz="1800" kern="1200">
+                <a:solidFill>
+                  <a:schemeClr val="tx1"/>
+                </a:solidFill>
+                <a:latin typeface="+mn-lt"/>
+                <a:ea typeface="+mn-ea"/>
+                <a:cs typeface="+mn-cs"/>
+              </a:defRPr>
+            </a:lvl7pPr>
+            <a:lvl8pPr marL="3429000" indent="-228600" algn="l" defTabSz="914400" rtl="0" eaLnBrk="1" latinLnBrk="0" hangingPunct="1">
+              <a:lnSpc>
+                <a:spcPct val="90000"/>
+              </a:lnSpc>
+              <a:spcBef>
+                <a:spcPts val="500"/>
+              </a:spcBef>
+              <a:buFont typeface="Arial" panose="020B0604020202020204" pitchFamily="34" charset="0"/>
+              <a:buChar char="•"/>
+              <a:defRPr sz="1800" kern="1200">
+                <a:solidFill>
+                  <a:schemeClr val="tx1"/>
+                </a:solidFill>
+                <a:latin typeface="+mn-lt"/>
+                <a:ea typeface="+mn-ea"/>
+                <a:cs typeface="+mn-cs"/>
+              </a:defRPr>
+            </a:lvl8pPr>
+            <a:lvl9pPr marL="3886200" indent="-228600" algn="l" defTabSz="914400" rtl="0" eaLnBrk="1" latinLnBrk="0" hangingPunct="1">
+              <a:lnSpc>
+                <a:spcPct val="90000"/>
+              </a:lnSpc>
+              <a:spcBef>
+                <a:spcPts val="500"/>
+              </a:spcBef>
+              <a:buFont typeface="Arial" panose="020B0604020202020204" pitchFamily="34" charset="0"/>
+              <a:buChar char="•"/>
+              <a:defRPr sz="1800" kern="1200">
+                <a:solidFill>
+                  <a:schemeClr val="tx1"/>
+                </a:solidFill>
+                <a:latin typeface="+mn-lt"/>
+                <a:ea typeface="+mn-ea"/>
+                <a:cs typeface="+mn-cs"/>
+              </a:defRPr>
+            </a:lvl9pPr>
+          </a:lstStyle>
+          <a:p>
+            <a:pPr marL="177750" indent="-285750">
+              <a:lnSpc>
+                <a:spcPts val="2160"/>
+              </a:lnSpc>
+              <a:spcBef>
+                <a:spcPts val="0"/>
+              </a:spcBef>
+              <a:buFont typeface="Arial" panose="020B0604020202020204" pitchFamily="34" charset="0"/>
+              <a:buChar char="•"/>
+            </a:pPr>
+            <a:r>
+              <a:rPr lang="en-GB" sz="1800" dirty="0">
+                <a:solidFill>
+                  <a:srgbClr val="FF0000"/>
+                </a:solidFill>
+              </a:rPr>
+              <a:t>Refrigeration and air conditioning, </a:t>
+            </a:r>
+          </a:p>
+          <a:p>
+            <a:pPr marL="177750" indent="-285750">
+              <a:lnSpc>
+                <a:spcPts val="2160"/>
+              </a:lnSpc>
+              <a:spcBef>
+                <a:spcPts val="0"/>
+              </a:spcBef>
+              <a:buFont typeface="Arial" panose="020B0604020202020204" pitchFamily="34" charset="0"/>
+              <a:buChar char="•"/>
+            </a:pPr>
+            <a:r>
+              <a:rPr lang="en-GB" sz="1800" dirty="0">
+                <a:solidFill>
+                  <a:srgbClr val="FF0000"/>
+                </a:solidFill>
+              </a:rPr>
+              <a:t>Soil emission (direct and indirect), </a:t>
+            </a:r>
+          </a:p>
+          <a:p>
+            <a:pPr marL="177750" indent="-285750">
+              <a:lnSpc>
+                <a:spcPts val="2160"/>
+              </a:lnSpc>
+              <a:spcBef>
+                <a:spcPts val="0"/>
+              </a:spcBef>
+              <a:buFont typeface="Arial" panose="020B0604020202020204" pitchFamily="34" charset="0"/>
+              <a:buChar char="•"/>
+            </a:pPr>
+            <a:r>
+              <a:rPr lang="en-GB" sz="1800" dirty="0">
+                <a:solidFill>
+                  <a:srgbClr val="FF0000"/>
+                </a:solidFill>
+              </a:rPr>
+              <a:t>Industrial combustion and electricity, </a:t>
+            </a:r>
+          </a:p>
+          <a:p>
+            <a:pPr marL="177750" indent="-285750">
+              <a:lnSpc>
+                <a:spcPts val="2160"/>
+              </a:lnSpc>
+              <a:spcBef>
+                <a:spcPts val="0"/>
+              </a:spcBef>
+              <a:buFont typeface="Arial" panose="020B0604020202020204" pitchFamily="34" charset="0"/>
+              <a:buChar char="•"/>
+            </a:pPr>
+            <a:r>
+              <a:rPr lang="en-GB" sz="1800" dirty="0">
+                <a:solidFill>
+                  <a:srgbClr val="FF0000"/>
+                </a:solidFill>
+              </a:rPr>
+              <a:t>Cattle &amp; Pig wastes, </a:t>
+            </a:r>
+          </a:p>
+          <a:p>
+            <a:pPr marL="177750" indent="-285750">
+              <a:lnSpc>
+                <a:spcPts val="2160"/>
+              </a:lnSpc>
+              <a:spcBef>
+                <a:spcPts val="0"/>
+              </a:spcBef>
+              <a:buFont typeface="Arial" panose="020B0604020202020204" pitchFamily="34" charset="0"/>
+              <a:buChar char="•"/>
+            </a:pPr>
+            <a:r>
+              <a:rPr lang="en-GB" sz="1800" dirty="0">
+                <a:solidFill>
+                  <a:srgbClr val="FF0000"/>
+                </a:solidFill>
+              </a:rPr>
+              <a:t>Power stations, </a:t>
+            </a:r>
+          </a:p>
+          <a:p>
+            <a:pPr marL="177750" indent="-285750">
+              <a:lnSpc>
+                <a:spcPts val="2160"/>
+              </a:lnSpc>
+              <a:spcBef>
+                <a:spcPts val="0"/>
+              </a:spcBef>
+              <a:buFont typeface="Arial" panose="020B0604020202020204" pitchFamily="34" charset="0"/>
+              <a:buChar char="•"/>
+            </a:pPr>
+            <a:r>
+              <a:rPr lang="en-GB" sz="1800" dirty="0">
+                <a:solidFill>
+                  <a:srgbClr val="FF0000"/>
+                </a:solidFill>
+              </a:rPr>
+              <a:t>Residential combustion, </a:t>
+            </a:r>
+          </a:p>
+          <a:p>
+            <a:pPr marL="177750" indent="-285750">
+              <a:lnSpc>
+                <a:spcPts val="2160"/>
+              </a:lnSpc>
+              <a:spcBef>
+                <a:spcPts val="0"/>
+              </a:spcBef>
+              <a:buFont typeface="Arial" panose="020B0604020202020204" pitchFamily="34" charset="0"/>
+              <a:buChar char="•"/>
+            </a:pPr>
+            <a:r>
+              <a:rPr lang="en-GB" sz="1800" dirty="0">
+                <a:solidFill>
+                  <a:srgbClr val="FF0000"/>
+                </a:solidFill>
+              </a:rPr>
+              <a:t>Manufacture of solid fuels and other energy industries.</a:t>
+            </a:r>
+          </a:p>
+        </p:txBody>
+      </p:sp>
+      <p:pic>
+        <p:nvPicPr>
+          <p:cNvPr id="22" name="Picture 21" descr="Icon&#10;&#10;Description automatically generated">
+            <a:extLst>
+              <a:ext uri="{FF2B5EF4-FFF2-40B4-BE49-F238E27FC236}">
+                <a16:creationId xmlns:a16="http://schemas.microsoft.com/office/drawing/2014/main" id="{D256E5C7-F4BC-A9E6-BBC5-C95CFB8348F4}"/>
+              </a:ext>
+            </a:extLst>
+          </p:cNvPr>
+          <p:cNvPicPr>
+            <a:picLocks noChangeAspect="1"/>
+          </p:cNvPicPr>
+          <p:nvPr/>
+        </p:nvPicPr>
+        <p:blipFill>
+          <a:blip r:embed="rId2">
+            <a:extLst>
+              <a:ext uri="{28A0092B-C50C-407E-A947-70E740481C1C}">
+                <a14:useLocalDpi xmlns:a14="http://schemas.microsoft.com/office/drawing/2010/main" val="0"/>
+              </a:ext>
+            </a:extLst>
+          </a:blip>
+          <a:stretch>
+            <a:fillRect/>
+          </a:stretch>
+        </p:blipFill>
+        <p:spPr>
+          <a:xfrm>
+            <a:off x="1947488" y="4231086"/>
+            <a:ext cx="1877265" cy="1702266"/>
+          </a:xfrm>
+          <a:prstGeom prst="rect">
+            <a:avLst/>
+          </a:prstGeom>
+        </p:spPr>
+      </p:pic>
+    </p:spTree>
+    <p:extLst>
+      <p:ext uri="{BB962C8B-B14F-4D97-AF65-F5344CB8AC3E}">
+        <p14:creationId xmlns:p14="http://schemas.microsoft.com/office/powerpoint/2010/main" val="643842168"/>
+      </p:ext>
+    </p:extLst>
+  </p:cSld>
+  <p:clrMapOvr>
+    <a:masterClrMapping/>
+  </p:clrMapOvr>
+</p:sld>
+</file>
+
+<file path=ppt/slides/slide17.xml><?xml version="1.0" encoding="utf-8"?>
+<p:sld xmlns:a="http://schemas.openxmlformats.org/drawingml/2006/main" xmlns:r="http://schemas.openxmlformats.org/officeDocument/2006/relationships" xmlns:p="http://schemas.openxmlformats.org/presentationml/2006/main">
+  <p:cSld>
+    <p:spTree>
+      <p:nvGrpSpPr>
+        <p:cNvPr id="1" name=""/>
+        <p:cNvGrpSpPr/>
+        <p:nvPr/>
+      </p:nvGrpSpPr>
+      <p:grpSpPr>
+        <a:xfrm>
+          <a:off x="0" y="0"/>
+          <a:ext cx="0" cy="0"/>
+          <a:chOff x="0" y="0"/>
+          <a:chExt cx="0" cy="0"/>
+        </a:xfrm>
+      </p:grpSpPr>
+      <p:sp>
+        <p:nvSpPr>
           <p:cNvPr id="2" name="Title 1">
             <a:extLst>
               <a:ext uri="{FF2B5EF4-FFF2-40B4-BE49-F238E27FC236}">
@@ -15056,43 +16899,6 @@
           </a:p>
         </p:txBody>
       </p:sp>
-      <p:sp>
-        <p:nvSpPr>
-          <p:cNvPr id="11" name="Subtitle 10">
-            <a:extLst>
-              <a:ext uri="{FF2B5EF4-FFF2-40B4-BE49-F238E27FC236}">
-                <a16:creationId xmlns:a16="http://schemas.microsoft.com/office/drawing/2014/main" id="{F0F25866-5DB1-334A-8037-692579FBDE39}"/>
-              </a:ext>
-            </a:extLst>
-          </p:cNvPr>
-          <p:cNvSpPr>
-            <a:spLocks noGrp="1"/>
-          </p:cNvSpPr>
-          <p:nvPr>
-            <p:ph type="subTitle" idx="1"/>
-          </p:nvPr>
-        </p:nvSpPr>
-        <p:spPr/>
-        <p:txBody>
-          <a:bodyPr/>
-          <a:lstStyle/>
-          <a:p>
-            <a:r>
-              <a:rPr lang="en-US" dirty="0"/>
-              <a:t>Thanks to your commitment and strong work ethic, we know next year will be even better than the last. </a:t>
-            </a:r>
-          </a:p>
-          <a:p>
-            <a:r>
-              <a:rPr lang="en-US" dirty="0"/>
-              <a:t>We look forward to working together. </a:t>
-            </a:r>
-          </a:p>
-          <a:p>
-            <a:endParaRPr lang="en-US" dirty="0"/>
-          </a:p>
-        </p:txBody>
-      </p:sp>
       <p:pic>
         <p:nvPicPr>
           <p:cNvPr id="13" name="Picture Placeholder 12" descr="Portrait of a team member">
@@ -15143,16 +16949,21 @@
             <p:ph type="body" sz="quarter" idx="11"/>
           </p:nvPr>
         </p:nvSpPr>
-        <p:spPr/>
+        <p:spPr>
+          <a:xfrm>
+            <a:off x="6907623" y="3688899"/>
+            <a:ext cx="1143495" cy="588795"/>
+          </a:xfrm>
+        </p:spPr>
         <p:txBody>
           <a:bodyPr/>
           <a:lstStyle/>
           <a:p>
             <a:r>
-              <a:rPr lang="en-US" b="1" dirty="0"/>
+              <a:rPr lang="en-US" sz="2000" b="1" dirty="0"/>
               <a:t>Group 4</a:t>
             </a:r>
-            <a:endParaRPr lang="en-US" dirty="0"/>
+            <a:endParaRPr lang="en-US" sz="2000" dirty="0"/>
           </a:p>
         </p:txBody>
       </p:sp>
@@ -15246,7 +17057,11 @@
           <a:lstStyle/>
           <a:p>
             <a:r>
-              <a:rPr lang="en-US" dirty="0"/>
+              <a:rPr lang="en-US" dirty="0">
+                <a:solidFill>
+                  <a:schemeClr val="bg1"/>
+                </a:solidFill>
+              </a:rPr>
               <a:t>01. Introduction</a:t>
             </a:r>
           </a:p>
@@ -15270,7 +17085,7 @@
         </p:nvSpPr>
         <p:spPr>
           <a:xfrm>
-            <a:off x="952500" y="2818296"/>
+            <a:off x="952500" y="2650204"/>
             <a:ext cx="2133600" cy="778796"/>
           </a:xfrm>
         </p:spPr>
@@ -15312,7 +17127,11 @@
           <a:lstStyle/>
           <a:p>
             <a:r>
-              <a:rPr lang="en-US" dirty="0"/>
+              <a:rPr lang="en-US" dirty="0">
+                <a:solidFill>
+                  <a:schemeClr val="bg1"/>
+                </a:solidFill>
+              </a:rPr>
               <a:t>2. Who?</a:t>
             </a:r>
           </a:p>
@@ -15336,17 +17155,31 @@
         </p:nvSpPr>
         <p:spPr>
           <a:xfrm>
-            <a:off x="3663042" y="2818295"/>
-            <a:ext cx="2128157" cy="943807"/>
+            <a:off x="3663042" y="2679128"/>
+            <a:ext cx="3139540" cy="755695"/>
           </a:xfrm>
         </p:spPr>
         <p:txBody>
           <a:bodyPr/>
           <a:lstStyle/>
           <a:p>
+            <a:pPr marL="285750" indent="-285750">
+              <a:buFont typeface="Arial" panose="020B0604020202020204" pitchFamily="34" charset="0"/>
+              <a:buChar char="•"/>
+            </a:pPr>
             <a:r>
               <a:rPr lang="en-US" dirty="0"/>
-              <a:t>Which Sector produces the most emissions? And which End User is responsible for most emissions?</a:t>
+              <a:t>Which Sector produces the most emissions? </a:t>
+            </a:r>
+          </a:p>
+          <a:p>
+            <a:pPr marL="285750" indent="-285750">
+              <a:buFont typeface="Arial" panose="020B0604020202020204" pitchFamily="34" charset="0"/>
+              <a:buChar char="•"/>
+            </a:pPr>
+            <a:r>
+              <a:rPr lang="en-US" dirty="0"/>
+              <a:t>Which End User is responsible for most emissions?</a:t>
             </a:r>
           </a:p>
         </p:txBody>
@@ -15378,7 +17211,11 @@
           <a:lstStyle/>
           <a:p>
             <a:r>
-              <a:rPr lang="en-US" dirty="0"/>
+              <a:rPr lang="en-US" dirty="0">
+                <a:solidFill>
+                  <a:schemeClr val="bg1"/>
+                </a:solidFill>
+              </a:rPr>
               <a:t>03. What?</a:t>
             </a:r>
           </a:p>
@@ -15412,7 +17249,7 @@
           <a:p>
             <a:r>
               <a:rPr lang="en-US" dirty="0"/>
-              <a:t>Which Fuel is being used to emit the most emissions?</a:t>
+              <a:t>Which fuel used contributes to the most emissions?</a:t>
             </a:r>
           </a:p>
         </p:txBody>
@@ -15444,8 +17281,12 @@
           <a:lstStyle/>
           <a:p>
             <a:r>
-              <a:rPr lang="en-US" dirty="0"/>
-              <a:t>04. When?</a:t>
+              <a:rPr lang="en-US" dirty="0">
+                <a:solidFill>
+                  <a:schemeClr val="bg1"/>
+                </a:solidFill>
+              </a:rPr>
+              <a:t>04. How?</a:t>
             </a:r>
           </a:p>
         </p:txBody>
@@ -15469,7 +17310,7 @@
         <p:spPr>
           <a:xfrm>
             <a:off x="3663042" y="5131299"/>
-            <a:ext cx="2128157" cy="847638"/>
+            <a:ext cx="2345872" cy="847638"/>
           </a:xfrm>
         </p:spPr>
         <p:txBody>
@@ -15478,8 +17319,11 @@
           <a:p>
             <a:r>
               <a:rPr lang="en-US" dirty="0"/>
-              <a:t>How much has what we’re producing changed over time?</a:t>
-            </a:r>
+              <a:t>How much of our activities has changed over the course of time ?</a:t>
+            </a:r>
+          </a:p>
+          <a:p>
+            <a:endParaRPr lang="en-US" dirty="0"/>
           </a:p>
         </p:txBody>
       </p:sp>
@@ -15510,7 +17354,11 @@
           <a:lstStyle/>
           <a:p>
             <a:r>
-              <a:rPr lang="en-US" dirty="0"/>
+              <a:rPr lang="en-US" dirty="0">
+                <a:solidFill>
+                  <a:schemeClr val="bg1"/>
+                </a:solidFill>
+              </a:rPr>
               <a:t>05. Closing</a:t>
             </a:r>
           </a:p>
@@ -15581,39 +17429,6 @@
               <a:t>2</a:t>
             </a:fld>
             <a:endParaRPr lang="en-US" dirty="0"/>
-          </a:p>
-        </p:txBody>
-      </p:sp>
-      <p:sp>
-        <p:nvSpPr>
-          <p:cNvPr id="14" name="Footer Placeholder 13">
-            <a:extLst>
-              <a:ext uri="{FF2B5EF4-FFF2-40B4-BE49-F238E27FC236}">
-                <a16:creationId xmlns:a16="http://schemas.microsoft.com/office/drawing/2014/main" id="{C0BAE34D-BF83-084B-A10C-EB85694B9ACF}"/>
-              </a:ext>
-            </a:extLst>
-          </p:cNvPr>
-          <p:cNvSpPr>
-            <a:spLocks noGrp="1"/>
-          </p:cNvSpPr>
-          <p:nvPr>
-            <p:ph type="ftr" sz="quarter" idx="26"/>
-          </p:nvPr>
-        </p:nvSpPr>
-        <p:spPr>
-          <a:xfrm>
-            <a:off x="1494790" y="6332220"/>
-            <a:ext cx="1497330" cy="247651"/>
-          </a:xfrm>
-        </p:spPr>
-        <p:txBody>
-          <a:bodyPr/>
-          <a:lstStyle/>
-          <a:p>
-            <a:r>
-              <a:rPr lang="en-US" dirty="0"/>
-              <a:t>Project One</a:t>
-            </a:r>
           </a:p>
         </p:txBody>
       </p:sp>
@@ -15691,22 +17506,30 @@
             <p:ph type="body" sz="quarter" idx="11"/>
           </p:nvPr>
         </p:nvSpPr>
-        <p:spPr/>
+        <p:spPr>
+          <a:xfrm>
+            <a:off x="83127" y="2303813"/>
+            <a:ext cx="6012873" cy="2780782"/>
+          </a:xfrm>
+        </p:spPr>
         <p:txBody>
           <a:bodyPr/>
           <a:lstStyle/>
           <a:p>
-            <a:r>
-              <a:rPr lang="en-US" dirty="0"/>
-              <a:t>Blah blah </a:t>
-            </a:r>
-            <a:r>
-              <a:rPr lang="en-US" dirty="0" err="1"/>
-              <a:t>blahh</a:t>
-            </a:r>
-            <a:endParaRPr lang="en-US" dirty="0"/>
-          </a:p>
-          <a:p>
+            <a:pPr marL="285750" indent="-285750">
+              <a:buFont typeface="Arial" panose="020B0604020202020204" pitchFamily="34" charset="0"/>
+              <a:buChar char="•"/>
+            </a:pPr>
+            <a:r>
+              <a:rPr lang="en-GB" b="0" i="0" u="none" strike="noStrike" dirty="0">
+                <a:solidFill>
+                  <a:srgbClr val="1B1B1B"/>
+                </a:solidFill>
+                <a:effectLst/>
+                <a:latin typeface="Source Sans Pro Web"/>
+              </a:rPr>
+              <a:t>Greenhouse gases (GHGs) warm the Earth by absorbing energy and slowing the rate at which the energy dissipates to space; thus insulating the Earth</a:t>
+            </a:r>
             <a:endParaRPr lang="en-US" dirty="0"/>
           </a:p>
         </p:txBody>
@@ -15743,39 +17566,6 @@
               <a:t>3</a:t>
             </a:fld>
             <a:endParaRPr lang="en-US" dirty="0"/>
-          </a:p>
-        </p:txBody>
-      </p:sp>
-      <p:sp>
-        <p:nvSpPr>
-          <p:cNvPr id="6" name="Footer Placeholder 5">
-            <a:extLst>
-              <a:ext uri="{FF2B5EF4-FFF2-40B4-BE49-F238E27FC236}">
-                <a16:creationId xmlns:a16="http://schemas.microsoft.com/office/drawing/2014/main" id="{66F3960A-D260-8445-A153-0B674474CEBD}"/>
-              </a:ext>
-            </a:extLst>
-          </p:cNvPr>
-          <p:cNvSpPr>
-            <a:spLocks noGrp="1"/>
-          </p:cNvSpPr>
-          <p:nvPr>
-            <p:ph type="ftr" sz="quarter" idx="15"/>
-          </p:nvPr>
-        </p:nvSpPr>
-        <p:spPr>
-          <a:xfrm>
-            <a:off x="1494790" y="6332220"/>
-            <a:ext cx="1497330" cy="247651"/>
-          </a:xfrm>
-        </p:spPr>
-        <p:txBody>
-          <a:bodyPr/>
-          <a:lstStyle/>
-          <a:p>
-            <a:r>
-              <a:rPr lang="en-US" dirty="0"/>
-              <a:t>Project One</a:t>
-            </a:r>
           </a:p>
         </p:txBody>
       </p:sp>
@@ -16950,8 +18740,8 @@
         </p:blipFill>
         <p:spPr>
           <a:xfrm>
-            <a:off x="98131" y="2410692"/>
-            <a:ext cx="6384228" cy="4131394"/>
+            <a:off x="130718" y="2410692"/>
+            <a:ext cx="6496633" cy="4204134"/>
           </a:xfrm>
           <a:prstGeom prst="rect">
             <a:avLst/>
@@ -17800,6 +19590,214 @@
           </a:prstGeom>
         </p:spPr>
       </p:pic>
+      <p:sp>
+        <p:nvSpPr>
+          <p:cNvPr id="3" name="TextBox 2">
+            <a:extLst>
+              <a:ext uri="{FF2B5EF4-FFF2-40B4-BE49-F238E27FC236}">
+                <a16:creationId xmlns:a16="http://schemas.microsoft.com/office/drawing/2014/main" id="{6C50107B-927B-0E4A-BE4C-AC17B0D5B4A8}"/>
+              </a:ext>
+            </a:extLst>
+          </p:cNvPr>
+          <p:cNvSpPr txBox="1"/>
+          <p:nvPr/>
+        </p:nvSpPr>
+        <p:spPr>
+          <a:xfrm>
+            <a:off x="9524118" y="5465101"/>
+            <a:ext cx="1835759" cy="369332"/>
+          </a:xfrm>
+          <a:prstGeom prst="rect">
+            <a:avLst/>
+          </a:prstGeom>
+          <a:noFill/>
+        </p:spPr>
+        <p:txBody>
+          <a:bodyPr wrap="none" rtlCol="0">
+            <a:spAutoFit/>
+          </a:bodyPr>
+          <a:lstStyle/>
+          <a:p>
+            <a:r>
+              <a:rPr lang="en-US" dirty="0">
+                <a:solidFill>
+                  <a:schemeClr val="bg1"/>
+                </a:solidFill>
+              </a:rPr>
+              <a:t>Biomass Burning</a:t>
+            </a:r>
+          </a:p>
+        </p:txBody>
+      </p:sp>
+      <p:sp>
+        <p:nvSpPr>
+          <p:cNvPr id="6" name="TextBox 5">
+            <a:extLst>
+              <a:ext uri="{FF2B5EF4-FFF2-40B4-BE49-F238E27FC236}">
+                <a16:creationId xmlns:a16="http://schemas.microsoft.com/office/drawing/2014/main" id="{D2785AB1-CBB5-A6BC-F0FB-F6D7888F1892}"/>
+              </a:ext>
+            </a:extLst>
+          </p:cNvPr>
+          <p:cNvSpPr txBox="1"/>
+          <p:nvPr/>
+        </p:nvSpPr>
+        <p:spPr>
+          <a:xfrm>
+            <a:off x="9231458" y="2460819"/>
+            <a:ext cx="2738869" cy="1384995"/>
+          </a:xfrm>
+          <a:prstGeom prst="rect">
+            <a:avLst/>
+          </a:prstGeom>
+          <a:noFill/>
+        </p:spPr>
+        <p:txBody>
+          <a:bodyPr wrap="square">
+            <a:spAutoFit/>
+          </a:bodyPr>
+          <a:lstStyle/>
+          <a:p>
+            <a:r>
+              <a:rPr lang="en-GB" sz="1200" i="0" u="none" strike="noStrike" dirty="0">
+                <a:solidFill>
+                  <a:srgbClr val="202124"/>
+                </a:solidFill>
+                <a:effectLst/>
+                <a:latin typeface="arial" panose="020B0604020202020204" pitchFamily="34" charset="0"/>
+              </a:rPr>
+              <a:t>Drainage of organic soils releases CO</a:t>
+            </a:r>
+            <a:r>
+              <a:rPr lang="en-GB" sz="1200" i="0" u="none" strike="noStrike" baseline="-25000" dirty="0">
+                <a:solidFill>
+                  <a:srgbClr val="202124"/>
+                </a:solidFill>
+                <a:effectLst/>
+                <a:latin typeface="arial" panose="020B0604020202020204" pitchFamily="34" charset="0"/>
+              </a:rPr>
+              <a:t>2</a:t>
+            </a:r>
+            <a:r>
+              <a:rPr lang="en-GB" sz="1200" i="0" u="none" strike="noStrike" dirty="0">
+                <a:solidFill>
+                  <a:srgbClr val="202124"/>
+                </a:solidFill>
+                <a:effectLst/>
+                <a:latin typeface="arial" panose="020B0604020202020204" pitchFamily="34" charset="0"/>
+              </a:rPr>
+              <a:t> and NO</a:t>
+            </a:r>
+            <a:r>
+              <a:rPr lang="en-GB" sz="1200" i="0" u="none" strike="noStrike" baseline="-25000" dirty="0">
+                <a:solidFill>
+                  <a:srgbClr val="202124"/>
+                </a:solidFill>
+                <a:effectLst/>
+                <a:latin typeface="arial" panose="020B0604020202020204" pitchFamily="34" charset="0"/>
+              </a:rPr>
+              <a:t>2</a:t>
+            </a:r>
+            <a:r>
+              <a:rPr lang="en-GB" sz="1200" i="0" u="none" strike="noStrike" dirty="0">
+                <a:solidFill>
+                  <a:srgbClr val="202124"/>
+                </a:solidFill>
+                <a:effectLst/>
+                <a:latin typeface="arial" panose="020B0604020202020204" pitchFamily="34" charset="0"/>
+              </a:rPr>
+              <a:t> into the atmosphere</a:t>
+            </a:r>
+          </a:p>
+          <a:p>
+            <a:endParaRPr lang="en-GB" sz="1200" dirty="0">
+              <a:solidFill>
+                <a:srgbClr val="202124"/>
+              </a:solidFill>
+              <a:latin typeface="arial" panose="020B0604020202020204" pitchFamily="34" charset="0"/>
+            </a:endParaRPr>
+          </a:p>
+          <a:p>
+            <a:r>
+              <a:rPr lang="en-GB" sz="1200" i="0" u="none" strike="noStrike" dirty="0">
+                <a:solidFill>
+                  <a:srgbClr val="202124"/>
+                </a:solidFill>
+                <a:effectLst/>
+                <a:latin typeface="arial" panose="020B0604020202020204" pitchFamily="34" charset="0"/>
+              </a:rPr>
+              <a:t>Farming (Cropland)</a:t>
+            </a:r>
+          </a:p>
+          <a:p>
+            <a:endParaRPr lang="en-GB" sz="1200" b="0" i="0" u="none" strike="noStrike" dirty="0">
+              <a:solidFill>
+                <a:srgbClr val="4D4C44"/>
+              </a:solidFill>
+              <a:effectLst/>
+              <a:latin typeface="Hind" panose="020B0604020202020204" pitchFamily="34" charset="0"/>
+            </a:endParaRPr>
+          </a:p>
+          <a:p>
+            <a:r>
+              <a:rPr lang="en-GB" sz="1200" dirty="0">
+                <a:solidFill>
+                  <a:srgbClr val="4D4C44"/>
+                </a:solidFill>
+                <a:latin typeface="Hind" panose="020B0604020202020204" pitchFamily="34" charset="0"/>
+              </a:rPr>
+              <a:t>W</a:t>
+            </a:r>
+            <a:r>
+              <a:rPr lang="en-GB" sz="1200" b="0" i="0" u="none" strike="noStrike" dirty="0">
+                <a:solidFill>
+                  <a:srgbClr val="4D4C44"/>
+                </a:solidFill>
+                <a:effectLst/>
+                <a:latin typeface="Hind" panose="020B0604020202020204" pitchFamily="34" charset="0"/>
+              </a:rPr>
+              <a:t>etland - </a:t>
+            </a:r>
+            <a:r>
+              <a:rPr lang="en-GB" sz="1200" dirty="0">
+                <a:solidFill>
+                  <a:srgbClr val="4D4C44"/>
+                </a:solidFill>
+                <a:latin typeface="Hind" panose="020B0604020202020204" pitchFamily="34" charset="0"/>
+              </a:rPr>
+              <a:t>P</a:t>
+            </a:r>
+            <a:r>
+              <a:rPr lang="en-GB" sz="1200" b="0" i="0" u="none" strike="noStrike" dirty="0">
+                <a:solidFill>
+                  <a:srgbClr val="4D4C44"/>
+                </a:solidFill>
+                <a:effectLst/>
+                <a:latin typeface="Hind" panose="020B0604020202020204" pitchFamily="34" charset="0"/>
+              </a:rPr>
+              <a:t>lants growing </a:t>
+            </a:r>
+            <a:r>
+              <a:rPr lang="en-GB" sz="1200" dirty="0">
+                <a:solidFill>
+                  <a:srgbClr val="4D4C44"/>
+                </a:solidFill>
+                <a:latin typeface="Hind" panose="020B0604020202020204" pitchFamily="34" charset="0"/>
+              </a:rPr>
+              <a:t>in wetlands </a:t>
+            </a:r>
+            <a:r>
+              <a:rPr lang="en-GB" sz="1200" b="0" i="0" u="none" strike="noStrike" dirty="0">
+                <a:solidFill>
+                  <a:srgbClr val="4D4C44"/>
+                </a:solidFill>
+                <a:effectLst/>
+                <a:latin typeface="Hind" panose="020B0604020202020204" pitchFamily="34" charset="0"/>
+              </a:rPr>
+              <a:t>emit methane to the atmosphere. </a:t>
+            </a:r>
+          </a:p>
+        </p:txBody>
+      </p:sp>
     </p:spTree>
     <p:extLst>
       <p:ext uri="{BB962C8B-B14F-4D97-AF65-F5344CB8AC3E}">
@@ -18871,15 +20869,6 @@
 </file>
 
 <file path=customXml/item2.xml><?xml version="1.0" encoding="utf-8"?>
-<?mso-contentType ?>
-<FormTemplates xmlns="http://schemas.microsoft.com/sharepoint/v3/contenttype/forms">
-  <Display>DocumentLibraryForm</Display>
-  <Edit>DocumentLibraryForm</Edit>
-  <New>DocumentLibraryForm</New>
-</FormTemplates>
-</file>
-
-<file path=customXml/item3.xml><?xml version="1.0" encoding="utf-8"?>
 <ct:contentTypeSchema xmlns:ct="http://schemas.microsoft.com/office/2006/metadata/contentType" xmlns:ma="http://schemas.microsoft.com/office/2006/metadata/properties/metaAttributes" ct:_="" ma:_="" ma:contentTypeName="Document" ma:contentTypeID="0x01010079F111ED35F8CC479449609E8A0923A6" ma:contentTypeVersion="12" ma:contentTypeDescription="Create a new document." ma:contentTypeScope="" ma:versionID="426e97fa315356fffbdcd9876fe988c2">
   <xsd:schema xmlns:xsd="http://www.w3.org/2001/XMLSchema" xmlns:xs="http://www.w3.org/2001/XMLSchema" xmlns:p="http://schemas.microsoft.com/office/2006/metadata/properties" xmlns:ns2="71af3243-3dd4-4a8d-8c0d-dd76da1f02a5" xmlns:ns3="16c05727-aa75-4e4a-9b5f-8a80a1165891" targetNamespace="http://schemas.microsoft.com/office/2006/metadata/properties" ma:root="true" ma:fieldsID="14b8f0def80e6d70ce3def20c90759ae" ns2:_="" ns3:_="">
     <xsd:import namespace="71af3243-3dd4-4a8d-8c0d-dd76da1f02a5"/>
@@ -19100,6 +21089,15 @@
 </ct:contentTypeSchema>
 </file>
 
+<file path=customXml/item3.xml><?xml version="1.0" encoding="utf-8"?>
+<?mso-contentType ?>
+<FormTemplates xmlns="http://schemas.microsoft.com/sharepoint/v3/contenttype/forms">
+  <Display>DocumentLibraryForm</Display>
+  <Edit>DocumentLibraryForm</Edit>
+  <New>DocumentLibraryForm</New>
+</FormTemplates>
+</file>
+
 <file path=customXml/itemProps1.xml><?xml version="1.0" encoding="utf-8"?>
 <ds:datastoreItem xmlns:ds="http://schemas.openxmlformats.org/officeDocument/2006/customXml" ds:itemID="{09EC1AB0-9704-404D-B6D3-819D938AC55B}">
   <ds:schemaRefs>
@@ -19111,14 +21109,6 @@
 </file>
 
 <file path=customXml/itemProps2.xml><?xml version="1.0" encoding="utf-8"?>
-<ds:datastoreItem xmlns:ds="http://schemas.openxmlformats.org/officeDocument/2006/customXml" ds:itemID="{1D20B6E4-879E-4E6C-BDE7-261540CD3765}">
-  <ds:schemaRefs>
-    <ds:schemaRef ds:uri="http://schemas.microsoft.com/sharepoint/v3/contenttype/forms"/>
-  </ds:schemaRefs>
-</ds:datastoreItem>
-</file>
-
-<file path=customXml/itemProps3.xml><?xml version="1.0" encoding="utf-8"?>
 <ds:datastoreItem xmlns:ds="http://schemas.openxmlformats.org/officeDocument/2006/customXml" ds:itemID="{94F21D10-BD83-491A-AAA6-945C2DB1EB01}">
   <ds:schemaRefs>
     <ds:schemaRef ds:uri="http://schemas.microsoft.com/office/2006/metadata/contentType"/>
@@ -19135,4 +21125,12 @@
     <ds:schemaRef ds:uri="http://schemas.microsoft.com/internal/obd"/>
   </ds:schemaRefs>
 </ds:datastoreItem>
+</file>
+
+<file path=customXml/itemProps3.xml><?xml version="1.0" encoding="utf-8"?>
+<ds:datastoreItem xmlns:ds="http://schemas.openxmlformats.org/officeDocument/2006/customXml" ds:itemID="{1D20B6E4-879E-4E6C-BDE7-261540CD3765}">
+  <ds:schemaRefs>
+    <ds:schemaRef ds:uri="http://schemas.microsoft.com/sharepoint/v3/contenttype/forms"/>
+  </ds:schemaRefs>
+</ds:datastoreItem>
 </file>
--- a/Project 1 FBRowther.pptx
+++ b/Project 1 FBRowther.pptx
@@ -372,7 +372,7 @@
           <a:p>
             <a:fld id="{6EE7A52F-9D89-7442-A8E9-48D1527B5F6B}" type="datetimeFigureOut">
               <a:rPr lang="en-US" smtClean="0"/>
-              <a:t>10/17/22</a:t>
+              <a:t>10/18/22</a:t>
             </a:fld>
             <a:endParaRPr lang="en-US" dirty="0"/>
           </a:p>
@@ -683,6 +683,840 @@
           <a:bodyPr/>
           <a:lstStyle/>
           <a:p>
+            <a:r>
+              <a:rPr lang="en-US" dirty="0"/>
+              <a:t>In order to identify whether there has been any changes to the activities of the top contributors I have grouped the entire dataset based on industry and looked at the trend in their activities for the whole duration of the dataset. Here you could see there has been a continual upwards trend contributing consistently to the greenhouse gases emission</a:t>
+            </a:r>
+          </a:p>
+        </p:txBody>
+      </p:sp>
+      <p:sp>
+        <p:nvSpPr>
+          <p:cNvPr id="4" name="Slide Number Placeholder 3"/>
+          <p:cNvSpPr>
+            <a:spLocks noGrp="1"/>
+          </p:cNvSpPr>
+          <p:nvPr>
+            <p:ph type="sldNum" sz="quarter" idx="5"/>
+          </p:nvPr>
+        </p:nvSpPr>
+        <p:spPr/>
+        <p:txBody>
+          <a:bodyPr/>
+          <a:lstStyle/>
+          <a:p>
+            <a:fld id="{A89C7E07-3C67-C64C-8DA0-0404F6303970}" type="slidenum">
+              <a:rPr lang="en-US" smtClean="0"/>
+              <a:t>9</a:t>
+            </a:fld>
+            <a:endParaRPr lang="en-US" dirty="0"/>
+          </a:p>
+        </p:txBody>
+      </p:sp>
+    </p:spTree>
+    <p:extLst>
+      <p:ext uri="{BB962C8B-B14F-4D97-AF65-F5344CB8AC3E}">
+        <p14:creationId xmlns:p14="http://schemas.microsoft.com/office/powerpoint/2010/main" val="3031574095"/>
+      </p:ext>
+    </p:extLst>
+  </p:cSld>
+  <p:clrMapOvr>
+    <a:masterClrMapping/>
+  </p:clrMapOvr>
+</p:notes>
+</file>
+
+<file path=ppt/notesSlides/notesSlide2.xml><?xml version="1.0" encoding="utf-8"?>
+<p:notes xmlns:a="http://schemas.openxmlformats.org/drawingml/2006/main" xmlns:r="http://schemas.openxmlformats.org/officeDocument/2006/relationships" xmlns:p="http://schemas.openxmlformats.org/presentationml/2006/main">
+  <p:cSld>
+    <p:spTree>
+      <p:nvGrpSpPr>
+        <p:cNvPr id="1" name=""/>
+        <p:cNvGrpSpPr/>
+        <p:nvPr/>
+      </p:nvGrpSpPr>
+      <p:grpSpPr>
+        <a:xfrm>
+          <a:off x="0" y="0"/>
+          <a:ext cx="0" cy="0"/>
+          <a:chOff x="0" y="0"/>
+          <a:chExt cx="0" cy="0"/>
+        </a:xfrm>
+      </p:grpSpPr>
+      <p:sp>
+        <p:nvSpPr>
+          <p:cNvPr id="2" name="Slide Image Placeholder 1"/>
+          <p:cNvSpPr>
+            <a:spLocks noGrp="1" noRot="1" noChangeAspect="1"/>
+          </p:cNvSpPr>
+          <p:nvPr>
+            <p:ph type="sldImg"/>
+          </p:nvPr>
+        </p:nvSpPr>
+        <p:spPr/>
+      </p:sp>
+      <p:sp>
+        <p:nvSpPr>
+          <p:cNvPr id="3" name="Notes Placeholder 2"/>
+          <p:cNvSpPr>
+            <a:spLocks noGrp="1"/>
+          </p:cNvSpPr>
+          <p:nvPr>
+            <p:ph type="body" idx="1"/>
+          </p:nvPr>
+        </p:nvSpPr>
+        <p:spPr/>
+        <p:txBody>
+          <a:bodyPr/>
+          <a:lstStyle/>
+          <a:p>
+            <a:pPr marL="0" marR="0" lvl="0" indent="0" algn="l" defTabSz="914400" rtl="0" eaLnBrk="1" fontAlgn="auto" latinLnBrk="0" hangingPunct="1">
+              <a:lnSpc>
+                <a:spcPct val="100000"/>
+              </a:lnSpc>
+              <a:spcBef>
+                <a:spcPts val="0"/>
+              </a:spcBef>
+              <a:spcAft>
+                <a:spcPts val="0"/>
+              </a:spcAft>
+              <a:buClrTx/>
+              <a:buSzTx/>
+              <a:buFontTx/>
+              <a:buNone/>
+              <a:tabLst/>
+              <a:defRPr/>
+            </a:pPr>
+            <a:r>
+              <a:rPr lang="en-US" dirty="0"/>
+              <a:t>This trend continued on for the transport sector too. However, in case of the energy sector there has been slow but definite downward trend. With UK governments plan to phase out of </a:t>
+            </a:r>
+            <a:r>
+              <a:rPr lang="en-GB" b="0" i="0" u="none" strike="noStrike" dirty="0">
+                <a:solidFill>
+                  <a:srgbClr val="141414"/>
+                </a:solidFill>
+                <a:effectLst/>
+                <a:latin typeface="ReithSerif"/>
+              </a:rPr>
+              <a:t>UK's coal plants within nest few years should see further decrease in this sector with regards to emissions.</a:t>
+            </a:r>
+          </a:p>
+          <a:p>
+            <a:pPr marL="0" marR="0" lvl="0" indent="0" algn="l" defTabSz="914400" rtl="0" eaLnBrk="1" fontAlgn="auto" latinLnBrk="0" hangingPunct="1">
+              <a:lnSpc>
+                <a:spcPct val="100000"/>
+              </a:lnSpc>
+              <a:spcBef>
+                <a:spcPts val="0"/>
+              </a:spcBef>
+              <a:spcAft>
+                <a:spcPts val="0"/>
+              </a:spcAft>
+              <a:buClrTx/>
+              <a:buSzTx/>
+              <a:buFontTx/>
+              <a:buNone/>
+              <a:tabLst/>
+              <a:defRPr/>
+            </a:pPr>
+            <a:endParaRPr lang="en-US" dirty="0"/>
+          </a:p>
+          <a:p>
+            <a:pPr marL="0" marR="0" lvl="0" indent="0" algn="l" defTabSz="914400" rtl="0" eaLnBrk="1" fontAlgn="auto" latinLnBrk="0" hangingPunct="1">
+              <a:lnSpc>
+                <a:spcPct val="100000"/>
+              </a:lnSpc>
+              <a:spcBef>
+                <a:spcPts val="0"/>
+              </a:spcBef>
+              <a:spcAft>
+                <a:spcPts val="0"/>
+              </a:spcAft>
+              <a:buClrTx/>
+              <a:buSzTx/>
+              <a:buFontTx/>
+              <a:buNone/>
+              <a:tabLst/>
+              <a:defRPr/>
+            </a:pPr>
+            <a:endParaRPr lang="en-US" dirty="0"/>
+          </a:p>
+          <a:p>
+            <a:pPr marL="0" marR="0" lvl="0" indent="0" algn="l" defTabSz="914400" rtl="0" eaLnBrk="1" fontAlgn="auto" latinLnBrk="0" hangingPunct="1">
+              <a:lnSpc>
+                <a:spcPct val="100000"/>
+              </a:lnSpc>
+              <a:spcBef>
+                <a:spcPts val="0"/>
+              </a:spcBef>
+              <a:spcAft>
+                <a:spcPts val="0"/>
+              </a:spcAft>
+              <a:buClrTx/>
+              <a:buSzTx/>
+              <a:buFontTx/>
+              <a:buNone/>
+              <a:tabLst/>
+              <a:defRPr/>
+            </a:pPr>
+            <a:endParaRPr lang="en-US" dirty="0"/>
+          </a:p>
+          <a:p>
+            <a:pPr marL="0" marR="0" lvl="0" indent="0" algn="l" defTabSz="914400" rtl="0" eaLnBrk="1" fontAlgn="auto" latinLnBrk="0" hangingPunct="1">
+              <a:lnSpc>
+                <a:spcPct val="100000"/>
+              </a:lnSpc>
+              <a:spcBef>
+                <a:spcPts val="0"/>
+              </a:spcBef>
+              <a:spcAft>
+                <a:spcPts val="0"/>
+              </a:spcAft>
+              <a:buClrTx/>
+              <a:buSzTx/>
+              <a:buFontTx/>
+              <a:buNone/>
+              <a:tabLst/>
+              <a:defRPr/>
+            </a:pPr>
+            <a:r>
+              <a:rPr lang="en-US" dirty="0"/>
+              <a:t>consistently to the greenhouse gases emission</a:t>
+            </a:r>
+          </a:p>
+          <a:p>
+            <a:endParaRPr lang="en-US" dirty="0"/>
+          </a:p>
+        </p:txBody>
+      </p:sp>
+      <p:sp>
+        <p:nvSpPr>
+          <p:cNvPr id="4" name="Slide Number Placeholder 3"/>
+          <p:cNvSpPr>
+            <a:spLocks noGrp="1"/>
+          </p:cNvSpPr>
+          <p:nvPr>
+            <p:ph type="sldNum" sz="quarter" idx="5"/>
+          </p:nvPr>
+        </p:nvSpPr>
+        <p:spPr/>
+        <p:txBody>
+          <a:bodyPr/>
+          <a:lstStyle/>
+          <a:p>
+            <a:fld id="{A89C7E07-3C67-C64C-8DA0-0404F6303970}" type="slidenum">
+              <a:rPr lang="en-US" smtClean="0"/>
+              <a:t>10</a:t>
+            </a:fld>
+            <a:endParaRPr lang="en-US" dirty="0"/>
+          </a:p>
+        </p:txBody>
+      </p:sp>
+    </p:spTree>
+    <p:extLst>
+      <p:ext uri="{BB962C8B-B14F-4D97-AF65-F5344CB8AC3E}">
+        <p14:creationId xmlns:p14="http://schemas.microsoft.com/office/powerpoint/2010/main" val="110829665"/>
+      </p:ext>
+    </p:extLst>
+  </p:cSld>
+  <p:clrMapOvr>
+    <a:masterClrMapping/>
+  </p:clrMapOvr>
+</p:notes>
+</file>
+
+<file path=ppt/notesSlides/notesSlide3.xml><?xml version="1.0" encoding="utf-8"?>
+<p:notes xmlns:a="http://schemas.openxmlformats.org/drawingml/2006/main" xmlns:r="http://schemas.openxmlformats.org/officeDocument/2006/relationships" xmlns:p="http://schemas.openxmlformats.org/presentationml/2006/main">
+  <p:cSld>
+    <p:spTree>
+      <p:nvGrpSpPr>
+        <p:cNvPr id="1" name=""/>
+        <p:cNvGrpSpPr/>
+        <p:nvPr/>
+      </p:nvGrpSpPr>
+      <p:grpSpPr>
+        <a:xfrm>
+          <a:off x="0" y="0"/>
+          <a:ext cx="0" cy="0"/>
+          <a:chOff x="0" y="0"/>
+          <a:chExt cx="0" cy="0"/>
+        </a:xfrm>
+      </p:grpSpPr>
+      <p:sp>
+        <p:nvSpPr>
+          <p:cNvPr id="2" name="Slide Image Placeholder 1"/>
+          <p:cNvSpPr>
+            <a:spLocks noGrp="1" noRot="1" noChangeAspect="1"/>
+          </p:cNvSpPr>
+          <p:nvPr>
+            <p:ph type="sldImg"/>
+          </p:nvPr>
+        </p:nvSpPr>
+        <p:spPr/>
+      </p:sp>
+      <p:sp>
+        <p:nvSpPr>
+          <p:cNvPr id="3" name="Notes Placeholder 2"/>
+          <p:cNvSpPr>
+            <a:spLocks noGrp="1"/>
+          </p:cNvSpPr>
+          <p:nvPr>
+            <p:ph type="body" idx="1"/>
+          </p:nvPr>
+        </p:nvSpPr>
+        <p:spPr/>
+        <p:txBody>
+          <a:bodyPr/>
+          <a:lstStyle/>
+          <a:p>
+            <a:r>
+              <a:rPr lang="en-US" dirty="0"/>
+              <a:t>In order to summarize what we have presented so far, in this fig we looked  trend we can see with regards to contributor across the board irrespective of the sectors. Here we can see it is industrial combustion, agricultural soil management, refrigeration and air conditioning activities that contributes to more than 80% of the emission.</a:t>
+            </a:r>
+          </a:p>
+        </p:txBody>
+      </p:sp>
+      <p:sp>
+        <p:nvSpPr>
+          <p:cNvPr id="4" name="Slide Number Placeholder 3"/>
+          <p:cNvSpPr>
+            <a:spLocks noGrp="1"/>
+          </p:cNvSpPr>
+          <p:nvPr>
+            <p:ph type="sldNum" sz="quarter" idx="5"/>
+          </p:nvPr>
+        </p:nvSpPr>
+        <p:spPr/>
+        <p:txBody>
+          <a:bodyPr/>
+          <a:lstStyle/>
+          <a:p>
+            <a:fld id="{A89C7E07-3C67-C64C-8DA0-0404F6303970}" type="slidenum">
+              <a:rPr lang="en-US" smtClean="0"/>
+              <a:t>11</a:t>
+            </a:fld>
+            <a:endParaRPr lang="en-US" dirty="0"/>
+          </a:p>
+        </p:txBody>
+      </p:sp>
+    </p:spTree>
+    <p:extLst>
+      <p:ext uri="{BB962C8B-B14F-4D97-AF65-F5344CB8AC3E}">
+        <p14:creationId xmlns:p14="http://schemas.microsoft.com/office/powerpoint/2010/main" val="2997291777"/>
+      </p:ext>
+    </p:extLst>
+  </p:cSld>
+  <p:clrMapOvr>
+    <a:masterClrMapping/>
+  </p:clrMapOvr>
+</p:notes>
+</file>
+
+<file path=ppt/notesSlides/notesSlide4.xml><?xml version="1.0" encoding="utf-8"?>
+<p:notes xmlns:a="http://schemas.openxmlformats.org/drawingml/2006/main" xmlns:r="http://schemas.openxmlformats.org/officeDocument/2006/relationships" xmlns:p="http://schemas.openxmlformats.org/presentationml/2006/main">
+  <p:cSld>
+    <p:spTree>
+      <p:nvGrpSpPr>
+        <p:cNvPr id="1" name=""/>
+        <p:cNvGrpSpPr/>
+        <p:nvPr/>
+      </p:nvGrpSpPr>
+      <p:grpSpPr>
+        <a:xfrm>
+          <a:off x="0" y="0"/>
+          <a:ext cx="0" cy="0"/>
+          <a:chOff x="0" y="0"/>
+          <a:chExt cx="0" cy="0"/>
+        </a:xfrm>
+      </p:grpSpPr>
+      <p:sp>
+        <p:nvSpPr>
+          <p:cNvPr id="2" name="Slide Image Placeholder 1"/>
+          <p:cNvSpPr>
+            <a:spLocks noGrp="1" noRot="1" noChangeAspect="1"/>
+          </p:cNvSpPr>
+          <p:nvPr>
+            <p:ph type="sldImg"/>
+          </p:nvPr>
+        </p:nvSpPr>
+        <p:spPr/>
+      </p:sp>
+      <p:sp>
+        <p:nvSpPr>
+          <p:cNvPr id="3" name="Notes Placeholder 2"/>
+          <p:cNvSpPr>
+            <a:spLocks noGrp="1"/>
+          </p:cNvSpPr>
+          <p:nvPr>
+            <p:ph type="body" idx="1"/>
+          </p:nvPr>
+        </p:nvSpPr>
+        <p:spPr/>
+        <p:txBody>
+          <a:bodyPr/>
+          <a:lstStyle/>
+          <a:p>
+            <a:r>
+              <a:rPr lang="en-US" dirty="0"/>
+              <a:t>from the point of view of sources and end-users, we saw a similar trend in the data for fuel type and greenhouse gas emission. Burning of the actual fuel contributed to 1/3 of the emission while the remaining 2/3 of the emission was contributed by four categories as seen in the previous slide – industries, industrial combustion, agricultural soil management, refrigeration and air conditioning activities that contributes to more than 80% of the emission.</a:t>
+            </a:r>
+          </a:p>
+        </p:txBody>
+      </p:sp>
+      <p:sp>
+        <p:nvSpPr>
+          <p:cNvPr id="4" name="Slide Number Placeholder 3"/>
+          <p:cNvSpPr>
+            <a:spLocks noGrp="1"/>
+          </p:cNvSpPr>
+          <p:nvPr>
+            <p:ph type="sldNum" sz="quarter" idx="5"/>
+          </p:nvPr>
+        </p:nvSpPr>
+        <p:spPr/>
+        <p:txBody>
+          <a:bodyPr/>
+          <a:lstStyle/>
+          <a:p>
+            <a:fld id="{A89C7E07-3C67-C64C-8DA0-0404F6303970}" type="slidenum">
+              <a:rPr lang="en-US" smtClean="0"/>
+              <a:t>12</a:t>
+            </a:fld>
+            <a:endParaRPr lang="en-US" dirty="0"/>
+          </a:p>
+        </p:txBody>
+      </p:sp>
+    </p:spTree>
+    <p:extLst>
+      <p:ext uri="{BB962C8B-B14F-4D97-AF65-F5344CB8AC3E}">
+        <p14:creationId xmlns:p14="http://schemas.microsoft.com/office/powerpoint/2010/main" val="3554643842"/>
+      </p:ext>
+    </p:extLst>
+  </p:cSld>
+  <p:clrMapOvr>
+    <a:masterClrMapping/>
+  </p:clrMapOvr>
+</p:notes>
+</file>
+
+<file path=ppt/notesSlides/notesSlide5.xml><?xml version="1.0" encoding="utf-8"?>
+<p:notes xmlns:a="http://schemas.openxmlformats.org/drawingml/2006/main" xmlns:r="http://schemas.openxmlformats.org/officeDocument/2006/relationships" xmlns:p="http://schemas.openxmlformats.org/presentationml/2006/main">
+  <p:cSld>
+    <p:spTree>
+      <p:nvGrpSpPr>
+        <p:cNvPr id="1" name=""/>
+        <p:cNvGrpSpPr/>
+        <p:nvPr/>
+      </p:nvGrpSpPr>
+      <p:grpSpPr>
+        <a:xfrm>
+          <a:off x="0" y="0"/>
+          <a:ext cx="0" cy="0"/>
+          <a:chOff x="0" y="0"/>
+          <a:chExt cx="0" cy="0"/>
+        </a:xfrm>
+      </p:grpSpPr>
+      <p:sp>
+        <p:nvSpPr>
+          <p:cNvPr id="2" name="Slide Image Placeholder 1"/>
+          <p:cNvSpPr>
+            <a:spLocks noGrp="1" noRot="1" noChangeAspect="1"/>
+          </p:cNvSpPr>
+          <p:nvPr>
+            <p:ph type="sldImg"/>
+          </p:nvPr>
+        </p:nvSpPr>
+        <p:spPr/>
+      </p:sp>
+      <p:sp>
+        <p:nvSpPr>
+          <p:cNvPr id="3" name="Notes Placeholder 2"/>
+          <p:cNvSpPr>
+            <a:spLocks noGrp="1"/>
+          </p:cNvSpPr>
+          <p:nvPr>
+            <p:ph type="body" idx="1"/>
+          </p:nvPr>
+        </p:nvSpPr>
+        <p:spPr/>
+        <p:txBody>
+          <a:bodyPr/>
+          <a:lstStyle/>
+          <a:p>
+            <a:r>
+              <a:rPr lang="en-US" dirty="0"/>
+              <a:t>Greenhouse gases in our dataset agreed with and showed a similar composition of gases to the total emission as noted before in published US environmental protection agencies data. This included CO2 being on the top, followed by Methane, Nitrous oxide and Hydrofluorocarbons.</a:t>
+            </a:r>
+          </a:p>
+        </p:txBody>
+      </p:sp>
+      <p:sp>
+        <p:nvSpPr>
+          <p:cNvPr id="4" name="Slide Number Placeholder 3"/>
+          <p:cNvSpPr>
+            <a:spLocks noGrp="1"/>
+          </p:cNvSpPr>
+          <p:nvPr>
+            <p:ph type="sldNum" sz="quarter" idx="5"/>
+          </p:nvPr>
+        </p:nvSpPr>
+        <p:spPr/>
+        <p:txBody>
+          <a:bodyPr/>
+          <a:lstStyle/>
+          <a:p>
+            <a:fld id="{A89C7E07-3C67-C64C-8DA0-0404F6303970}" type="slidenum">
+              <a:rPr lang="en-US" smtClean="0"/>
+              <a:t>13</a:t>
+            </a:fld>
+            <a:endParaRPr lang="en-US" dirty="0"/>
+          </a:p>
+        </p:txBody>
+      </p:sp>
+    </p:spTree>
+    <p:extLst>
+      <p:ext uri="{BB962C8B-B14F-4D97-AF65-F5344CB8AC3E}">
+        <p14:creationId xmlns:p14="http://schemas.microsoft.com/office/powerpoint/2010/main" val="1289686004"/>
+      </p:ext>
+    </p:extLst>
+  </p:cSld>
+  <p:clrMapOvr>
+    <a:masterClrMapping/>
+  </p:clrMapOvr>
+</p:notes>
+</file>
+
+<file path=ppt/notesSlides/notesSlide6.xml><?xml version="1.0" encoding="utf-8"?>
+<p:notes xmlns:a="http://schemas.openxmlformats.org/drawingml/2006/main" xmlns:r="http://schemas.openxmlformats.org/officeDocument/2006/relationships" xmlns:p="http://schemas.openxmlformats.org/presentationml/2006/main">
+  <p:cSld>
+    <p:spTree>
+      <p:nvGrpSpPr>
+        <p:cNvPr id="1" name=""/>
+        <p:cNvGrpSpPr/>
+        <p:nvPr/>
+      </p:nvGrpSpPr>
+      <p:grpSpPr>
+        <a:xfrm>
+          <a:off x="0" y="0"/>
+          <a:ext cx="0" cy="0"/>
+          <a:chOff x="0" y="0"/>
+          <a:chExt cx="0" cy="0"/>
+        </a:xfrm>
+      </p:grpSpPr>
+      <p:sp>
+        <p:nvSpPr>
+          <p:cNvPr id="2" name="Slide Image Placeholder 1"/>
+          <p:cNvSpPr>
+            <a:spLocks noGrp="1" noRot="1" noChangeAspect="1"/>
+          </p:cNvSpPr>
+          <p:nvPr>
+            <p:ph type="sldImg"/>
+          </p:nvPr>
+        </p:nvSpPr>
+        <p:spPr/>
+      </p:sp>
+      <p:sp>
+        <p:nvSpPr>
+          <p:cNvPr id="3" name="Notes Placeholder 2"/>
+          <p:cNvSpPr>
+            <a:spLocks noGrp="1"/>
+          </p:cNvSpPr>
+          <p:nvPr>
+            <p:ph type="body" idx="1"/>
+          </p:nvPr>
+        </p:nvSpPr>
+        <p:spPr/>
+        <p:txBody>
+          <a:bodyPr/>
+          <a:lstStyle/>
+          <a:p>
+            <a:r>
+              <a:rPr lang="en-US" dirty="0"/>
+              <a:t>top emitters of CO2 include industrial combustion, solid fuel </a:t>
+            </a:r>
+            <a:r>
+              <a:rPr lang="en-US" dirty="0" err="1"/>
+              <a:t>insustries</a:t>
+            </a:r>
+            <a:r>
+              <a:rPr lang="en-US" dirty="0"/>
+              <a:t> and power stations.</a:t>
+            </a:r>
+          </a:p>
+          <a:p>
+            <a:r>
+              <a:rPr lang="en-US" dirty="0"/>
+              <a:t>In case of Methane the major emitters are combustion and animal wastes.</a:t>
+            </a:r>
+          </a:p>
+        </p:txBody>
+      </p:sp>
+      <p:sp>
+        <p:nvSpPr>
+          <p:cNvPr id="4" name="Slide Number Placeholder 3"/>
+          <p:cNvSpPr>
+            <a:spLocks noGrp="1"/>
+          </p:cNvSpPr>
+          <p:nvPr>
+            <p:ph type="sldNum" sz="quarter" idx="5"/>
+          </p:nvPr>
+        </p:nvSpPr>
+        <p:spPr/>
+        <p:txBody>
+          <a:bodyPr/>
+          <a:lstStyle/>
+          <a:p>
+            <a:fld id="{A89C7E07-3C67-C64C-8DA0-0404F6303970}" type="slidenum">
+              <a:rPr lang="en-US" smtClean="0"/>
+              <a:t>14</a:t>
+            </a:fld>
+            <a:endParaRPr lang="en-US" dirty="0"/>
+          </a:p>
+        </p:txBody>
+      </p:sp>
+    </p:spTree>
+    <p:extLst>
+      <p:ext uri="{BB962C8B-B14F-4D97-AF65-F5344CB8AC3E}">
+        <p14:creationId xmlns:p14="http://schemas.microsoft.com/office/powerpoint/2010/main" val="166919800"/>
+      </p:ext>
+    </p:extLst>
+  </p:cSld>
+  <p:clrMapOvr>
+    <a:masterClrMapping/>
+  </p:clrMapOvr>
+</p:notes>
+</file>
+
+<file path=ppt/notesSlides/notesSlide7.xml><?xml version="1.0" encoding="utf-8"?>
+<p:notes xmlns:a="http://schemas.openxmlformats.org/drawingml/2006/main" xmlns:r="http://schemas.openxmlformats.org/officeDocument/2006/relationships" xmlns:p="http://schemas.openxmlformats.org/presentationml/2006/main">
+  <p:cSld>
+    <p:spTree>
+      <p:nvGrpSpPr>
+        <p:cNvPr id="1" name=""/>
+        <p:cNvGrpSpPr/>
+        <p:nvPr/>
+      </p:nvGrpSpPr>
+      <p:grpSpPr>
+        <a:xfrm>
+          <a:off x="0" y="0"/>
+          <a:ext cx="0" cy="0"/>
+          <a:chOff x="0" y="0"/>
+          <a:chExt cx="0" cy="0"/>
+        </a:xfrm>
+      </p:grpSpPr>
+      <p:sp>
+        <p:nvSpPr>
+          <p:cNvPr id="2" name="Slide Image Placeholder 1"/>
+          <p:cNvSpPr>
+            <a:spLocks noGrp="1" noRot="1" noChangeAspect="1"/>
+          </p:cNvSpPr>
+          <p:nvPr>
+            <p:ph type="sldImg"/>
+          </p:nvPr>
+        </p:nvSpPr>
+        <p:spPr/>
+      </p:sp>
+      <p:sp>
+        <p:nvSpPr>
+          <p:cNvPr id="3" name="Notes Placeholder 2"/>
+          <p:cNvSpPr>
+            <a:spLocks noGrp="1"/>
+          </p:cNvSpPr>
+          <p:nvPr>
+            <p:ph type="body" idx="1"/>
+          </p:nvPr>
+        </p:nvSpPr>
+        <p:spPr/>
+        <p:txBody>
+          <a:bodyPr/>
+          <a:lstStyle/>
+          <a:p>
+            <a:r>
+              <a:rPr lang="en-US" dirty="0"/>
+              <a:t>The top emitters for Nitrous oxide include combustion, power plants and animal wastes</a:t>
+            </a:r>
+          </a:p>
+          <a:p>
+            <a:r>
+              <a:rPr lang="en-US" dirty="0"/>
+              <a:t>While the sole emitter of </a:t>
+            </a:r>
+            <a:r>
+              <a:rPr lang="en-US" dirty="0" err="1"/>
+              <a:t>hydroflurocarbons</a:t>
+            </a:r>
+            <a:r>
+              <a:rPr lang="en-US" dirty="0"/>
+              <a:t> included refrigeration and air conditioning</a:t>
+            </a:r>
+          </a:p>
+        </p:txBody>
+      </p:sp>
+      <p:sp>
+        <p:nvSpPr>
+          <p:cNvPr id="4" name="Slide Number Placeholder 3"/>
+          <p:cNvSpPr>
+            <a:spLocks noGrp="1"/>
+          </p:cNvSpPr>
+          <p:nvPr>
+            <p:ph type="sldNum" sz="quarter" idx="5"/>
+          </p:nvPr>
+        </p:nvSpPr>
+        <p:spPr/>
+        <p:txBody>
+          <a:bodyPr/>
+          <a:lstStyle/>
+          <a:p>
+            <a:fld id="{A89C7E07-3C67-C64C-8DA0-0404F6303970}" type="slidenum">
+              <a:rPr lang="en-US" smtClean="0"/>
+              <a:t>15</a:t>
+            </a:fld>
+            <a:endParaRPr lang="en-US" dirty="0"/>
+          </a:p>
+        </p:txBody>
+      </p:sp>
+    </p:spTree>
+    <p:extLst>
+      <p:ext uri="{BB962C8B-B14F-4D97-AF65-F5344CB8AC3E}">
+        <p14:creationId xmlns:p14="http://schemas.microsoft.com/office/powerpoint/2010/main" val="2365768345"/>
+      </p:ext>
+    </p:extLst>
+  </p:cSld>
+  <p:clrMapOvr>
+    <a:masterClrMapping/>
+  </p:clrMapOvr>
+</p:notes>
+</file>
+
+<file path=ppt/notesSlides/notesSlide8.xml><?xml version="1.0" encoding="utf-8"?>
+<p:notes xmlns:a="http://schemas.openxmlformats.org/drawingml/2006/main" xmlns:r="http://schemas.openxmlformats.org/officeDocument/2006/relationships" xmlns:p="http://schemas.openxmlformats.org/presentationml/2006/main">
+  <p:cSld>
+    <p:spTree>
+      <p:nvGrpSpPr>
+        <p:cNvPr id="1" name=""/>
+        <p:cNvGrpSpPr/>
+        <p:nvPr/>
+      </p:nvGrpSpPr>
+      <p:grpSpPr>
+        <a:xfrm>
+          <a:off x="0" y="0"/>
+          <a:ext cx="0" cy="0"/>
+          <a:chOff x="0" y="0"/>
+          <a:chExt cx="0" cy="0"/>
+        </a:xfrm>
+      </p:grpSpPr>
+      <p:sp>
+        <p:nvSpPr>
+          <p:cNvPr id="2" name="Slide Image Placeholder 1"/>
+          <p:cNvSpPr>
+            <a:spLocks noGrp="1" noRot="1" noChangeAspect="1"/>
+          </p:cNvSpPr>
+          <p:nvPr>
+            <p:ph type="sldImg"/>
+          </p:nvPr>
+        </p:nvSpPr>
+        <p:spPr/>
+      </p:sp>
+      <p:sp>
+        <p:nvSpPr>
+          <p:cNvPr id="3" name="Notes Placeholder 2"/>
+          <p:cNvSpPr>
+            <a:spLocks noGrp="1"/>
+          </p:cNvSpPr>
+          <p:nvPr>
+            <p:ph type="body" idx="1"/>
+          </p:nvPr>
+        </p:nvSpPr>
+        <p:spPr/>
+        <p:txBody>
+          <a:bodyPr/>
+          <a:lstStyle/>
+          <a:p>
+            <a:endParaRPr lang="en-US" dirty="0"/>
+          </a:p>
+        </p:txBody>
+      </p:sp>
+      <p:sp>
+        <p:nvSpPr>
+          <p:cNvPr id="4" name="Slide Number Placeholder 3"/>
+          <p:cNvSpPr>
+            <a:spLocks noGrp="1"/>
+          </p:cNvSpPr>
+          <p:nvPr>
+            <p:ph type="sldNum" sz="quarter" idx="5"/>
+          </p:nvPr>
+        </p:nvSpPr>
+        <p:spPr/>
+        <p:txBody>
+          <a:bodyPr/>
+          <a:lstStyle/>
+          <a:p>
+            <a:fld id="{A89C7E07-3C67-C64C-8DA0-0404F6303970}" type="slidenum">
+              <a:rPr lang="en-US" smtClean="0"/>
+              <a:t>16</a:t>
+            </a:fld>
+            <a:endParaRPr lang="en-US" dirty="0"/>
+          </a:p>
+        </p:txBody>
+      </p:sp>
+    </p:spTree>
+    <p:extLst>
+      <p:ext uri="{BB962C8B-B14F-4D97-AF65-F5344CB8AC3E}">
+        <p14:creationId xmlns:p14="http://schemas.microsoft.com/office/powerpoint/2010/main" val="1801149121"/>
+      </p:ext>
+    </p:extLst>
+  </p:cSld>
+  <p:clrMapOvr>
+    <a:masterClrMapping/>
+  </p:clrMapOvr>
+</p:notes>
+</file>
+
+<file path=ppt/notesSlides/notesSlide9.xml><?xml version="1.0" encoding="utf-8"?>
+<p:notes xmlns:a="http://schemas.openxmlformats.org/drawingml/2006/main" xmlns:r="http://schemas.openxmlformats.org/officeDocument/2006/relationships" xmlns:p="http://schemas.openxmlformats.org/presentationml/2006/main">
+  <p:cSld>
+    <p:spTree>
+      <p:nvGrpSpPr>
+        <p:cNvPr id="1" name=""/>
+        <p:cNvGrpSpPr/>
+        <p:nvPr/>
+      </p:nvGrpSpPr>
+      <p:grpSpPr>
+        <a:xfrm>
+          <a:off x="0" y="0"/>
+          <a:ext cx="0" cy="0"/>
+          <a:chOff x="0" y="0"/>
+          <a:chExt cx="0" cy="0"/>
+        </a:xfrm>
+      </p:grpSpPr>
+      <p:sp>
+        <p:nvSpPr>
+          <p:cNvPr id="2" name="Slide Image Placeholder 1"/>
+          <p:cNvSpPr>
+            <a:spLocks noGrp="1" noRot="1" noChangeAspect="1"/>
+          </p:cNvSpPr>
+          <p:nvPr>
+            <p:ph type="sldImg"/>
+          </p:nvPr>
+        </p:nvSpPr>
+        <p:spPr/>
+      </p:sp>
+      <p:sp>
+        <p:nvSpPr>
+          <p:cNvPr id="3" name="Notes Placeholder 2"/>
+          <p:cNvSpPr>
+            <a:spLocks noGrp="1"/>
+          </p:cNvSpPr>
+          <p:nvPr>
+            <p:ph type="body" idx="1"/>
+          </p:nvPr>
+        </p:nvSpPr>
+        <p:spPr/>
+        <p:txBody>
+          <a:bodyPr/>
+          <a:lstStyle/>
+          <a:p>
             <a:endParaRPr lang="en-US" dirty="0"/>
           </a:p>
         </p:txBody>
@@ -2034,7 +2868,7 @@
             <a:fld id="{6FCA8E82-58CD-E045-8B98-B7A85B79B752}" type="datetime4">
               <a:rPr lang="en-US" smtClean="0"/>
               <a:pPr/>
-              <a:t>October 17, 2022</a:t>
+              <a:t>October 18, 2022</a:t>
             </a:fld>
             <a:endParaRPr lang="en-US" dirty="0">
               <a:latin typeface="+mn-lt"/>
@@ -3164,7 +3998,7 @@
             <a:fld id="{6FCA8E82-58CD-E045-8B98-B7A85B79B752}" type="datetime4">
               <a:rPr lang="en-US" smtClean="0"/>
               <a:pPr/>
-              <a:t>October 17, 2022</a:t>
+              <a:t>October 18, 2022</a:t>
             </a:fld>
             <a:endParaRPr lang="en-US" dirty="0">
               <a:latin typeface="+mn-lt"/>
@@ -4293,7 +5127,7 @@
             <a:fld id="{6FCA8E82-58CD-E045-8B98-B7A85B79B752}" type="datetime4">
               <a:rPr lang="en-US" smtClean="0"/>
               <a:pPr/>
-              <a:t>October 17, 2022</a:t>
+              <a:t>October 18, 2022</a:t>
             </a:fld>
             <a:endParaRPr lang="en-US" dirty="0">
               <a:latin typeface="+mn-lt"/>
@@ -6591,7 +7425,7 @@
             <a:fld id="{6FCA8E82-58CD-E045-8B98-B7A85B79B752}" type="datetime4">
               <a:rPr lang="en-US" smtClean="0"/>
               <a:pPr/>
-              <a:t>October 17, 2022</a:t>
+              <a:t>October 18, 2022</a:t>
             </a:fld>
             <a:endParaRPr lang="en-US" dirty="0">
               <a:latin typeface="+mn-lt"/>
@@ -7226,7 +8060,7 @@
             <a:fld id="{6FCA8E82-58CD-E045-8B98-B7A85B79B752}" type="datetime4">
               <a:rPr lang="en-US" smtClean="0"/>
               <a:pPr/>
-              <a:t>October 17, 2022</a:t>
+              <a:t>October 18, 2022</a:t>
             </a:fld>
             <a:endParaRPr lang="en-US" dirty="0">
               <a:latin typeface="+mn-lt"/>
@@ -7996,7 +8830,7 @@
             <a:fld id="{6FCA8E82-58CD-E045-8B98-B7A85B79B752}" type="datetime4">
               <a:rPr lang="en-US" smtClean="0"/>
               <a:pPr/>
-              <a:t>October 17, 2022</a:t>
+              <a:t>October 18, 2022</a:t>
             </a:fld>
             <a:endParaRPr lang="en-US" dirty="0">
               <a:latin typeface="+mn-lt"/>
@@ -8260,7 +9094,7 @@
             <a:fld id="{6FCA8E82-58CD-E045-8B98-B7A85B79B752}" type="datetime4">
               <a:rPr lang="en-US" smtClean="0"/>
               <a:pPr/>
-              <a:t>October 17, 2022</a:t>
+              <a:t>October 18, 2022</a:t>
             </a:fld>
             <a:endParaRPr lang="en-US" dirty="0">
               <a:latin typeface="+mn-lt"/>
@@ -11183,7 +12017,7 @@
             <a:fld id="{6FCA8E82-58CD-E045-8B98-B7A85B79B752}" type="datetime4">
               <a:rPr lang="en-US" smtClean="0"/>
               <a:pPr/>
-              <a:t>October 17, 2022</a:t>
+              <a:t>October 18, 2022</a:t>
             </a:fld>
             <a:endParaRPr lang="en-US" dirty="0">
               <a:latin typeface="+mn-lt"/>
@@ -12358,7 +13192,7 @@
             <a:fld id="{6FCA8E82-58CD-E045-8B98-B7A85B79B752}" type="datetime4">
               <a:rPr lang="en-US" smtClean="0"/>
               <a:pPr/>
-              <a:t>October 17, 2022</a:t>
+              <a:t>October 18, 2022</a:t>
             </a:fld>
             <a:endParaRPr lang="en-US" dirty="0">
               <a:latin typeface="+mn-lt"/>
@@ -12674,7 +13508,7 @@
             <a:fld id="{6FCA8E82-58CD-E045-8B98-B7A85B79B752}" type="datetime4">
               <a:rPr lang="en-US" smtClean="0"/>
               <a:pPr/>
-              <a:t>October 17, 2022</a:t>
+              <a:t>October 18, 2022</a:t>
             </a:fld>
             <a:endParaRPr lang="en-US" dirty="0">
               <a:latin typeface="+mn-lt"/>
@@ -13614,7 +14448,7 @@
           <p:nvPr/>
         </p:nvPicPr>
         <p:blipFill>
-          <a:blip r:embed="rId2">
+          <a:blip r:embed="rId3">
             <a:extLst>
               <a:ext uri="{28A0092B-C50C-407E-A947-70E740481C1C}">
                 <a14:useLocalDpi xmlns:a14="http://schemas.microsoft.com/office/drawing/2010/main" val="0"/>
@@ -13650,7 +14484,7 @@
           <p:nvPr/>
         </p:nvPicPr>
         <p:blipFill>
-          <a:blip r:embed="rId3">
+          <a:blip r:embed="rId4">
             <a:extLst>
               <a:ext uri="{28A0092B-C50C-407E-A947-70E740481C1C}">
                 <a14:useLocalDpi xmlns:a14="http://schemas.microsoft.com/office/drawing/2010/main" val="0"/>
@@ -13686,7 +14520,7 @@
           <p:nvPr/>
         </p:nvPicPr>
         <p:blipFill>
-          <a:blip r:embed="rId4">
+          <a:blip r:embed="rId5">
             <a:extLst>
               <a:ext uri="{28A0092B-C50C-407E-A947-70E740481C1C}">
                 <a14:useLocalDpi xmlns:a14="http://schemas.microsoft.com/office/drawing/2010/main" val="0"/>
@@ -13722,7 +14556,7 @@
           <p:nvPr/>
         </p:nvPicPr>
         <p:blipFill>
-          <a:blip r:embed="rId5">
+          <a:blip r:embed="rId6">
             <a:extLst>
               <a:ext uri="{28A0092B-C50C-407E-A947-70E740481C1C}">
                 <a14:useLocalDpi xmlns:a14="http://schemas.microsoft.com/office/drawing/2010/main" val="0"/>
@@ -13889,7 +14723,7 @@
         </p:nvSpPr>
         <p:spPr>
           <a:xfrm>
-            <a:off x="919250" y="1315634"/>
+            <a:off x="229933" y="1389835"/>
             <a:ext cx="4838700" cy="315915"/>
           </a:xfrm>
         </p:spPr>
@@ -13905,7 +14739,7 @@
                 <a:ea typeface="+mn-ea"/>
                 <a:cs typeface="+mn-cs"/>
               </a:rPr>
-              <a:t>SOURCES &amp; END-USERS</a:t>
+              <a:t>BY BOTH SOURCES &amp; END-USERS</a:t>
             </a:r>
             <a:endParaRPr lang="en-US" sz="2000" b="0" i="0" kern="1200" spc="0" baseline="0" dirty="0">
               <a:solidFill>
@@ -13933,7 +14767,7 @@
           <p:nvPr/>
         </p:nvPicPr>
         <p:blipFill>
-          <a:blip r:embed="rId2">
+          <a:blip r:embed="rId3">
             <a:extLst>
               <a:ext uri="{28A0092B-C50C-407E-A947-70E740481C1C}">
                 <a14:useLocalDpi xmlns:a14="http://schemas.microsoft.com/office/drawing/2010/main" val="0"/>
@@ -14084,7 +14918,7 @@
           <p:nvPr/>
         </p:nvPicPr>
         <p:blipFill>
-          <a:blip r:embed="rId2">
+          <a:blip r:embed="rId3">
             <a:extLst>
               <a:ext uri="{28A0092B-C50C-407E-A947-70E740481C1C}">
                 <a14:useLocalDpi xmlns:a14="http://schemas.microsoft.com/office/drawing/2010/main" val="0"/>
@@ -14121,8 +14955,8 @@
         </p:nvSpPr>
         <p:spPr>
           <a:xfrm>
-            <a:off x="6687416" y="1730053"/>
-            <a:ext cx="6055369" cy="370904"/>
+            <a:off x="6266574" y="1613813"/>
+            <a:ext cx="5508777" cy="5127947"/>
           </a:xfrm>
           <a:prstGeom prst="rect">
             <a:avLst/>
@@ -14325,7 +15159,7 @@
           <a:p>
             <a:r>
               <a:rPr lang="en-GB" sz="1800" dirty="0"/>
-              <a:t>Refrigeration and air conditioning,</a:t>
+              <a:t>Drainage of organic soils - settlements</a:t>
             </a:r>
           </a:p>
           <a:p>
@@ -14335,6 +15169,18 @@
             </a:r>
           </a:p>
           <a:p>
+            <a:endParaRPr lang="en-GB" sz="1800" dirty="0"/>
+          </a:p>
+          <a:p>
+            <a:r>
+              <a:rPr lang="en-GB" sz="1800" dirty="0"/>
+              <a:t>Refrigeration and air conditioning,</a:t>
+            </a:r>
+          </a:p>
+          <a:p>
+            <a:endParaRPr lang="en-GB" sz="1800" dirty="0"/>
+          </a:p>
+          <a:p>
             <a:r>
               <a:rPr lang="en-GB" sz="1800" dirty="0"/>
               <a:t>Glass Production,</a:t>
@@ -14356,12 +15202,6 @@
             <a:r>
               <a:rPr lang="en-GB" sz="1800" dirty="0"/>
               <a:t>Power stations, </a:t>
-            </a:r>
-          </a:p>
-          <a:p>
-            <a:r>
-              <a:rPr lang="en-GB" sz="1800" dirty="0"/>
-              <a:t>Drainage of organic soils - settlements</a:t>
             </a:r>
           </a:p>
           <a:p>
@@ -14426,7 +15266,7 @@
         </p:nvSpPr>
         <p:spPr>
           <a:xfrm>
-            <a:off x="852748" y="1297898"/>
+            <a:off x="655401" y="1297898"/>
             <a:ext cx="4838700" cy="315915"/>
           </a:xfrm>
         </p:spPr>
@@ -14442,7 +15282,7 @@
                 <a:ea typeface="+mn-ea"/>
                 <a:cs typeface="+mn-cs"/>
               </a:rPr>
-              <a:t>SOURCE &amp; END-USERS</a:t>
+              <a:t>BY BOTH SOURCE &amp; END-USERS</a:t>
             </a:r>
           </a:p>
         </p:txBody>
@@ -14464,7 +15304,7 @@
         <p:spPr>
           <a:xfrm>
             <a:off x="5691448" y="1613813"/>
-            <a:ext cx="5367647" cy="4478229"/>
+            <a:ext cx="5845151" cy="4478229"/>
           </a:xfrm>
           <a:prstGeom prst="rect">
             <a:avLst/>
@@ -14825,7 +15665,7 @@
                 <a:effectLst/>
                 <a:latin typeface="arial" panose="020B0604020202020204" pitchFamily="34" charset="0"/>
               </a:rPr>
-              <a:t>HFCs are highly effective at trapping solar radiation (infrared radiation) and redirecting that radiant energy toward Earth's surface. </a:t>
+              <a:t>HFCs are highly effective at trapping solar radiation (infrared radiation) and redirecting it toward Earth's surface. </a:t>
             </a:r>
           </a:p>
           <a:p>
@@ -14863,7 +15703,7 @@
           <p:nvPr/>
         </p:nvPicPr>
         <p:blipFill>
-          <a:blip r:embed="rId2">
+          <a:blip r:embed="rId3">
             <a:extLst>
               <a:ext uri="{28A0092B-C50C-407E-A947-70E740481C1C}">
                 <a14:useLocalDpi xmlns:a14="http://schemas.microsoft.com/office/drawing/2010/main" val="0"/>
@@ -15079,7 +15919,7 @@
           <p:nvPr/>
         </p:nvPicPr>
         <p:blipFill>
-          <a:blip r:embed="rId2">
+          <a:blip r:embed="rId3">
             <a:extLst>
               <a:ext uri="{28A0092B-C50C-407E-A947-70E740481C1C}">
                 <a14:useLocalDpi xmlns:a14="http://schemas.microsoft.com/office/drawing/2010/main" val="0"/>
@@ -15115,7 +15955,7 @@
           <p:nvPr/>
         </p:nvPicPr>
         <p:blipFill>
-          <a:blip r:embed="rId3">
+          <a:blip r:embed="rId4">
             <a:extLst>
               <a:ext uri="{28A0092B-C50C-407E-A947-70E740481C1C}">
                 <a14:useLocalDpi xmlns:a14="http://schemas.microsoft.com/office/drawing/2010/main" val="0"/>
@@ -15625,7 +16465,7 @@
                 <a:ea typeface="+mj-ea"/>
                 <a:cs typeface="+mj-cs"/>
               </a:rPr>
-              <a:t>Top Emitters</a:t>
+              <a:t>Top Emitters of -</a:t>
             </a:r>
           </a:p>
         </p:txBody>
@@ -15916,7 +16756,7 @@
           <p:nvPr/>
         </p:nvPicPr>
         <p:blipFill>
-          <a:blip r:embed="rId2">
+          <a:blip r:embed="rId3">
             <a:extLst>
               <a:ext uri="{28A0092B-C50C-407E-A947-70E740481C1C}">
                 <a14:useLocalDpi xmlns:a14="http://schemas.microsoft.com/office/drawing/2010/main" val="0"/>
@@ -15929,8 +16769,8 @@
         </p:blipFill>
         <p:spPr>
           <a:xfrm>
-            <a:off x="872074" y="2277002"/>
-            <a:ext cx="4963461" cy="4141027"/>
+            <a:off x="999105" y="2499666"/>
+            <a:ext cx="5223926" cy="4358334"/>
           </a:xfrm>
           <a:prstGeom prst="rect">
             <a:avLst/>
@@ -15952,7 +16792,7 @@
           <p:nvPr/>
         </p:nvPicPr>
         <p:blipFill>
-          <a:blip r:embed="rId3">
+          <a:blip r:embed="rId4">
             <a:extLst>
               <a:ext uri="{28A0092B-C50C-407E-A947-70E740481C1C}">
                 <a14:useLocalDpi xmlns:a14="http://schemas.microsoft.com/office/drawing/2010/main" val="0"/>
@@ -15965,7 +16805,7 @@
         </p:blipFill>
         <p:spPr>
           <a:xfrm>
-            <a:off x="5907467" y="2302004"/>
+            <a:off x="5783899" y="2516170"/>
             <a:ext cx="6284533" cy="4325326"/>
           </a:xfrm>
           <a:prstGeom prst="rect">
@@ -16230,11 +17070,11 @@
             <a:r>
               <a:rPr lang="en-US" dirty="0">
                 <a:solidFill>
-                  <a:srgbClr val="00B050"/>
+                  <a:schemeClr val="bg1"/>
                 </a:solidFill>
                 <a:latin typeface="+mn-lt"/>
               </a:rPr>
-              <a:t>There still exists an upward trend in the activities of the major contributing sectors</a:t>
+              <a:t>There still exists an upward trend in the activities of the major contributing sectors for GG emission</a:t>
             </a:r>
           </a:p>
           <a:p>
@@ -16245,11 +17085,11 @@
             <a:r>
               <a:rPr lang="en-US" dirty="0">
                 <a:solidFill>
-                  <a:srgbClr val="00B050"/>
+                  <a:schemeClr val="bg1"/>
                 </a:solidFill>
                 <a:latin typeface="+mn-lt"/>
               </a:rPr>
-              <a:t>The policy makers need to take stringent urgent measures that ensures current practices are rapidly transformed to  slow the release of the greenhouse gas emission</a:t>
+              <a:t>The policy makers need to take stringent urgent measures that ensures current practices are rapidly transformed to slow the release of the emission</a:t>
             </a:r>
           </a:p>
           <a:p>
@@ -16260,11 +17100,11 @@
             <a:r>
               <a:rPr lang="en-US" dirty="0">
                 <a:solidFill>
-                  <a:srgbClr val="00B050"/>
+                  <a:schemeClr val="bg1"/>
                 </a:solidFill>
                 <a:latin typeface="+mn-lt"/>
               </a:rPr>
-              <a:t>Alternatively we should also look into modalities to capture and transform already released gases to limit its damages.</a:t>
+              <a:t>Alternatively, we should also look into modalities to capture and transform already released gases to limit its damages.</a:t>
             </a:r>
           </a:p>
         </p:txBody>
@@ -16720,7 +17560,7 @@
                   <a:srgbClr val="FF0000"/>
                 </a:solidFill>
               </a:rPr>
-              <a:t>Industrial combustion and electricity, </a:t>
+              <a:t>Industrial combustion, </a:t>
             </a:r>
           </a:p>
           <a:p>
@@ -16740,7 +17580,7 @@
                   <a:srgbClr val="FF0000"/>
                 </a:solidFill>
               </a:rPr>
-              <a:t>Cattle &amp; Pig wastes, </a:t>
+              <a:t>Animal wastes, </a:t>
             </a:r>
           </a:p>
           <a:p>
@@ -16820,7 +17660,7 @@
           <p:nvPr/>
         </p:nvPicPr>
         <p:blipFill>
-          <a:blip r:embed="rId2">
+          <a:blip r:embed="rId3">
             <a:extLst>
               <a:ext uri="{28A0092B-C50C-407E-A947-70E740481C1C}">
                 <a14:useLocalDpi xmlns:a14="http://schemas.microsoft.com/office/drawing/2010/main" val="0"/>
@@ -16833,7 +17673,7 @@
         </p:blipFill>
         <p:spPr>
           <a:xfrm>
-            <a:off x="1947488" y="4231086"/>
+            <a:off x="1764608" y="4359837"/>
             <a:ext cx="1877265" cy="1702266"/>
           </a:xfrm>
           <a:prstGeom prst="rect">
@@ -19604,8 +20444,8 @@
         </p:nvSpPr>
         <p:spPr>
           <a:xfrm>
-            <a:off x="9524118" y="5465101"/>
-            <a:ext cx="1835759" cy="369332"/>
+            <a:off x="8791972" y="4239752"/>
+            <a:ext cx="2666506" cy="276999"/>
           </a:xfrm>
           <a:prstGeom prst="rect">
             <a:avLst/>
@@ -19613,18 +20453,18 @@
           <a:noFill/>
         </p:spPr>
         <p:txBody>
-          <a:bodyPr wrap="none" rtlCol="0">
+          <a:bodyPr wrap="square" rtlCol="0">
             <a:spAutoFit/>
           </a:bodyPr>
           <a:lstStyle/>
           <a:p>
             <a:r>
-              <a:rPr lang="en-US" dirty="0">
+              <a:rPr lang="en-US" sz="1200" dirty="0">
                 <a:solidFill>
                   <a:schemeClr val="bg1"/>
                 </a:solidFill>
               </a:rPr>
-              <a:t>Biomass Burning</a:t>
+              <a:t>Biomass Burning (Forest fires)</a:t>
             </a:r>
           </a:p>
         </p:txBody>
@@ -19643,8 +20483,8 @@
         </p:nvSpPr>
         <p:spPr>
           <a:xfrm>
-            <a:off x="9231458" y="2460819"/>
-            <a:ext cx="2738869" cy="1384995"/>
+            <a:off x="8755790" y="2412142"/>
+            <a:ext cx="3089207" cy="1384995"/>
           </a:xfrm>
           <a:prstGeom prst="rect">
             <a:avLst/>
@@ -19660,70 +20500,63 @@
             <a:r>
               <a:rPr lang="en-GB" sz="1200" i="0" u="none" strike="noStrike" dirty="0">
                 <a:solidFill>
-                  <a:srgbClr val="202124"/>
+                  <a:schemeClr val="bg1"/>
                 </a:solidFill>
                 <a:effectLst/>
-                <a:latin typeface="arial" panose="020B0604020202020204" pitchFamily="34" charset="0"/>
               </a:rPr>
-              <a:t>Drainage of organic soils releases CO</a:t>
+              <a:t>Drainage of organic soils (releases CO</a:t>
             </a:r>
             <a:r>
               <a:rPr lang="en-GB" sz="1200" i="0" u="none" strike="noStrike" baseline="-25000" dirty="0">
                 <a:solidFill>
-                  <a:srgbClr val="202124"/>
+                  <a:schemeClr val="bg1"/>
                 </a:solidFill>
                 <a:effectLst/>
-                <a:latin typeface="arial" panose="020B0604020202020204" pitchFamily="34" charset="0"/>
               </a:rPr>
               <a:t>2</a:t>
             </a:r>
             <a:r>
               <a:rPr lang="en-GB" sz="1200" i="0" u="none" strike="noStrike" dirty="0">
                 <a:solidFill>
-                  <a:srgbClr val="202124"/>
+                  <a:schemeClr val="bg1"/>
                 </a:solidFill>
                 <a:effectLst/>
-                <a:latin typeface="arial" panose="020B0604020202020204" pitchFamily="34" charset="0"/>
               </a:rPr>
               <a:t> and NO</a:t>
             </a:r>
             <a:r>
               <a:rPr lang="en-GB" sz="1200" i="0" u="none" strike="noStrike" baseline="-25000" dirty="0">
                 <a:solidFill>
-                  <a:srgbClr val="202124"/>
+                  <a:schemeClr val="bg1"/>
                 </a:solidFill>
                 <a:effectLst/>
-                <a:latin typeface="arial" panose="020B0604020202020204" pitchFamily="34" charset="0"/>
               </a:rPr>
               <a:t>2</a:t>
             </a:r>
             <a:r>
               <a:rPr lang="en-GB" sz="1200" i="0" u="none" strike="noStrike" dirty="0">
                 <a:solidFill>
-                  <a:srgbClr val="202124"/>
+                  <a:schemeClr val="bg1"/>
                 </a:solidFill>
                 <a:effectLst/>
-                <a:latin typeface="arial" panose="020B0604020202020204" pitchFamily="34" charset="0"/>
               </a:rPr>
-              <a:t> into the atmosphere</a:t>
+              <a:t> into the atmosphere)</a:t>
             </a:r>
           </a:p>
           <a:p>
             <a:endParaRPr lang="en-GB" sz="1200" dirty="0">
               <a:solidFill>
-                <a:srgbClr val="202124"/>
+                <a:schemeClr val="bg1"/>
               </a:solidFill>
-              <a:latin typeface="arial" panose="020B0604020202020204" pitchFamily="34" charset="0"/>
             </a:endParaRPr>
           </a:p>
           <a:p>
             <a:r>
               <a:rPr lang="en-GB" sz="1200" i="0" u="none" strike="noStrike" dirty="0">
                 <a:solidFill>
-                  <a:srgbClr val="202124"/>
+                  <a:schemeClr val="bg1"/>
                 </a:solidFill>
                 <a:effectLst/>
-                <a:latin typeface="arial" panose="020B0604020202020204" pitchFamily="34" charset="0"/>
               </a:rPr>
               <a:t>Farming (Cropland)</a:t>
             </a:r>
@@ -19731,67 +20564,60 @@
           <a:p>
             <a:endParaRPr lang="en-GB" sz="1200" b="0" i="0" u="none" strike="noStrike" dirty="0">
               <a:solidFill>
-                <a:srgbClr val="4D4C44"/>
+                <a:schemeClr val="bg1"/>
               </a:solidFill>
               <a:effectLst/>
-              <a:latin typeface="Hind" panose="020B0604020202020204" pitchFamily="34" charset="0"/>
             </a:endParaRPr>
           </a:p>
           <a:p>
             <a:r>
               <a:rPr lang="en-GB" sz="1200" dirty="0">
                 <a:solidFill>
-                  <a:srgbClr val="4D4C44"/>
-                </a:solidFill>
-                <a:latin typeface="Hind" panose="020B0604020202020204" pitchFamily="34" charset="0"/>
+                  <a:schemeClr val="bg1"/>
+                </a:solidFill>
               </a:rPr>
               <a:t>W</a:t>
             </a:r>
             <a:r>
               <a:rPr lang="en-GB" sz="1200" b="0" i="0" u="none" strike="noStrike" dirty="0">
                 <a:solidFill>
-                  <a:srgbClr val="4D4C44"/>
+                  <a:schemeClr val="bg1"/>
                 </a:solidFill>
                 <a:effectLst/>
-                <a:latin typeface="Hind" panose="020B0604020202020204" pitchFamily="34" charset="0"/>
               </a:rPr>
               <a:t>etland - </a:t>
             </a:r>
             <a:r>
               <a:rPr lang="en-GB" sz="1200" dirty="0">
                 <a:solidFill>
-                  <a:srgbClr val="4D4C44"/>
-                </a:solidFill>
-                <a:latin typeface="Hind" panose="020B0604020202020204" pitchFamily="34" charset="0"/>
+                  <a:schemeClr val="bg1"/>
+                </a:solidFill>
               </a:rPr>
               <a:t>P</a:t>
             </a:r>
             <a:r>
               <a:rPr lang="en-GB" sz="1200" b="0" i="0" u="none" strike="noStrike" dirty="0">
                 <a:solidFill>
-                  <a:srgbClr val="4D4C44"/>
+                  <a:schemeClr val="bg1"/>
                 </a:solidFill>
                 <a:effectLst/>
-                <a:latin typeface="Hind" panose="020B0604020202020204" pitchFamily="34" charset="0"/>
               </a:rPr>
               <a:t>lants growing </a:t>
             </a:r>
             <a:r>
               <a:rPr lang="en-GB" sz="1200" dirty="0">
                 <a:solidFill>
-                  <a:srgbClr val="4D4C44"/>
-                </a:solidFill>
-                <a:latin typeface="Hind" panose="020B0604020202020204" pitchFamily="34" charset="0"/>
+                  <a:schemeClr val="bg1"/>
+                </a:solidFill>
               </a:rPr>
               <a:t>in wetlands </a:t>
             </a:r>
             <a:r>
               <a:rPr lang="en-GB" sz="1200" b="0" i="0" u="none" strike="noStrike" dirty="0">
                 <a:solidFill>
-                  <a:srgbClr val="4D4C44"/>
+                  <a:schemeClr val="bg1"/>
                 </a:solidFill>
                 <a:effectLst/>
-                <a:latin typeface="Hind" panose="020B0604020202020204" pitchFamily="34" charset="0"/>
               </a:rPr>
               <a:t>emit methane to the atmosphere. </a:t>
             </a:r>
@@ -19926,7 +20752,7 @@
           <p:nvPr/>
         </p:nvPicPr>
         <p:blipFill>
-          <a:blip r:embed="rId2">
+          <a:blip r:embed="rId3">
             <a:extLst>
               <a:ext uri="{28A0092B-C50C-407E-A947-70E740481C1C}">
                 <a14:useLocalDpi xmlns:a14="http://schemas.microsoft.com/office/drawing/2010/main" val="0"/>
@@ -19962,7 +20788,7 @@
           <p:nvPr/>
         </p:nvPicPr>
         <p:blipFill>
-          <a:blip r:embed="rId3">
+          <a:blip r:embed="rId4">
             <a:extLst>
               <a:ext uri="{28A0092B-C50C-407E-A947-70E740481C1C}">
                 <a14:useLocalDpi xmlns:a14="http://schemas.microsoft.com/office/drawing/2010/main" val="0"/>
@@ -19998,7 +20824,7 @@
           <p:nvPr/>
         </p:nvPicPr>
         <p:blipFill>
-          <a:blip r:embed="rId4">
+          <a:blip r:embed="rId5">
             <a:extLst>
               <a:ext uri="{28A0092B-C50C-407E-A947-70E740481C1C}">
                 <a14:useLocalDpi xmlns:a14="http://schemas.microsoft.com/office/drawing/2010/main" val="0"/>
@@ -20034,7 +20860,7 @@
           <p:nvPr/>
         </p:nvPicPr>
         <p:blipFill>
-          <a:blip r:embed="rId5">
+          <a:blip r:embed="rId6">
             <a:extLst>
               <a:ext uri="{28A0092B-C50C-407E-A947-70E740481C1C}">
                 <a14:useLocalDpi xmlns:a14="http://schemas.microsoft.com/office/drawing/2010/main" val="0"/>
@@ -20860,12 +21686,12 @@
 </file>
 
 <file path=customXml/item1.xml><?xml version="1.0" encoding="utf-8"?>
-<p:properties xmlns:p="http://schemas.microsoft.com/office/2006/metadata/properties" xmlns:xsi="http://www.w3.org/2001/XMLSchema-instance" xmlns:pc="http://schemas.microsoft.com/office/infopath/2007/PartnerControls">
-  <documentManagement>
-    <Status xmlns="71af3243-3dd4-4a8d-8c0d-dd76da1f02a5">Not started</Status>
-    <MediaServiceKeyPoints xmlns="71af3243-3dd4-4a8d-8c0d-dd76da1f02a5" xsi:nil="true"/>
-  </documentManagement>
-</p:properties>
+<?mso-contentType ?>
+<FormTemplates xmlns="http://schemas.microsoft.com/sharepoint/v3/contenttype/forms">
+  <Display>DocumentLibraryForm</Display>
+  <Edit>DocumentLibraryForm</Edit>
+  <New>DocumentLibraryForm</New>
+</FormTemplates>
 </file>
 
 <file path=customXml/item2.xml><?xml version="1.0" encoding="utf-8"?>
@@ -21090,20 +21916,18 @@
 </file>
 
 <file path=customXml/item3.xml><?xml version="1.0" encoding="utf-8"?>
-<?mso-contentType ?>
-<FormTemplates xmlns="http://schemas.microsoft.com/sharepoint/v3/contenttype/forms">
-  <Display>DocumentLibraryForm</Display>
-  <Edit>DocumentLibraryForm</Edit>
-  <New>DocumentLibraryForm</New>
-</FormTemplates>
+<p:properties xmlns:p="http://schemas.microsoft.com/office/2006/metadata/properties" xmlns:xsi="http://www.w3.org/2001/XMLSchema-instance" xmlns:pc="http://schemas.microsoft.com/office/infopath/2007/PartnerControls">
+  <documentManagement>
+    <Status xmlns="71af3243-3dd4-4a8d-8c0d-dd76da1f02a5">Not started</Status>
+    <MediaServiceKeyPoints xmlns="71af3243-3dd4-4a8d-8c0d-dd76da1f02a5" xsi:nil="true"/>
+  </documentManagement>
+</p:properties>
 </file>
 
 <file path=customXml/itemProps1.xml><?xml version="1.0" encoding="utf-8"?>
-<ds:datastoreItem xmlns:ds="http://schemas.openxmlformats.org/officeDocument/2006/customXml" ds:itemID="{09EC1AB0-9704-404D-B6D3-819D938AC55B}">
+<ds:datastoreItem xmlns:ds="http://schemas.openxmlformats.org/officeDocument/2006/customXml" ds:itemID="{1D20B6E4-879E-4E6C-BDE7-261540CD3765}">
   <ds:schemaRefs>
-    <ds:schemaRef ds:uri="http://schemas.microsoft.com/office/2006/metadata/properties"/>
-    <ds:schemaRef ds:uri="http://schemas.microsoft.com/office/infopath/2007/PartnerControls"/>
-    <ds:schemaRef ds:uri="71af3243-3dd4-4a8d-8c0d-dd76da1f02a5"/>
+    <ds:schemaRef ds:uri="http://schemas.microsoft.com/sharepoint/v3/contenttype/forms"/>
   </ds:schemaRefs>
 </ds:datastoreItem>
 </file>
@@ -21128,9 +21952,11 @@
 </file>
 
 <file path=customXml/itemProps3.xml><?xml version="1.0" encoding="utf-8"?>
-<ds:datastoreItem xmlns:ds="http://schemas.openxmlformats.org/officeDocument/2006/customXml" ds:itemID="{1D20B6E4-879E-4E6C-BDE7-261540CD3765}">
+<ds:datastoreItem xmlns:ds="http://schemas.openxmlformats.org/officeDocument/2006/customXml" ds:itemID="{09EC1AB0-9704-404D-B6D3-819D938AC55B}">
   <ds:schemaRefs>
-    <ds:schemaRef ds:uri="http://schemas.microsoft.com/sharepoint/v3/contenttype/forms"/>
+    <ds:schemaRef ds:uri="http://schemas.microsoft.com/office/2006/metadata/properties"/>
+    <ds:schemaRef ds:uri="http://schemas.microsoft.com/office/infopath/2007/PartnerControls"/>
+    <ds:schemaRef ds:uri="71af3243-3dd4-4a8d-8c0d-dd76da1f02a5"/>
   </ds:schemaRefs>
 </ds:datastoreItem>
 </file>